--- a/client.pptx
+++ b/client.pptx
@@ -6,6 +6,8 @@
   </p:sldMasterIdLst>
   <p:sldIdLst>
     <p:sldId id="256" r:id="rId2"/>
+    <p:sldId id="257" r:id="rId3"/>
+    <p:sldId id="258" r:id="rId4"/>
   </p:sldIdLst>
   <p:sldSz cx="12192000" cy="6858000"/>
   <p:notesSz cx="6858000" cy="9144000"/>
@@ -259,7 +261,7 @@
           <a:p>
             <a:fld id="{8A91453D-3760-4F23-8382-326FE35B5F69}" type="datetimeFigureOut">
               <a:rPr lang="pt-PT" smtClean="0"/>
-              <a:t>06/05/2023</a:t>
+              <a:t>07/05/2023</a:t>
             </a:fld>
             <a:endParaRPr lang="pt-PT"/>
           </a:p>
@@ -457,7 +459,7 @@
           <a:p>
             <a:fld id="{8A91453D-3760-4F23-8382-326FE35B5F69}" type="datetimeFigureOut">
               <a:rPr lang="pt-PT" smtClean="0"/>
-              <a:t>06/05/2023</a:t>
+              <a:t>07/05/2023</a:t>
             </a:fld>
             <a:endParaRPr lang="pt-PT"/>
           </a:p>
@@ -665,7 +667,7 @@
           <a:p>
             <a:fld id="{8A91453D-3760-4F23-8382-326FE35B5F69}" type="datetimeFigureOut">
               <a:rPr lang="pt-PT" smtClean="0"/>
-              <a:t>06/05/2023</a:t>
+              <a:t>07/05/2023</a:t>
             </a:fld>
             <a:endParaRPr lang="pt-PT"/>
           </a:p>
@@ -863,7 +865,7 @@
           <a:p>
             <a:fld id="{8A91453D-3760-4F23-8382-326FE35B5F69}" type="datetimeFigureOut">
               <a:rPr lang="pt-PT" smtClean="0"/>
-              <a:t>06/05/2023</a:t>
+              <a:t>07/05/2023</a:t>
             </a:fld>
             <a:endParaRPr lang="pt-PT"/>
           </a:p>
@@ -1138,7 +1140,7 @@
           <a:p>
             <a:fld id="{8A91453D-3760-4F23-8382-326FE35B5F69}" type="datetimeFigureOut">
               <a:rPr lang="pt-PT" smtClean="0"/>
-              <a:t>06/05/2023</a:t>
+              <a:t>07/05/2023</a:t>
             </a:fld>
             <a:endParaRPr lang="pt-PT"/>
           </a:p>
@@ -1403,7 +1405,7 @@
           <a:p>
             <a:fld id="{8A91453D-3760-4F23-8382-326FE35B5F69}" type="datetimeFigureOut">
               <a:rPr lang="pt-PT" smtClean="0"/>
-              <a:t>06/05/2023</a:t>
+              <a:t>07/05/2023</a:t>
             </a:fld>
             <a:endParaRPr lang="pt-PT"/>
           </a:p>
@@ -1815,7 +1817,7 @@
           <a:p>
             <a:fld id="{8A91453D-3760-4F23-8382-326FE35B5F69}" type="datetimeFigureOut">
               <a:rPr lang="pt-PT" smtClean="0"/>
-              <a:t>06/05/2023</a:t>
+              <a:t>07/05/2023</a:t>
             </a:fld>
             <a:endParaRPr lang="pt-PT"/>
           </a:p>
@@ -1956,7 +1958,7 @@
           <a:p>
             <a:fld id="{8A91453D-3760-4F23-8382-326FE35B5F69}" type="datetimeFigureOut">
               <a:rPr lang="pt-PT" smtClean="0"/>
-              <a:t>06/05/2023</a:t>
+              <a:t>07/05/2023</a:t>
             </a:fld>
             <a:endParaRPr lang="pt-PT"/>
           </a:p>
@@ -2069,7 +2071,7 @@
           <a:p>
             <a:fld id="{8A91453D-3760-4F23-8382-326FE35B5F69}" type="datetimeFigureOut">
               <a:rPr lang="pt-PT" smtClean="0"/>
-              <a:t>06/05/2023</a:t>
+              <a:t>07/05/2023</a:t>
             </a:fld>
             <a:endParaRPr lang="pt-PT"/>
           </a:p>
@@ -2380,7 +2382,7 @@
           <a:p>
             <a:fld id="{8A91453D-3760-4F23-8382-326FE35B5F69}" type="datetimeFigureOut">
               <a:rPr lang="pt-PT" smtClean="0"/>
-              <a:t>06/05/2023</a:t>
+              <a:t>07/05/2023</a:t>
             </a:fld>
             <a:endParaRPr lang="pt-PT"/>
           </a:p>
@@ -2668,7 +2670,7 @@
           <a:p>
             <a:fld id="{8A91453D-3760-4F23-8382-326FE35B5F69}" type="datetimeFigureOut">
               <a:rPr lang="pt-PT" smtClean="0"/>
-              <a:t>06/05/2023</a:t>
+              <a:t>07/05/2023</a:t>
             </a:fld>
             <a:endParaRPr lang="pt-PT"/>
           </a:p>
@@ -2909,7 +2911,7 @@
           <a:p>
             <a:fld id="{8A91453D-3760-4F23-8382-326FE35B5F69}" type="datetimeFigureOut">
               <a:rPr lang="pt-PT" smtClean="0"/>
-              <a:t>06/05/2023</a:t>
+              <a:t>07/05/2023</a:t>
             </a:fld>
             <a:endParaRPr lang="pt-PT"/>
           </a:p>
@@ -3340,7 +3342,7 @@
         </p:nvGrpSpPr>
         <p:grpSpPr>
           <a:xfrm>
-            <a:off x="8944614" y="1950868"/>
+            <a:off x="9171117" y="2318077"/>
             <a:ext cx="2329577" cy="833995"/>
             <a:chOff x="3709273" y="464453"/>
             <a:chExt cx="1655687" cy="1068185"/>
@@ -3479,7 +3481,7 @@
         </p:nvSpPr>
         <p:spPr>
           <a:xfrm>
-            <a:off x="8345437" y="207308"/>
+            <a:off x="9236858" y="752163"/>
             <a:ext cx="1880672" cy="672069"/>
           </a:xfrm>
           <a:prstGeom prst="ellipse">
@@ -3543,7 +3545,7 @@
         </p:nvSpPr>
         <p:spPr>
           <a:xfrm>
-            <a:off x="9262291" y="3681123"/>
+            <a:off x="9488794" y="4048332"/>
             <a:ext cx="1880672" cy="672069"/>
           </a:xfrm>
           <a:prstGeom prst="ellipse">
@@ -3615,7 +3617,7 @@
         </p:nvSpPr>
         <p:spPr>
           <a:xfrm>
-            <a:off x="4756387" y="215665"/>
+            <a:off x="4999654" y="734405"/>
             <a:ext cx="1880672" cy="672069"/>
           </a:xfrm>
           <a:prstGeom prst="ellipse">
@@ -3677,7 +3679,7 @@
         </p:nvSpPr>
         <p:spPr>
           <a:xfrm>
-            <a:off x="4756387" y="1052088"/>
+            <a:off x="4989974" y="1587309"/>
             <a:ext cx="1880672" cy="672069"/>
           </a:xfrm>
           <a:prstGeom prst="ellipse">
@@ -3747,7 +3749,7 @@
         </p:nvSpPr>
         <p:spPr>
           <a:xfrm>
-            <a:off x="4756387" y="1982151"/>
+            <a:off x="4975806" y="2517404"/>
             <a:ext cx="1880672" cy="672069"/>
           </a:xfrm>
           <a:prstGeom prst="ellipse">
@@ -3809,7 +3811,7 @@
         </p:nvSpPr>
         <p:spPr>
           <a:xfrm>
-            <a:off x="4756387" y="2895780"/>
+            <a:off x="4975806" y="3346427"/>
             <a:ext cx="1880672" cy="672069"/>
           </a:xfrm>
           <a:prstGeom prst="ellipse">
@@ -3871,7 +3873,7 @@
         </p:nvSpPr>
         <p:spPr>
           <a:xfrm>
-            <a:off x="4756387" y="3753951"/>
+            <a:off x="4982890" y="4121160"/>
             <a:ext cx="1880672" cy="672069"/>
           </a:xfrm>
           <a:prstGeom prst="ellipse">
@@ -3937,8 +3939,8 @@
         </p:nvCxnSpPr>
         <p:spPr>
           <a:xfrm flipH="1" flipV="1">
-            <a:off x="6637059" y="1388123"/>
-            <a:ext cx="2648714" cy="684881"/>
+            <a:off x="6870646" y="1923344"/>
+            <a:ext cx="2641630" cy="516869"/>
           </a:xfrm>
           <a:prstGeom prst="straightConnector1">
             <a:avLst/>
@@ -3982,9 +3984,9 @@
           <p:nvPr/>
         </p:nvCxnSpPr>
         <p:spPr>
-          <a:xfrm flipH="1" flipV="1">
-            <a:off x="6637059" y="2318186"/>
-            <a:ext cx="2307555" cy="49680"/>
+          <a:xfrm flipH="1">
+            <a:off x="6856478" y="2735075"/>
+            <a:ext cx="2314639" cy="118364"/>
           </a:xfrm>
           <a:prstGeom prst="straightConnector1">
             <a:avLst/>
@@ -4029,8 +4031,8 @@
         </p:nvCxnSpPr>
         <p:spPr>
           <a:xfrm flipH="1">
-            <a:off x="6637059" y="2662727"/>
-            <a:ext cx="2648714" cy="569088"/>
+            <a:off x="6856478" y="3029936"/>
+            <a:ext cx="2655798" cy="652526"/>
           </a:xfrm>
           <a:prstGeom prst="straightConnector1">
             <a:avLst/>
@@ -4075,7 +4077,7 @@
         </p:nvCxnSpPr>
         <p:spPr>
           <a:xfrm flipH="1">
-            <a:off x="6637059" y="2784863"/>
+            <a:off x="6863562" y="3152072"/>
             <a:ext cx="3472344" cy="1305123"/>
           </a:xfrm>
           <a:prstGeom prst="straightConnector1">
@@ -4121,7 +4123,7 @@
         </p:nvCxnSpPr>
         <p:spPr>
           <a:xfrm flipH="1">
-            <a:off x="10867545" y="2662727"/>
+            <a:off x="11094048" y="3029936"/>
             <a:ext cx="65487" cy="1116818"/>
           </a:xfrm>
           <a:prstGeom prst="straightConnector1">
@@ -4167,8 +4169,8 @@
         </p:nvCxnSpPr>
         <p:spPr>
           <a:xfrm flipH="1" flipV="1">
-            <a:off x="9950691" y="780955"/>
-            <a:ext cx="982341" cy="1292049"/>
+            <a:off x="10842112" y="1325810"/>
+            <a:ext cx="317423" cy="1114403"/>
           </a:xfrm>
           <a:prstGeom prst="straightConnector1">
             <a:avLst/>
@@ -4213,8 +4215,8 @@
         </p:nvCxnSpPr>
         <p:spPr>
           <a:xfrm flipH="1">
-            <a:off x="6361641" y="543343"/>
-            <a:ext cx="1983796" cy="607167"/>
+            <a:off x="6595228" y="1088198"/>
+            <a:ext cx="2641630" cy="597533"/>
           </a:xfrm>
           <a:prstGeom prst="straightConnector1">
             <a:avLst/>
@@ -4259,8 +4261,8 @@
         </p:nvCxnSpPr>
         <p:spPr>
           <a:xfrm flipH="1">
-            <a:off x="6361641" y="780955"/>
-            <a:ext cx="2259214" cy="2213247"/>
+            <a:off x="6581060" y="1325810"/>
+            <a:ext cx="2931216" cy="2119039"/>
           </a:xfrm>
           <a:prstGeom prst="straightConnector1">
             <a:avLst/>
@@ -4305,8 +4307,8 @@
         </p:nvCxnSpPr>
         <p:spPr>
           <a:xfrm flipH="1">
-            <a:off x="6361641" y="879377"/>
-            <a:ext cx="2924132" cy="2972996"/>
+            <a:off x="6588144" y="1424232"/>
+            <a:ext cx="3589050" cy="2795350"/>
           </a:xfrm>
           <a:prstGeom prst="straightConnector1">
             <a:avLst/>
@@ -4351,8 +4353,8 @@
         </p:nvCxnSpPr>
         <p:spPr>
           <a:xfrm flipH="1" flipV="1">
-            <a:off x="6361641" y="1625735"/>
-            <a:ext cx="3840986" cy="2055388"/>
+            <a:off x="6595228" y="2160956"/>
+            <a:ext cx="3833902" cy="1887376"/>
           </a:xfrm>
           <a:prstGeom prst="straightConnector1">
             <a:avLst/>
@@ -4397,8 +4399,8 @@
         </p:nvCxnSpPr>
         <p:spPr>
           <a:xfrm flipH="1" flipV="1">
-            <a:off x="6361641" y="2555798"/>
-            <a:ext cx="3176068" cy="1223747"/>
+            <a:off x="6581060" y="3091051"/>
+            <a:ext cx="3183152" cy="1055703"/>
           </a:xfrm>
           <a:prstGeom prst="straightConnector1">
             <a:avLst/>
@@ -4443,8 +4445,8 @@
         </p:nvCxnSpPr>
         <p:spPr>
           <a:xfrm flipH="1" flipV="1">
-            <a:off x="6361641" y="3469427"/>
-            <a:ext cx="2900650" cy="547731"/>
+            <a:off x="6581060" y="3920074"/>
+            <a:ext cx="2907734" cy="464293"/>
           </a:xfrm>
           <a:prstGeom prst="straightConnector1">
             <a:avLst/>
@@ -4489,7 +4491,7 @@
         </p:nvCxnSpPr>
         <p:spPr>
           <a:xfrm flipH="1">
-            <a:off x="6361641" y="4254770"/>
+            <a:off x="6588144" y="4621979"/>
             <a:ext cx="3176068" cy="72828"/>
           </a:xfrm>
           <a:prstGeom prst="straightConnector1">
@@ -4531,7 +4533,7 @@
         </p:nvSpPr>
         <p:spPr>
           <a:xfrm>
-            <a:off x="553046" y="1956755"/>
+            <a:off x="779549" y="2323964"/>
             <a:ext cx="1045388" cy="672069"/>
           </a:xfrm>
           <a:prstGeom prst="ellipse">
@@ -4593,7 +4595,7 @@
         </p:nvSpPr>
         <p:spPr>
           <a:xfrm>
-            <a:off x="386658" y="3776473"/>
+            <a:off x="613161" y="4143682"/>
             <a:ext cx="1463030" cy="672069"/>
           </a:xfrm>
           <a:prstGeom prst="ellipse">
@@ -4659,8 +4661,8 @@
         </p:nvCxnSpPr>
         <p:spPr>
           <a:xfrm flipH="1">
-            <a:off x="1849688" y="789312"/>
-            <a:ext cx="3182117" cy="3323196"/>
+            <a:off x="2076191" y="1308052"/>
+            <a:ext cx="3198881" cy="3171665"/>
           </a:xfrm>
           <a:prstGeom prst="straightConnector1">
             <a:avLst/>
@@ -4705,8 +4707,8 @@
         </p:nvCxnSpPr>
         <p:spPr>
           <a:xfrm flipH="1">
-            <a:off x="1598434" y="551700"/>
-            <a:ext cx="3157953" cy="1741090"/>
+            <a:off x="1824937" y="1070440"/>
+            <a:ext cx="3174717" cy="1589559"/>
           </a:xfrm>
           <a:prstGeom prst="straightConnector1">
             <a:avLst/>
@@ -4747,7 +4749,7 @@
         </p:nvSpPr>
         <p:spPr>
           <a:xfrm>
-            <a:off x="320061" y="160648"/>
+            <a:off x="1015848" y="972018"/>
             <a:ext cx="1463030" cy="672069"/>
           </a:xfrm>
           <a:prstGeom prst="ellipse">
@@ -4813,7 +4815,7 @@
         </p:nvCxnSpPr>
         <p:spPr>
           <a:xfrm>
-            <a:off x="706140" y="2530402"/>
+            <a:off x="932643" y="2897611"/>
             <a:ext cx="412033" cy="1246071"/>
           </a:xfrm>
           <a:prstGeom prst="straightConnector1">
@@ -4859,8 +4861,8 @@
         </p:nvCxnSpPr>
         <p:spPr>
           <a:xfrm flipV="1">
-            <a:off x="706140" y="832717"/>
-            <a:ext cx="345436" cy="1222460"/>
+            <a:off x="932643" y="1644087"/>
+            <a:ext cx="814720" cy="778299"/>
           </a:xfrm>
           <a:prstGeom prst="straightConnector1">
             <a:avLst/>
@@ -4905,8 +4907,8 @@
         </p:nvCxnSpPr>
         <p:spPr>
           <a:xfrm flipH="1">
-            <a:off x="1598434" y="1388123"/>
-            <a:ext cx="3157953" cy="904667"/>
+            <a:off x="1824937" y="1923344"/>
+            <a:ext cx="3165037" cy="736655"/>
           </a:xfrm>
           <a:prstGeom prst="straightConnector1">
             <a:avLst/>
@@ -4951,8 +4953,8 @@
         </p:nvCxnSpPr>
         <p:spPr>
           <a:xfrm flipH="1" flipV="1">
-            <a:off x="1598434" y="2292790"/>
-            <a:ext cx="3157953" cy="25396"/>
+            <a:off x="1824937" y="2659999"/>
+            <a:ext cx="3150869" cy="193440"/>
           </a:xfrm>
           <a:prstGeom prst="straightConnector1">
             <a:avLst/>
@@ -4997,8 +4999,8 @@
         </p:nvCxnSpPr>
         <p:spPr>
           <a:xfrm flipH="1" flipV="1">
-            <a:off x="1598434" y="2292790"/>
-            <a:ext cx="3157953" cy="939025"/>
+            <a:off x="1824937" y="2659999"/>
+            <a:ext cx="3150869" cy="1022463"/>
           </a:xfrm>
           <a:prstGeom prst="straightConnector1">
             <a:avLst/>
@@ -5043,7 +5045,7 @@
         </p:nvCxnSpPr>
         <p:spPr>
           <a:xfrm flipH="1" flipV="1">
-            <a:off x="1598434" y="2292790"/>
+            <a:off x="1824937" y="2659999"/>
             <a:ext cx="3157953" cy="1797196"/>
           </a:xfrm>
           <a:prstGeom prst="straightConnector1">
@@ -5089,8 +5091,8 @@
         </p:nvCxnSpPr>
         <p:spPr>
           <a:xfrm flipH="1">
-            <a:off x="1849688" y="1625735"/>
-            <a:ext cx="3182117" cy="2486773"/>
+            <a:off x="2076191" y="2160956"/>
+            <a:ext cx="3189201" cy="2318761"/>
           </a:xfrm>
           <a:prstGeom prst="straightConnector1">
             <a:avLst/>
@@ -5135,8 +5137,8 @@
         </p:nvCxnSpPr>
         <p:spPr>
           <a:xfrm flipH="1">
-            <a:off x="1849688" y="2555798"/>
-            <a:ext cx="3182117" cy="1556710"/>
+            <a:off x="2076191" y="3091051"/>
+            <a:ext cx="3175033" cy="1388666"/>
           </a:xfrm>
           <a:prstGeom prst="straightConnector1">
             <a:avLst/>
@@ -5181,8 +5183,8 @@
         </p:nvCxnSpPr>
         <p:spPr>
           <a:xfrm flipH="1">
-            <a:off x="1849688" y="3469427"/>
-            <a:ext cx="3182117" cy="643081"/>
+            <a:off x="2076191" y="3920074"/>
+            <a:ext cx="3175033" cy="559643"/>
           </a:xfrm>
           <a:prstGeom prst="straightConnector1">
             <a:avLst/>
@@ -5227,7 +5229,7 @@
         </p:nvCxnSpPr>
         <p:spPr>
           <a:xfrm flipH="1" flipV="1">
-            <a:off x="1849688" y="4112508"/>
+            <a:off x="2076191" y="4479717"/>
             <a:ext cx="3182117" cy="215090"/>
           </a:xfrm>
           <a:prstGeom prst="straightConnector1">
@@ -5269,10 +5271,10 @@
         </p:nvGrpSpPr>
         <p:grpSpPr>
           <a:xfrm>
-            <a:off x="6637059" y="551700"/>
-            <a:ext cx="3472344" cy="1399168"/>
-            <a:chOff x="6637059" y="551700"/>
-            <a:chExt cx="3472344" cy="1399168"/>
+            <a:off x="6880326" y="1070440"/>
+            <a:ext cx="3455580" cy="1247637"/>
+            <a:chOff x="6880326" y="1070440"/>
+            <a:chExt cx="3455580" cy="1247637"/>
           </a:xfrm>
         </p:grpSpPr>
         <p:cxnSp>
@@ -5293,8 +5295,8 @@
           </p:nvCxnSpPr>
           <p:spPr>
             <a:xfrm flipH="1" flipV="1">
-              <a:off x="6637059" y="551700"/>
-              <a:ext cx="3472344" cy="1399168"/>
+              <a:off x="6880326" y="1070440"/>
+              <a:ext cx="3455580" cy="1247637"/>
             </a:xfrm>
             <a:prstGeom prst="straightConnector1">
               <a:avLst/>
@@ -5371,7 +5373,7 @@
         </p:nvSpPr>
         <p:spPr>
           <a:xfrm>
-            <a:off x="8904530" y="1738019"/>
+            <a:off x="9131033" y="2105228"/>
             <a:ext cx="275418" cy="276999"/>
           </a:xfrm>
           <a:prstGeom prst="rect">
@@ -5406,7 +5408,7 @@
         </p:nvSpPr>
         <p:spPr>
           <a:xfrm>
-            <a:off x="8600836" y="2119132"/>
+            <a:off x="8827339" y="2486341"/>
             <a:ext cx="275418" cy="276999"/>
           </a:xfrm>
           <a:prstGeom prst="rect">
@@ -5441,7 +5443,7 @@
         </p:nvSpPr>
         <p:spPr>
           <a:xfrm>
-            <a:off x="8612423" y="2550871"/>
+            <a:off x="8838926" y="2918080"/>
             <a:ext cx="285527" cy="276999"/>
           </a:xfrm>
           <a:prstGeom prst="rect">
@@ -5476,7 +5478,7 @@
         </p:nvSpPr>
         <p:spPr>
           <a:xfrm>
-            <a:off x="9119528" y="2868120"/>
+            <a:off x="9346031" y="3235329"/>
             <a:ext cx="285527" cy="276999"/>
           </a:xfrm>
           <a:prstGeom prst="rect">
@@ -5511,7 +5513,7 @@
         </p:nvSpPr>
         <p:spPr>
           <a:xfrm>
-            <a:off x="10406973" y="1247776"/>
+            <a:off x="10995025" y="1648579"/>
             <a:ext cx="285527" cy="276999"/>
           </a:xfrm>
           <a:prstGeom prst="rect">
@@ -5546,7 +5548,7 @@
         </p:nvSpPr>
         <p:spPr>
           <a:xfrm>
-            <a:off x="10866684" y="3138552"/>
+            <a:off x="11093187" y="3505761"/>
             <a:ext cx="285527" cy="276999"/>
           </a:xfrm>
           <a:prstGeom prst="rect">
@@ -5582,14 +5584,14 @@
           <p:nvPr>
             <p:extLst>
               <p:ext uri="{D42A27DB-BD31-4B8C-83A1-F6EECF244321}">
-                <p14:modId xmlns:p14="http://schemas.microsoft.com/office/powerpoint/2010/main" val="2675271727"/>
+                <p14:modId xmlns:p14="http://schemas.microsoft.com/office/powerpoint/2010/main" val="902781842"/>
               </p:ext>
             </p:extLst>
           </p:nvPr>
         </p:nvGraphicFramePr>
         <p:xfrm>
-          <a:off x="185737" y="4709103"/>
-          <a:ext cx="11820526" cy="2092564"/>
+          <a:off x="185737" y="4909762"/>
+          <a:ext cx="11820526" cy="1872899"/>
         </p:xfrm>
         <a:graphic>
           <a:graphicData uri="http://schemas.openxmlformats.org/drawingml/2006/table">
@@ -6633,7 +6635,7 @@
                   </a:ext>
                 </a:extLst>
               </a:tr>
-              <a:tr h="629524">
+              <a:tr h="409859">
                 <a:tc>
                   <a:txBody>
                     <a:bodyPr/>
@@ -7470,7 +7472,7 @@
         </p:nvSpPr>
         <p:spPr>
           <a:xfrm>
-            <a:off x="7921574" y="328943"/>
+            <a:off x="8166177" y="1031053"/>
             <a:ext cx="263214" cy="276999"/>
           </a:xfrm>
           <a:prstGeom prst="rect">
@@ -7505,7 +7507,7 @@
         </p:nvSpPr>
         <p:spPr>
           <a:xfrm>
-            <a:off x="8148615" y="777721"/>
+            <a:off x="8987812" y="1320926"/>
             <a:ext cx="263214" cy="276999"/>
           </a:xfrm>
           <a:prstGeom prst="rect">
@@ -7540,7 +7542,7 @@
         </p:nvSpPr>
         <p:spPr>
           <a:xfrm>
-            <a:off x="8668595" y="997190"/>
+            <a:off x="10009446" y="1462860"/>
             <a:ext cx="341760" cy="276999"/>
           </a:xfrm>
           <a:prstGeom prst="rect">
@@ -7575,7 +7577,7 @@
         </p:nvSpPr>
         <p:spPr>
           <a:xfrm>
-            <a:off x="9800576" y="3285318"/>
+            <a:off x="10027079" y="3652527"/>
             <a:ext cx="341760" cy="276999"/>
           </a:xfrm>
           <a:prstGeom prst="rect">
@@ -7610,7 +7612,7 @@
         </p:nvSpPr>
         <p:spPr>
           <a:xfrm>
-            <a:off x="9292857" y="3503906"/>
+            <a:off x="9519360" y="3871115"/>
             <a:ext cx="341760" cy="276999"/>
           </a:xfrm>
           <a:prstGeom prst="rect">
@@ -7645,7 +7647,7 @@
         </p:nvSpPr>
         <p:spPr>
           <a:xfrm>
-            <a:off x="8688229" y="3709097"/>
+            <a:off x="8914732" y="4076306"/>
             <a:ext cx="341761" cy="276999"/>
           </a:xfrm>
           <a:prstGeom prst="rect">
@@ -7680,7 +7682,7 @@
         </p:nvSpPr>
         <p:spPr>
           <a:xfrm>
-            <a:off x="8975260" y="4265554"/>
+            <a:off x="9201763" y="4632763"/>
             <a:ext cx="341761" cy="276999"/>
           </a:xfrm>
           <a:prstGeom prst="rect">
@@ -7715,7 +7717,7 @@
         </p:nvSpPr>
         <p:spPr>
           <a:xfrm>
-            <a:off x="2175676" y="1581904"/>
+            <a:off x="2402179" y="1949113"/>
             <a:ext cx="341761" cy="276999"/>
           </a:xfrm>
           <a:prstGeom prst="rect">
@@ -7750,7 +7752,7 @@
         </p:nvSpPr>
         <p:spPr>
           <a:xfrm>
-            <a:off x="2719703" y="1686044"/>
+            <a:off x="2946206" y="2053253"/>
             <a:ext cx="341761" cy="276999"/>
           </a:xfrm>
           <a:prstGeom prst="rect">
@@ -7785,7 +7787,7 @@
         </p:nvSpPr>
         <p:spPr>
           <a:xfrm>
-            <a:off x="2555003" y="2080573"/>
+            <a:off x="2781506" y="2447782"/>
             <a:ext cx="341761" cy="276999"/>
           </a:xfrm>
           <a:prstGeom prst="rect">
@@ -7820,7 +7822,7 @@
         </p:nvSpPr>
         <p:spPr>
           <a:xfrm>
-            <a:off x="2566110" y="2396131"/>
+            <a:off x="2792613" y="2763340"/>
             <a:ext cx="341761" cy="276999"/>
           </a:xfrm>
           <a:prstGeom prst="rect">
@@ -7855,7 +7857,7 @@
         </p:nvSpPr>
         <p:spPr>
           <a:xfrm>
-            <a:off x="2277347" y="2819910"/>
+            <a:off x="2503850" y="3187119"/>
             <a:ext cx="341761" cy="276999"/>
           </a:xfrm>
           <a:prstGeom prst="rect">
@@ -7890,7 +7892,7 @@
         </p:nvSpPr>
         <p:spPr>
           <a:xfrm>
-            <a:off x="4929258" y="808961"/>
+            <a:off x="5156596" y="1277225"/>
             <a:ext cx="341761" cy="276999"/>
           </a:xfrm>
           <a:prstGeom prst="rect">
@@ -7925,7 +7927,7 @@
         </p:nvSpPr>
         <p:spPr>
           <a:xfrm>
-            <a:off x="4919278" y="1625177"/>
+            <a:off x="5136925" y="2126350"/>
             <a:ext cx="341761" cy="276999"/>
           </a:xfrm>
           <a:prstGeom prst="rect">
@@ -7960,7 +7962,7 @@
         </p:nvSpPr>
         <p:spPr>
           <a:xfrm>
-            <a:off x="4880143" y="2534630"/>
+            <a:off x="5123151" y="3060980"/>
             <a:ext cx="341761" cy="276999"/>
           </a:xfrm>
           <a:prstGeom prst="rect">
@@ -7995,7 +7997,7 @@
         </p:nvSpPr>
         <p:spPr>
           <a:xfrm>
-            <a:off x="3271078" y="3818614"/>
+            <a:off x="3497581" y="4185823"/>
             <a:ext cx="341761" cy="276999"/>
           </a:xfrm>
           <a:prstGeom prst="rect">
@@ -8030,7 +8032,7 @@
         </p:nvSpPr>
         <p:spPr>
           <a:xfrm>
-            <a:off x="3417620" y="4246907"/>
+            <a:off x="3644123" y="4614116"/>
             <a:ext cx="341761" cy="276999"/>
           </a:xfrm>
           <a:prstGeom prst="rect">
@@ -8065,7 +8067,7 @@
         </p:nvSpPr>
         <p:spPr>
           <a:xfrm>
-            <a:off x="605532" y="1195212"/>
+            <a:off x="941824" y="1841622"/>
             <a:ext cx="341761" cy="276999"/>
           </a:xfrm>
           <a:prstGeom prst="rect">
@@ -8100,7 +8102,7 @@
         </p:nvSpPr>
         <p:spPr>
           <a:xfrm>
-            <a:off x="570395" y="3090752"/>
+            <a:off x="796898" y="3457961"/>
             <a:ext cx="341761" cy="276999"/>
           </a:xfrm>
           <a:prstGeom prst="rect">
@@ -8139,8 +8141,8 @@
         </p:nvCxnSpPr>
         <p:spPr>
           <a:xfrm flipH="1">
-            <a:off x="1783091" y="314087"/>
-            <a:ext cx="3248714" cy="182596"/>
+            <a:off x="2478878" y="832827"/>
+            <a:ext cx="2796194" cy="475226"/>
           </a:xfrm>
           <a:prstGeom prst="straightConnector1">
             <a:avLst/>
@@ -8185,8 +8187,8 @@
         </p:nvCxnSpPr>
         <p:spPr>
           <a:xfrm flipH="1" flipV="1">
-            <a:off x="1783091" y="496683"/>
-            <a:ext cx="3248714" cy="653827"/>
+            <a:off x="2478878" y="1308053"/>
+            <a:ext cx="2786514" cy="377678"/>
           </a:xfrm>
           <a:prstGeom prst="straightConnector1">
             <a:avLst/>
@@ -8231,8 +8233,8 @@
         </p:nvCxnSpPr>
         <p:spPr>
           <a:xfrm flipH="1" flipV="1">
-            <a:off x="1783091" y="496683"/>
-            <a:ext cx="3248714" cy="1583890"/>
+            <a:off x="2478878" y="1308053"/>
+            <a:ext cx="2772346" cy="1307773"/>
           </a:xfrm>
           <a:prstGeom prst="straightConnector1">
             <a:avLst/>
@@ -8277,8 +8279,8 @@
         </p:nvCxnSpPr>
         <p:spPr>
           <a:xfrm flipH="1" flipV="1">
-            <a:off x="1783091" y="496683"/>
-            <a:ext cx="3248714" cy="2497519"/>
+            <a:off x="2478878" y="1308053"/>
+            <a:ext cx="2772346" cy="2136796"/>
           </a:xfrm>
           <a:prstGeom prst="straightConnector1">
             <a:avLst/>
@@ -8323,8 +8325,8 @@
         </p:nvCxnSpPr>
         <p:spPr>
           <a:xfrm flipH="1" flipV="1">
-            <a:off x="1783091" y="496683"/>
-            <a:ext cx="3248714" cy="3355690"/>
+            <a:off x="2478878" y="1308053"/>
+            <a:ext cx="2779430" cy="2911529"/>
           </a:xfrm>
           <a:prstGeom prst="straightConnector1">
             <a:avLst/>
@@ -8365,7 +8367,7 @@
         </p:nvSpPr>
         <p:spPr>
           <a:xfrm>
-            <a:off x="3512232" y="164666"/>
+            <a:off x="3663707" y="834745"/>
             <a:ext cx="341760" cy="276999"/>
           </a:xfrm>
           <a:prstGeom prst="rect">
@@ -8400,7 +8402,7 @@
         </p:nvSpPr>
         <p:spPr>
           <a:xfrm>
-            <a:off x="3474011" y="573606"/>
+            <a:off x="2929219" y="1158292"/>
             <a:ext cx="341760" cy="276999"/>
           </a:xfrm>
           <a:prstGeom prst="rect">
@@ -8435,7 +8437,7 @@
         </p:nvSpPr>
         <p:spPr>
           <a:xfrm>
-            <a:off x="2749545" y="792359"/>
+            <a:off x="2984366" y="1352226"/>
             <a:ext cx="341760" cy="276999"/>
           </a:xfrm>
           <a:prstGeom prst="rect">
@@ -8470,7 +8472,7 @@
         </p:nvSpPr>
         <p:spPr>
           <a:xfrm>
-            <a:off x="2749545" y="1115141"/>
+            <a:off x="3030978" y="1609350"/>
             <a:ext cx="341760" cy="276999"/>
           </a:xfrm>
           <a:prstGeom prst="rect">
@@ -8505,7 +8507,7 @@
         </p:nvSpPr>
         <p:spPr>
           <a:xfrm>
-            <a:off x="2055971" y="1049036"/>
+            <a:off x="2426795" y="1550045"/>
             <a:ext cx="341760" cy="276999"/>
           </a:xfrm>
           <a:prstGeom prst="rect">
@@ -8526,10 +8528,5576 @@
           </a:p>
         </p:txBody>
       </p:sp>
+      <p:sp>
+        <p:nvSpPr>
+          <p:cNvPr id="61" name="Título 1">
+            <a:extLst>
+              <a:ext uri="{FF2B5EF4-FFF2-40B4-BE49-F238E27FC236}">
+                <a16:creationId xmlns:a16="http://schemas.microsoft.com/office/drawing/2014/main" id="{13E6CB27-E6EA-0253-C3F3-B79412E0CA78}"/>
+              </a:ext>
+            </a:extLst>
+          </p:cNvPr>
+          <p:cNvSpPr txBox="1">
+            <a:spLocks/>
+          </p:cNvSpPr>
+          <p:nvPr/>
+        </p:nvSpPr>
+        <p:spPr>
+          <a:xfrm>
+            <a:off x="-6576" y="-273779"/>
+            <a:ext cx="12198576" cy="1325563"/>
+          </a:xfrm>
+          <a:prstGeom prst="rect">
+            <a:avLst/>
+          </a:prstGeom>
+        </p:spPr>
+        <p:txBody>
+          <a:bodyPr vert="horz" lIns="91440" tIns="45720" rIns="91440" bIns="45720" rtlCol="0" anchor="ctr">
+            <a:normAutofit/>
+          </a:bodyPr>
+          <a:lstStyle>
+            <a:lvl1pPr algn="l" defTabSz="914400" rtl="0" eaLnBrk="1" latinLnBrk="0" hangingPunct="1">
+              <a:lnSpc>
+                <a:spcPct val="90000"/>
+              </a:lnSpc>
+              <a:spcBef>
+                <a:spcPct val="0"/>
+              </a:spcBef>
+              <a:buNone/>
+              <a:defRPr sz="4400" kern="1200">
+                <a:solidFill>
+                  <a:schemeClr val="tx1"/>
+                </a:solidFill>
+                <a:latin typeface="+mj-lt"/>
+                <a:ea typeface="+mj-ea"/>
+                <a:cs typeface="+mj-cs"/>
+              </a:defRPr>
+            </a:lvl1pPr>
+          </a:lstStyle>
+          <a:p>
+            <a:pPr algn="ctr"/>
+            <a:r>
+              <a:rPr lang="pt-PT" dirty="0" err="1"/>
+              <a:t>Client</a:t>
+            </a:r>
+            <a:endParaRPr lang="pt-PT" dirty="0"/>
+          </a:p>
+        </p:txBody>
+      </p:sp>
     </p:spTree>
     <p:extLst>
       <p:ext uri="{BB962C8B-B14F-4D97-AF65-F5344CB8AC3E}">
         <p14:creationId xmlns:p14="http://schemas.microsoft.com/office/powerpoint/2010/main" val="1087825969"/>
+      </p:ext>
+    </p:extLst>
+  </p:cSld>
+  <p:clrMapOvr>
+    <a:masterClrMapping/>
+  </p:clrMapOvr>
+</p:sld>
+</file>
+
+<file path=ppt/slides/slide2.xml><?xml version="1.0" encoding="utf-8"?>
+<p:sld xmlns:a="http://schemas.openxmlformats.org/drawingml/2006/main" xmlns:r="http://schemas.openxmlformats.org/officeDocument/2006/relationships" xmlns:p="http://schemas.openxmlformats.org/presentationml/2006/main">
+  <p:cSld>
+    <p:spTree>
+      <p:nvGrpSpPr>
+        <p:cNvPr id="1" name=""/>
+        <p:cNvGrpSpPr/>
+        <p:nvPr/>
+      </p:nvGrpSpPr>
+      <p:grpSpPr>
+        <a:xfrm>
+          <a:off x="0" y="0"/>
+          <a:ext cx="0" cy="0"/>
+          <a:chOff x="0" y="0"/>
+          <a:chExt cx="0" cy="0"/>
+        </a:xfrm>
+      </p:grpSpPr>
+      <p:sp>
+        <p:nvSpPr>
+          <p:cNvPr id="5" name="Título 1">
+            <a:extLst>
+              <a:ext uri="{FF2B5EF4-FFF2-40B4-BE49-F238E27FC236}">
+                <a16:creationId xmlns:a16="http://schemas.microsoft.com/office/drawing/2014/main" id="{69C981E9-DEDE-7D77-8BE9-D7CEA9F4F503}"/>
+              </a:ext>
+            </a:extLst>
+          </p:cNvPr>
+          <p:cNvSpPr txBox="1">
+            <a:spLocks/>
+          </p:cNvSpPr>
+          <p:nvPr/>
+        </p:nvSpPr>
+        <p:spPr>
+          <a:xfrm>
+            <a:off x="-6576" y="-273779"/>
+            <a:ext cx="12198576" cy="1325563"/>
+          </a:xfrm>
+          <a:prstGeom prst="rect">
+            <a:avLst/>
+          </a:prstGeom>
+        </p:spPr>
+        <p:txBody>
+          <a:bodyPr vert="horz" lIns="91440" tIns="45720" rIns="91440" bIns="45720" rtlCol="0" anchor="ctr">
+            <a:normAutofit/>
+          </a:bodyPr>
+          <a:lstStyle>
+            <a:lvl1pPr algn="l" defTabSz="914400" rtl="0" eaLnBrk="1" latinLnBrk="0" hangingPunct="1">
+              <a:lnSpc>
+                <a:spcPct val="90000"/>
+              </a:lnSpc>
+              <a:spcBef>
+                <a:spcPct val="0"/>
+              </a:spcBef>
+              <a:buNone/>
+              <a:defRPr sz="4400" kern="1200">
+                <a:solidFill>
+                  <a:schemeClr val="tx1"/>
+                </a:solidFill>
+                <a:latin typeface="+mj-lt"/>
+                <a:ea typeface="+mj-ea"/>
+                <a:cs typeface="+mj-cs"/>
+              </a:defRPr>
+            </a:lvl1pPr>
+          </a:lstStyle>
+          <a:p>
+            <a:pPr algn="ctr"/>
+            <a:r>
+              <a:rPr lang="pt-PT" dirty="0"/>
+              <a:t>General </a:t>
+            </a:r>
+            <a:r>
+              <a:rPr lang="pt-PT" dirty="0" err="1"/>
+              <a:t>Repository</a:t>
+            </a:r>
+            <a:r>
+              <a:rPr lang="pt-PT" dirty="0"/>
+              <a:t> Server</a:t>
+            </a:r>
+          </a:p>
+        </p:txBody>
+      </p:sp>
+      <p:grpSp>
+        <p:nvGrpSpPr>
+          <p:cNvPr id="8" name="Agrupar 7">
+            <a:extLst>
+              <a:ext uri="{FF2B5EF4-FFF2-40B4-BE49-F238E27FC236}">
+                <a16:creationId xmlns:a16="http://schemas.microsoft.com/office/drawing/2014/main" id="{4DD8FBF9-341E-688A-DFD0-4E6CBEE0506E}"/>
+              </a:ext>
+            </a:extLst>
+          </p:cNvPr>
+          <p:cNvGrpSpPr/>
+          <p:nvPr/>
+        </p:nvGrpSpPr>
+        <p:grpSpPr>
+          <a:xfrm>
+            <a:off x="5292538" y="1970349"/>
+            <a:ext cx="1600347" cy="833995"/>
+            <a:chOff x="3709273" y="464453"/>
+            <a:chExt cx="1655687" cy="1068185"/>
+          </a:xfrm>
+        </p:grpSpPr>
+        <p:sp>
+          <p:nvSpPr>
+            <p:cNvPr id="9" name="Oval 8">
+              <a:extLst>
+                <a:ext uri="{FF2B5EF4-FFF2-40B4-BE49-F238E27FC236}">
+                  <a16:creationId xmlns:a16="http://schemas.microsoft.com/office/drawing/2014/main" id="{9E485E7F-ED01-6ECA-1729-C3CEFA475318}"/>
+                </a:ext>
+              </a:extLst>
+            </p:cNvPr>
+            <p:cNvSpPr/>
+            <p:nvPr/>
+          </p:nvSpPr>
+          <p:spPr>
+            <a:xfrm>
+              <a:off x="3709273" y="464453"/>
+              <a:ext cx="1655687" cy="1068185"/>
+            </a:xfrm>
+            <a:prstGeom prst="ellipse">
+              <a:avLst/>
+            </a:prstGeom>
+            <a:solidFill>
+              <a:schemeClr val="bg1"/>
+            </a:solidFill>
+            <a:ln>
+              <a:solidFill>
+                <a:schemeClr val="tx1"/>
+              </a:solidFill>
+            </a:ln>
+          </p:spPr>
+          <p:style>
+            <a:lnRef idx="2">
+              <a:schemeClr val="accent1">
+                <a:shade val="50000"/>
+              </a:schemeClr>
+            </a:lnRef>
+            <a:fillRef idx="1">
+              <a:schemeClr val="accent1"/>
+            </a:fillRef>
+            <a:effectRef idx="0">
+              <a:schemeClr val="accent1"/>
+            </a:effectRef>
+            <a:fontRef idx="minor">
+              <a:schemeClr val="lt1"/>
+            </a:fontRef>
+          </p:style>
+          <p:txBody>
+            <a:bodyPr rtlCol="0" anchor="ctr"/>
+            <a:lstStyle/>
+            <a:p>
+              <a:pPr algn="ctr"/>
+              <a:endParaRPr lang="pt-PT"/>
+            </a:p>
+          </p:txBody>
+        </p:sp>
+        <p:sp>
+          <p:nvSpPr>
+            <p:cNvPr id="10" name="Oval 9">
+              <a:extLst>
+                <a:ext uri="{FF2B5EF4-FFF2-40B4-BE49-F238E27FC236}">
+                  <a16:creationId xmlns:a16="http://schemas.microsoft.com/office/drawing/2014/main" id="{F1592BD9-D98A-C03C-FE57-C2A92A16F9F8}"/>
+                </a:ext>
+              </a:extLst>
+            </p:cNvPr>
+            <p:cNvSpPr/>
+            <p:nvPr/>
+          </p:nvSpPr>
+          <p:spPr>
+            <a:xfrm>
+              <a:off x="3813995" y="532016"/>
+              <a:ext cx="1446245" cy="933061"/>
+            </a:xfrm>
+            <a:prstGeom prst="ellipse">
+              <a:avLst/>
+            </a:prstGeom>
+            <a:solidFill>
+              <a:schemeClr val="bg1">
+                <a:lumMod val="85000"/>
+              </a:schemeClr>
+            </a:solidFill>
+            <a:ln>
+              <a:solidFill>
+                <a:schemeClr val="tx1"/>
+              </a:solidFill>
+            </a:ln>
+          </p:spPr>
+          <p:style>
+            <a:lnRef idx="2">
+              <a:schemeClr val="accent1">
+                <a:shade val="50000"/>
+              </a:schemeClr>
+            </a:lnRef>
+            <a:fillRef idx="1">
+              <a:schemeClr val="accent1"/>
+            </a:fillRef>
+            <a:effectRef idx="0">
+              <a:schemeClr val="accent1"/>
+            </a:effectRef>
+            <a:fontRef idx="minor">
+              <a:schemeClr val="lt1"/>
+            </a:fontRef>
+          </p:style>
+          <p:txBody>
+            <a:bodyPr rtlCol="0" anchor="ctr"/>
+            <a:lstStyle/>
+            <a:p>
+              <a:pPr algn="ctr"/>
+              <a:r>
+                <a:rPr lang="pt-PT" sz="1200" dirty="0" err="1">
+                  <a:solidFill>
+                    <a:schemeClr val="tx1"/>
+                  </a:solidFill>
+                </a:rPr>
+                <a:t>GeneralRepositoryMain</a:t>
+              </a:r>
+              <a:endParaRPr lang="pt-PT" sz="1200" dirty="0"/>
+            </a:p>
+          </p:txBody>
+        </p:sp>
+      </p:grpSp>
+      <p:sp>
+        <p:nvSpPr>
+          <p:cNvPr id="11" name="Oval 10">
+            <a:extLst>
+              <a:ext uri="{FF2B5EF4-FFF2-40B4-BE49-F238E27FC236}">
+                <a16:creationId xmlns:a16="http://schemas.microsoft.com/office/drawing/2014/main" id="{3EAE73BB-B308-6AE6-CDCD-B6B11C987BCF}"/>
+              </a:ext>
+            </a:extLst>
+          </p:cNvPr>
+          <p:cNvSpPr/>
+          <p:nvPr/>
+        </p:nvSpPr>
+        <p:spPr>
+          <a:xfrm>
+            <a:off x="4091664" y="4608970"/>
+            <a:ext cx="1241755" cy="672069"/>
+          </a:xfrm>
+          <a:prstGeom prst="ellipse">
+            <a:avLst/>
+          </a:prstGeom>
+          <a:solidFill>
+            <a:schemeClr val="bg1"/>
+          </a:solidFill>
+          <a:ln>
+            <a:solidFill>
+              <a:schemeClr val="tx1"/>
+            </a:solidFill>
+          </a:ln>
+        </p:spPr>
+        <p:style>
+          <a:lnRef idx="2">
+            <a:schemeClr val="accent1">
+              <a:shade val="50000"/>
+            </a:schemeClr>
+          </a:lnRef>
+          <a:fillRef idx="1">
+            <a:schemeClr val="accent1"/>
+          </a:fillRef>
+          <a:effectRef idx="0">
+            <a:schemeClr val="accent1"/>
+          </a:effectRef>
+          <a:fontRef idx="minor">
+            <a:schemeClr val="lt1"/>
+          </a:fontRef>
+        </p:style>
+        <p:txBody>
+          <a:bodyPr rtlCol="0" anchor="ctr"/>
+          <a:lstStyle/>
+          <a:p>
+            <a:pPr algn="ctr"/>
+            <a:r>
+              <a:rPr lang="pt-PT" sz="1200" dirty="0" err="1">
+                <a:solidFill>
+                  <a:schemeClr val="tx1"/>
+                </a:solidFill>
+              </a:rPr>
+              <a:t>generalRepository</a:t>
+            </a:r>
+            <a:endParaRPr lang="pt-PT" sz="1200" dirty="0"/>
+          </a:p>
+        </p:txBody>
+      </p:sp>
+      <p:sp>
+        <p:nvSpPr>
+          <p:cNvPr id="12" name="Oval 11">
+            <a:extLst>
+              <a:ext uri="{FF2B5EF4-FFF2-40B4-BE49-F238E27FC236}">
+                <a16:creationId xmlns:a16="http://schemas.microsoft.com/office/drawing/2014/main" id="{11AFF596-EA62-DF3B-F4D0-9521EEA0B4FC}"/>
+              </a:ext>
+            </a:extLst>
+          </p:cNvPr>
+          <p:cNvSpPr/>
+          <p:nvPr/>
+        </p:nvSpPr>
+        <p:spPr>
+          <a:xfrm>
+            <a:off x="9261080" y="2109076"/>
+            <a:ext cx="1241755" cy="672069"/>
+          </a:xfrm>
+          <a:prstGeom prst="ellipse">
+            <a:avLst/>
+          </a:prstGeom>
+          <a:solidFill>
+            <a:schemeClr val="bg1"/>
+          </a:solidFill>
+          <a:ln>
+            <a:solidFill>
+              <a:schemeClr val="tx1"/>
+            </a:solidFill>
+          </a:ln>
+        </p:spPr>
+        <p:style>
+          <a:lnRef idx="2">
+            <a:schemeClr val="accent1">
+              <a:shade val="50000"/>
+            </a:schemeClr>
+          </a:lnRef>
+          <a:fillRef idx="1">
+            <a:schemeClr val="accent1"/>
+          </a:fillRef>
+          <a:effectRef idx="0">
+            <a:schemeClr val="accent1"/>
+          </a:effectRef>
+          <a:fontRef idx="minor">
+            <a:schemeClr val="lt1"/>
+          </a:fontRef>
+        </p:style>
+        <p:txBody>
+          <a:bodyPr rtlCol="0" anchor="ctr"/>
+          <a:lstStyle/>
+          <a:p>
+            <a:pPr algn="ctr"/>
+            <a:r>
+              <a:rPr lang="pt-PT" sz="1200" dirty="0" err="1">
+                <a:solidFill>
+                  <a:schemeClr val="tx1"/>
+                </a:solidFill>
+              </a:rPr>
+              <a:t>serverCom</a:t>
+            </a:r>
+            <a:endParaRPr lang="pt-PT" sz="1200" dirty="0"/>
+          </a:p>
+        </p:txBody>
+      </p:sp>
+      <p:sp>
+        <p:nvSpPr>
+          <p:cNvPr id="13" name="Oval 12">
+            <a:extLst>
+              <a:ext uri="{FF2B5EF4-FFF2-40B4-BE49-F238E27FC236}">
+                <a16:creationId xmlns:a16="http://schemas.microsoft.com/office/drawing/2014/main" id="{BF64E12C-00C2-9586-B087-423BC49C9D4D}"/>
+              </a:ext>
+            </a:extLst>
+          </p:cNvPr>
+          <p:cNvSpPr/>
+          <p:nvPr/>
+        </p:nvSpPr>
+        <p:spPr>
+          <a:xfrm>
+            <a:off x="9763808" y="997639"/>
+            <a:ext cx="1320453" cy="672069"/>
+          </a:xfrm>
+          <a:prstGeom prst="ellipse">
+            <a:avLst/>
+          </a:prstGeom>
+          <a:solidFill>
+            <a:schemeClr val="bg1"/>
+          </a:solidFill>
+          <a:ln>
+            <a:solidFill>
+              <a:schemeClr val="tx1"/>
+            </a:solidFill>
+          </a:ln>
+        </p:spPr>
+        <p:style>
+          <a:lnRef idx="2">
+            <a:schemeClr val="accent1">
+              <a:shade val="50000"/>
+            </a:schemeClr>
+          </a:lnRef>
+          <a:fillRef idx="1">
+            <a:schemeClr val="accent1"/>
+          </a:fillRef>
+          <a:effectRef idx="0">
+            <a:schemeClr val="accent1"/>
+          </a:effectRef>
+          <a:fontRef idx="minor">
+            <a:schemeClr val="lt1"/>
+          </a:fontRef>
+        </p:style>
+        <p:txBody>
+          <a:bodyPr rtlCol="0" anchor="ctr"/>
+          <a:lstStyle/>
+          <a:p>
+            <a:pPr algn="ctr"/>
+            <a:r>
+              <a:rPr lang="pt-PT" sz="1200" dirty="0" err="1">
+                <a:solidFill>
+                  <a:schemeClr val="tx1"/>
+                </a:solidFill>
+              </a:rPr>
+              <a:t>serverComi</a:t>
+            </a:r>
+            <a:endParaRPr lang="pt-PT" sz="1200" dirty="0"/>
+          </a:p>
+        </p:txBody>
+      </p:sp>
+      <p:sp>
+        <p:nvSpPr>
+          <p:cNvPr id="14" name="Oval 13">
+            <a:extLst>
+              <a:ext uri="{FF2B5EF4-FFF2-40B4-BE49-F238E27FC236}">
+                <a16:creationId xmlns:a16="http://schemas.microsoft.com/office/drawing/2014/main" id="{C1316A2D-4F57-9CC8-837D-ED9F35150ABF}"/>
+              </a:ext>
+            </a:extLst>
+          </p:cNvPr>
+          <p:cNvSpPr/>
+          <p:nvPr/>
+        </p:nvSpPr>
+        <p:spPr>
+          <a:xfrm>
+            <a:off x="2132936" y="2493862"/>
+            <a:ext cx="1241755" cy="672069"/>
+          </a:xfrm>
+          <a:prstGeom prst="ellipse">
+            <a:avLst/>
+          </a:prstGeom>
+          <a:solidFill>
+            <a:schemeClr val="bg1"/>
+          </a:solidFill>
+          <a:ln>
+            <a:solidFill>
+              <a:schemeClr val="tx1"/>
+            </a:solidFill>
+          </a:ln>
+        </p:spPr>
+        <p:style>
+          <a:lnRef idx="2">
+            <a:schemeClr val="accent1">
+              <a:shade val="50000"/>
+            </a:schemeClr>
+          </a:lnRef>
+          <a:fillRef idx="1">
+            <a:schemeClr val="accent1"/>
+          </a:fillRef>
+          <a:effectRef idx="0">
+            <a:schemeClr val="accent1"/>
+          </a:effectRef>
+          <a:fontRef idx="minor">
+            <a:schemeClr val="lt1"/>
+          </a:fontRef>
+        </p:style>
+        <p:txBody>
+          <a:bodyPr rtlCol="0" anchor="ctr"/>
+          <a:lstStyle/>
+          <a:p>
+            <a:pPr algn="ctr"/>
+            <a:r>
+              <a:rPr lang="pt-PT" sz="1200" dirty="0" err="1">
+                <a:solidFill>
+                  <a:schemeClr val="tx1"/>
+                </a:solidFill>
+              </a:rPr>
+              <a:t>generalRepositoryInterface</a:t>
+            </a:r>
+            <a:endParaRPr lang="pt-PT" sz="1200" dirty="0"/>
+          </a:p>
+        </p:txBody>
+      </p:sp>
+      <p:sp>
+        <p:nvSpPr>
+          <p:cNvPr id="15" name="Oval 14">
+            <a:extLst>
+              <a:ext uri="{FF2B5EF4-FFF2-40B4-BE49-F238E27FC236}">
+                <a16:creationId xmlns:a16="http://schemas.microsoft.com/office/drawing/2014/main" id="{10225040-FC99-8C3C-1EA3-F647B0376C15}"/>
+              </a:ext>
+            </a:extLst>
+          </p:cNvPr>
+          <p:cNvSpPr/>
+          <p:nvPr/>
+        </p:nvSpPr>
+        <p:spPr>
+          <a:xfrm>
+            <a:off x="7185834" y="3408237"/>
+            <a:ext cx="1626885" cy="672069"/>
+          </a:xfrm>
+          <a:prstGeom prst="ellipse">
+            <a:avLst/>
+          </a:prstGeom>
+          <a:solidFill>
+            <a:schemeClr val="bg1">
+              <a:lumMod val="85000"/>
+            </a:schemeClr>
+          </a:solidFill>
+          <a:ln>
+            <a:solidFill>
+              <a:schemeClr val="tx1"/>
+            </a:solidFill>
+          </a:ln>
+        </p:spPr>
+        <p:style>
+          <a:lnRef idx="2">
+            <a:schemeClr val="accent1">
+              <a:shade val="50000"/>
+            </a:schemeClr>
+          </a:lnRef>
+          <a:fillRef idx="1">
+            <a:schemeClr val="accent1"/>
+          </a:fillRef>
+          <a:effectRef idx="0">
+            <a:schemeClr val="accent1"/>
+          </a:effectRef>
+          <a:fontRef idx="minor">
+            <a:schemeClr val="lt1"/>
+          </a:fontRef>
+        </p:style>
+        <p:txBody>
+          <a:bodyPr rtlCol="0" anchor="ctr"/>
+          <a:lstStyle/>
+          <a:p>
+            <a:pPr algn="ctr"/>
+            <a:r>
+              <a:rPr lang="pt-PT" sz="1200" dirty="0" err="1">
+                <a:solidFill>
+                  <a:schemeClr val="tx1"/>
+                </a:solidFill>
+              </a:rPr>
+              <a:t>generalRepositoryAgentProxy</a:t>
+            </a:r>
+            <a:endParaRPr lang="pt-PT" sz="1200" dirty="0"/>
+          </a:p>
+        </p:txBody>
+      </p:sp>
+      <p:cxnSp>
+        <p:nvCxnSpPr>
+          <p:cNvPr id="19" name="Conexão reta unidirecional 18">
+            <a:extLst>
+              <a:ext uri="{FF2B5EF4-FFF2-40B4-BE49-F238E27FC236}">
+                <a16:creationId xmlns:a16="http://schemas.microsoft.com/office/drawing/2014/main" id="{68238263-2B91-BC01-1469-0DF7935A9931}"/>
+              </a:ext>
+            </a:extLst>
+          </p:cNvPr>
+          <p:cNvCxnSpPr>
+            <a:cxnSpLocks/>
+            <a:stCxn id="9" idx="2"/>
+            <a:endCxn id="14" idx="6"/>
+          </p:cNvCxnSpPr>
+          <p:nvPr/>
+        </p:nvCxnSpPr>
+        <p:spPr>
+          <a:xfrm flipH="1">
+            <a:off x="3374691" y="2387347"/>
+            <a:ext cx="1917847" cy="442550"/>
+          </a:xfrm>
+          <a:prstGeom prst="straightConnector1">
+            <a:avLst/>
+          </a:prstGeom>
+          <a:ln w="12700">
+            <a:solidFill>
+              <a:schemeClr val="tx1"/>
+            </a:solidFill>
+            <a:tailEnd type="triangle"/>
+          </a:ln>
+        </p:spPr>
+        <p:style>
+          <a:lnRef idx="1">
+            <a:schemeClr val="accent1"/>
+          </a:lnRef>
+          <a:fillRef idx="0">
+            <a:schemeClr val="accent1"/>
+          </a:fillRef>
+          <a:effectRef idx="0">
+            <a:schemeClr val="accent1"/>
+          </a:effectRef>
+          <a:fontRef idx="minor">
+            <a:schemeClr val="tx1"/>
+          </a:fontRef>
+        </p:style>
+      </p:cxnSp>
+      <p:cxnSp>
+        <p:nvCxnSpPr>
+          <p:cNvPr id="22" name="Conexão reta unidirecional 21">
+            <a:extLst>
+              <a:ext uri="{FF2B5EF4-FFF2-40B4-BE49-F238E27FC236}">
+                <a16:creationId xmlns:a16="http://schemas.microsoft.com/office/drawing/2014/main" id="{7EFFE9BB-D35F-3DFD-044D-5CE95735729A}"/>
+              </a:ext>
+            </a:extLst>
+          </p:cNvPr>
+          <p:cNvCxnSpPr>
+            <a:cxnSpLocks/>
+            <a:stCxn id="9" idx="4"/>
+            <a:endCxn id="11" idx="0"/>
+          </p:cNvCxnSpPr>
+          <p:nvPr/>
+        </p:nvCxnSpPr>
+        <p:spPr>
+          <a:xfrm flipH="1">
+            <a:off x="4712542" y="2804344"/>
+            <a:ext cx="1380170" cy="1804626"/>
+          </a:xfrm>
+          <a:prstGeom prst="straightConnector1">
+            <a:avLst/>
+          </a:prstGeom>
+          <a:ln w="12700">
+            <a:solidFill>
+              <a:schemeClr val="tx1"/>
+            </a:solidFill>
+            <a:tailEnd type="triangle"/>
+          </a:ln>
+        </p:spPr>
+        <p:style>
+          <a:lnRef idx="1">
+            <a:schemeClr val="accent1"/>
+          </a:lnRef>
+          <a:fillRef idx="0">
+            <a:schemeClr val="accent1"/>
+          </a:fillRef>
+          <a:effectRef idx="0">
+            <a:schemeClr val="accent1"/>
+          </a:effectRef>
+          <a:fontRef idx="minor">
+            <a:schemeClr val="tx1"/>
+          </a:fontRef>
+        </p:style>
+      </p:cxnSp>
+      <p:cxnSp>
+        <p:nvCxnSpPr>
+          <p:cNvPr id="25" name="Conexão reta unidirecional 24">
+            <a:extLst>
+              <a:ext uri="{FF2B5EF4-FFF2-40B4-BE49-F238E27FC236}">
+                <a16:creationId xmlns:a16="http://schemas.microsoft.com/office/drawing/2014/main" id="{91C0F12E-E4B7-7C68-0B57-7880FB4EA831}"/>
+              </a:ext>
+            </a:extLst>
+          </p:cNvPr>
+          <p:cNvCxnSpPr>
+            <a:cxnSpLocks/>
+            <a:stCxn id="9" idx="6"/>
+            <a:endCxn id="12" idx="2"/>
+          </p:cNvCxnSpPr>
+          <p:nvPr/>
+        </p:nvCxnSpPr>
+        <p:spPr>
+          <a:xfrm>
+            <a:off x="6892885" y="2387347"/>
+            <a:ext cx="2368195" cy="57764"/>
+          </a:xfrm>
+          <a:prstGeom prst="straightConnector1">
+            <a:avLst/>
+          </a:prstGeom>
+          <a:ln w="12700">
+            <a:solidFill>
+              <a:schemeClr val="tx1"/>
+            </a:solidFill>
+            <a:tailEnd type="triangle"/>
+          </a:ln>
+        </p:spPr>
+        <p:style>
+          <a:lnRef idx="1">
+            <a:schemeClr val="accent1"/>
+          </a:lnRef>
+          <a:fillRef idx="0">
+            <a:schemeClr val="accent1"/>
+          </a:fillRef>
+          <a:effectRef idx="0">
+            <a:schemeClr val="accent1"/>
+          </a:effectRef>
+          <a:fontRef idx="minor">
+            <a:schemeClr val="tx1"/>
+          </a:fontRef>
+        </p:style>
+      </p:cxnSp>
+      <p:cxnSp>
+        <p:nvCxnSpPr>
+          <p:cNvPr id="28" name="Conexão reta unidirecional 27">
+            <a:extLst>
+              <a:ext uri="{FF2B5EF4-FFF2-40B4-BE49-F238E27FC236}">
+                <a16:creationId xmlns:a16="http://schemas.microsoft.com/office/drawing/2014/main" id="{9862A5B1-2F48-8345-AB66-18B7D47E2CD2}"/>
+              </a:ext>
+            </a:extLst>
+          </p:cNvPr>
+          <p:cNvCxnSpPr>
+            <a:cxnSpLocks/>
+            <a:stCxn id="9" idx="7"/>
+            <a:endCxn id="13" idx="2"/>
+          </p:cNvCxnSpPr>
+          <p:nvPr/>
+        </p:nvCxnSpPr>
+        <p:spPr>
+          <a:xfrm flipV="1">
+            <a:off x="6658520" y="1333674"/>
+            <a:ext cx="3105288" cy="758811"/>
+          </a:xfrm>
+          <a:prstGeom prst="straightConnector1">
+            <a:avLst/>
+          </a:prstGeom>
+          <a:ln w="12700">
+            <a:solidFill>
+              <a:schemeClr val="tx1"/>
+            </a:solidFill>
+            <a:tailEnd type="triangle"/>
+          </a:ln>
+        </p:spPr>
+        <p:style>
+          <a:lnRef idx="1">
+            <a:schemeClr val="accent1"/>
+          </a:lnRef>
+          <a:fillRef idx="0">
+            <a:schemeClr val="accent1"/>
+          </a:fillRef>
+          <a:effectRef idx="0">
+            <a:schemeClr val="accent1"/>
+          </a:effectRef>
+          <a:fontRef idx="minor">
+            <a:schemeClr val="tx1"/>
+          </a:fontRef>
+        </p:style>
+      </p:cxnSp>
+      <p:cxnSp>
+        <p:nvCxnSpPr>
+          <p:cNvPr id="31" name="Conexão reta unidirecional 30">
+            <a:extLst>
+              <a:ext uri="{FF2B5EF4-FFF2-40B4-BE49-F238E27FC236}">
+                <a16:creationId xmlns:a16="http://schemas.microsoft.com/office/drawing/2014/main" id="{CB8A11F4-07E9-C8C1-FF32-4403EC7ABE82}"/>
+              </a:ext>
+            </a:extLst>
+          </p:cNvPr>
+          <p:cNvCxnSpPr>
+            <a:cxnSpLocks/>
+            <a:stCxn id="9" idx="5"/>
+            <a:endCxn id="15" idx="0"/>
+          </p:cNvCxnSpPr>
+          <p:nvPr/>
+        </p:nvCxnSpPr>
+        <p:spPr>
+          <a:xfrm>
+            <a:off x="6658520" y="2682208"/>
+            <a:ext cx="1340757" cy="726029"/>
+          </a:xfrm>
+          <a:prstGeom prst="straightConnector1">
+            <a:avLst/>
+          </a:prstGeom>
+          <a:ln w="12700">
+            <a:solidFill>
+              <a:schemeClr val="tx1"/>
+            </a:solidFill>
+            <a:tailEnd type="triangle"/>
+          </a:ln>
+        </p:spPr>
+        <p:style>
+          <a:lnRef idx="1">
+            <a:schemeClr val="accent1"/>
+          </a:lnRef>
+          <a:fillRef idx="0">
+            <a:schemeClr val="accent1"/>
+          </a:fillRef>
+          <a:effectRef idx="0">
+            <a:schemeClr val="accent1"/>
+          </a:effectRef>
+          <a:fontRef idx="minor">
+            <a:schemeClr val="tx1"/>
+          </a:fontRef>
+        </p:style>
+      </p:cxnSp>
+      <p:sp>
+        <p:nvSpPr>
+          <p:cNvPr id="44" name="Oval 43">
+            <a:extLst>
+              <a:ext uri="{FF2B5EF4-FFF2-40B4-BE49-F238E27FC236}">
+                <a16:creationId xmlns:a16="http://schemas.microsoft.com/office/drawing/2014/main" id="{F525B9C2-E997-4891-080C-3626E5291F82}"/>
+              </a:ext>
+            </a:extLst>
+          </p:cNvPr>
+          <p:cNvSpPr/>
+          <p:nvPr/>
+        </p:nvSpPr>
+        <p:spPr>
+          <a:xfrm>
+            <a:off x="4712541" y="986187"/>
+            <a:ext cx="1463030" cy="672069"/>
+          </a:xfrm>
+          <a:prstGeom prst="ellipse">
+            <a:avLst/>
+          </a:prstGeom>
+          <a:solidFill>
+            <a:schemeClr val="bg1"/>
+          </a:solidFill>
+          <a:ln>
+            <a:solidFill>
+              <a:schemeClr val="tx1"/>
+            </a:solidFill>
+          </a:ln>
+        </p:spPr>
+        <p:style>
+          <a:lnRef idx="2">
+            <a:schemeClr val="accent1">
+              <a:shade val="50000"/>
+            </a:schemeClr>
+          </a:lnRef>
+          <a:fillRef idx="1">
+            <a:schemeClr val="accent1"/>
+          </a:fillRef>
+          <a:effectRef idx="0">
+            <a:schemeClr val="accent1"/>
+          </a:effectRef>
+          <a:fontRef idx="minor">
+            <a:schemeClr val="lt1"/>
+          </a:fontRef>
+        </p:style>
+        <p:txBody>
+          <a:bodyPr rtlCol="0" anchor="ctr"/>
+          <a:lstStyle/>
+          <a:p>
+            <a:pPr algn="ctr"/>
+            <a:r>
+              <a:rPr lang="pt-PT" sz="1200" dirty="0" err="1">
+                <a:solidFill>
+                  <a:schemeClr val="tx1"/>
+                </a:solidFill>
+              </a:rPr>
+              <a:t>inMessage</a:t>
+            </a:r>
+            <a:endParaRPr lang="pt-PT" sz="1200" dirty="0"/>
+          </a:p>
+        </p:txBody>
+      </p:sp>
+      <p:sp>
+        <p:nvSpPr>
+          <p:cNvPr id="50" name="Oval 49">
+            <a:extLst>
+              <a:ext uri="{FF2B5EF4-FFF2-40B4-BE49-F238E27FC236}">
+                <a16:creationId xmlns:a16="http://schemas.microsoft.com/office/drawing/2014/main" id="{20830080-147F-E956-00CD-B403E46BFF7C}"/>
+              </a:ext>
+            </a:extLst>
+          </p:cNvPr>
+          <p:cNvSpPr/>
+          <p:nvPr/>
+        </p:nvSpPr>
+        <p:spPr>
+          <a:xfrm>
+            <a:off x="947685" y="4297708"/>
+            <a:ext cx="1463030" cy="672069"/>
+          </a:xfrm>
+          <a:prstGeom prst="ellipse">
+            <a:avLst/>
+          </a:prstGeom>
+          <a:solidFill>
+            <a:schemeClr val="bg1"/>
+          </a:solidFill>
+          <a:ln>
+            <a:solidFill>
+              <a:schemeClr val="tx1"/>
+            </a:solidFill>
+          </a:ln>
+        </p:spPr>
+        <p:style>
+          <a:lnRef idx="2">
+            <a:schemeClr val="accent1">
+              <a:shade val="50000"/>
+            </a:schemeClr>
+          </a:lnRef>
+          <a:fillRef idx="1">
+            <a:schemeClr val="accent1"/>
+          </a:fillRef>
+          <a:effectRef idx="0">
+            <a:schemeClr val="accent1"/>
+          </a:effectRef>
+          <a:fontRef idx="minor">
+            <a:schemeClr val="lt1"/>
+          </a:fontRef>
+        </p:style>
+        <p:txBody>
+          <a:bodyPr rtlCol="0" anchor="ctr"/>
+          <a:lstStyle/>
+          <a:p>
+            <a:pPr algn="ctr"/>
+            <a:r>
+              <a:rPr lang="pt-PT" sz="1200" dirty="0" err="1">
+                <a:solidFill>
+                  <a:schemeClr val="tx1"/>
+                </a:solidFill>
+              </a:rPr>
+              <a:t>outMessage</a:t>
+            </a:r>
+            <a:endParaRPr lang="pt-PT" sz="1200" dirty="0"/>
+          </a:p>
+        </p:txBody>
+      </p:sp>
+      <p:cxnSp>
+        <p:nvCxnSpPr>
+          <p:cNvPr id="51" name="Conexão reta unidirecional 50">
+            <a:extLst>
+              <a:ext uri="{FF2B5EF4-FFF2-40B4-BE49-F238E27FC236}">
+                <a16:creationId xmlns:a16="http://schemas.microsoft.com/office/drawing/2014/main" id="{703D1774-4780-3220-B084-823C8F5A81A7}"/>
+              </a:ext>
+            </a:extLst>
+          </p:cNvPr>
+          <p:cNvCxnSpPr>
+            <a:cxnSpLocks/>
+            <a:stCxn id="15" idx="2"/>
+            <a:endCxn id="14" idx="5"/>
+          </p:cNvCxnSpPr>
+          <p:nvPr/>
+        </p:nvCxnSpPr>
+        <p:spPr>
+          <a:xfrm flipH="1" flipV="1">
+            <a:off x="3192840" y="3067509"/>
+            <a:ext cx="3992994" cy="676763"/>
+          </a:xfrm>
+          <a:prstGeom prst="straightConnector1">
+            <a:avLst/>
+          </a:prstGeom>
+          <a:ln w="12700">
+            <a:solidFill>
+              <a:schemeClr val="tx1"/>
+            </a:solidFill>
+            <a:tailEnd type="triangle"/>
+          </a:ln>
+        </p:spPr>
+        <p:style>
+          <a:lnRef idx="1">
+            <a:schemeClr val="accent1"/>
+          </a:lnRef>
+          <a:fillRef idx="0">
+            <a:schemeClr val="accent1"/>
+          </a:fillRef>
+          <a:effectRef idx="0">
+            <a:schemeClr val="accent1"/>
+          </a:effectRef>
+          <a:fontRef idx="minor">
+            <a:schemeClr val="tx1"/>
+          </a:fontRef>
+        </p:style>
+      </p:cxnSp>
+      <p:cxnSp>
+        <p:nvCxnSpPr>
+          <p:cNvPr id="54" name="Conexão reta unidirecional 53">
+            <a:extLst>
+              <a:ext uri="{FF2B5EF4-FFF2-40B4-BE49-F238E27FC236}">
+                <a16:creationId xmlns:a16="http://schemas.microsoft.com/office/drawing/2014/main" id="{9ED28FDB-E017-BC4F-4663-EC1A04764968}"/>
+              </a:ext>
+            </a:extLst>
+          </p:cNvPr>
+          <p:cNvCxnSpPr>
+            <a:cxnSpLocks/>
+            <a:stCxn id="15" idx="7"/>
+            <a:endCxn id="12" idx="4"/>
+          </p:cNvCxnSpPr>
+          <p:nvPr/>
+        </p:nvCxnSpPr>
+        <p:spPr>
+          <a:xfrm flipV="1">
+            <a:off x="8574467" y="2781145"/>
+            <a:ext cx="1307491" cy="725514"/>
+          </a:xfrm>
+          <a:prstGeom prst="straightConnector1">
+            <a:avLst/>
+          </a:prstGeom>
+          <a:ln w="12700">
+            <a:solidFill>
+              <a:schemeClr val="tx1"/>
+            </a:solidFill>
+            <a:tailEnd type="triangle"/>
+          </a:ln>
+        </p:spPr>
+        <p:style>
+          <a:lnRef idx="1">
+            <a:schemeClr val="accent1"/>
+          </a:lnRef>
+          <a:fillRef idx="0">
+            <a:schemeClr val="accent1"/>
+          </a:fillRef>
+          <a:effectRef idx="0">
+            <a:schemeClr val="accent1"/>
+          </a:effectRef>
+          <a:fontRef idx="minor">
+            <a:schemeClr val="tx1"/>
+          </a:fontRef>
+        </p:style>
+      </p:cxnSp>
+      <p:graphicFrame>
+        <p:nvGraphicFramePr>
+          <p:cNvPr id="58" name="Tabela 327">
+            <a:extLst>
+              <a:ext uri="{FF2B5EF4-FFF2-40B4-BE49-F238E27FC236}">
+                <a16:creationId xmlns:a16="http://schemas.microsoft.com/office/drawing/2014/main" id="{E53DF5C1-6141-3BA6-54C3-B1CEE667D0D2}"/>
+              </a:ext>
+            </a:extLst>
+          </p:cNvPr>
+          <p:cNvGraphicFramePr>
+            <a:graphicFrameLocks noGrp="1"/>
+          </p:cNvGraphicFramePr>
+          <p:nvPr>
+            <p:extLst>
+              <p:ext uri="{D42A27DB-BD31-4B8C-83A1-F6EECF244321}">
+                <p14:modId xmlns:p14="http://schemas.microsoft.com/office/powerpoint/2010/main" val="1554794776"/>
+              </p:ext>
+            </p:extLst>
+          </p:nvPr>
+        </p:nvGraphicFramePr>
+        <p:xfrm>
+          <a:off x="525332" y="5690187"/>
+          <a:ext cx="11481288" cy="929448"/>
+        </p:xfrm>
+        <a:graphic>
+          <a:graphicData uri="http://schemas.openxmlformats.org/drawingml/2006/table">
+            <a:tbl>
+              <a:tblPr firstRow="1" bandRow="1">
+                <a:tableStyleId>{073A0DAA-6AF3-43AB-8588-CEC1D06C72B9}</a:tableStyleId>
+              </a:tblPr>
+              <a:tblGrid>
+                <a:gridCol w="1899087">
+                  <a:extLst>
+                    <a:ext uri="{9D8B030D-6E8A-4147-A177-3AD203B41FA5}">
+                      <a16:colId xmlns:a16="http://schemas.microsoft.com/office/drawing/2014/main" val="513762713"/>
+                    </a:ext>
+                  </a:extLst>
+                </a:gridCol>
+                <a:gridCol w="1031846">
+                  <a:extLst>
+                    <a:ext uri="{9D8B030D-6E8A-4147-A177-3AD203B41FA5}">
+                      <a16:colId xmlns:a16="http://schemas.microsoft.com/office/drawing/2014/main" val="3183568932"/>
+                    </a:ext>
+                  </a:extLst>
+                </a:gridCol>
+                <a:gridCol w="2348918">
+                  <a:extLst>
+                    <a:ext uri="{9D8B030D-6E8A-4147-A177-3AD203B41FA5}">
+                      <a16:colId xmlns:a16="http://schemas.microsoft.com/office/drawing/2014/main" val="2215342294"/>
+                    </a:ext>
+                  </a:extLst>
+                </a:gridCol>
+                <a:gridCol w="6201437">
+                  <a:extLst>
+                    <a:ext uri="{9D8B030D-6E8A-4147-A177-3AD203B41FA5}">
+                      <a16:colId xmlns:a16="http://schemas.microsoft.com/office/drawing/2014/main" val="1372285914"/>
+                    </a:ext>
+                  </a:extLst>
+                </a:gridCol>
+              </a:tblGrid>
+              <a:tr h="0">
+                <a:tc>
+                  <a:txBody>
+                    <a:bodyPr/>
+                    <a:lstStyle/>
+                    <a:p>
+                      <a:r>
+                        <a:rPr lang="pt-PT" sz="1200" b="0" dirty="0">
+                          <a:solidFill>
+                            <a:schemeClr val="tx1"/>
+                          </a:solidFill>
+                        </a:rPr>
+                        <a:t>1 – </a:t>
+                      </a:r>
+                      <a:r>
+                        <a:rPr lang="pt-PT" sz="1200" b="0" dirty="0" err="1">
+                          <a:solidFill>
+                            <a:schemeClr val="tx1"/>
+                          </a:solidFill>
+                        </a:rPr>
+                        <a:t>inst</a:t>
+                      </a:r>
+                      <a:endParaRPr lang="pt-PT" sz="1200" b="0" dirty="0">
+                        <a:solidFill>
+                          <a:schemeClr val="tx1"/>
+                        </a:solidFill>
+                      </a:endParaRPr>
+                    </a:p>
+                  </a:txBody>
+                  <a:tcPr marT="0" marB="0">
+                    <a:solidFill>
+                      <a:schemeClr val="bg1"/>
+                    </a:solidFill>
+                  </a:tcPr>
+                </a:tc>
+                <a:tc>
+                  <a:txBody>
+                    <a:bodyPr/>
+                    <a:lstStyle/>
+                    <a:p>
+                      <a:pPr marL="0" marR="0" lvl="0" indent="0" algn="l" defTabSz="914400" rtl="0" eaLnBrk="1" fontAlgn="auto" latinLnBrk="0" hangingPunct="1">
+                        <a:lnSpc>
+                          <a:spcPct val="100000"/>
+                        </a:lnSpc>
+                        <a:spcBef>
+                          <a:spcPts val="0"/>
+                        </a:spcBef>
+                        <a:spcAft>
+                          <a:spcPts val="0"/>
+                        </a:spcAft>
+                        <a:buClrTx/>
+                        <a:buSzTx/>
+                        <a:buFontTx/>
+                        <a:buNone/>
+                        <a:tabLst/>
+                        <a:defRPr/>
+                      </a:pPr>
+                      <a:r>
+                        <a:rPr lang="pt-PT" sz="1200" b="0" dirty="0">
+                          <a:solidFill>
+                            <a:schemeClr val="tx1"/>
+                          </a:solidFill>
+                        </a:rPr>
+                        <a:t>4 – </a:t>
+                      </a:r>
+                      <a:r>
+                        <a:rPr lang="pt-PT" sz="1200" b="0" dirty="0" err="1">
+                          <a:solidFill>
+                            <a:schemeClr val="tx1"/>
+                          </a:solidFill>
+                        </a:rPr>
+                        <a:t>inst</a:t>
+                      </a:r>
+                      <a:endParaRPr lang="pt-PT" sz="1200" b="0" dirty="0">
+                        <a:solidFill>
+                          <a:schemeClr val="tx1"/>
+                        </a:solidFill>
+                      </a:endParaRPr>
+                    </a:p>
+                  </a:txBody>
+                  <a:tcPr marT="0" marB="0">
+                    <a:solidFill>
+                      <a:schemeClr val="bg1"/>
+                    </a:solidFill>
+                  </a:tcPr>
+                </a:tc>
+                <a:tc>
+                  <a:txBody>
+                    <a:bodyPr/>
+                    <a:lstStyle/>
+                    <a:p>
+                      <a:r>
+                        <a:rPr lang="pt-PT" sz="1200" b="0" dirty="0">
+                          <a:solidFill>
+                            <a:schemeClr val="tx1"/>
+                          </a:solidFill>
+                        </a:rPr>
+                        <a:t>7 – </a:t>
+                      </a:r>
+                      <a:r>
+                        <a:rPr lang="pt-PT" sz="1200" b="0" dirty="0" err="1">
+                          <a:solidFill>
+                            <a:schemeClr val="tx1"/>
+                          </a:solidFill>
+                        </a:rPr>
+                        <a:t>inst</a:t>
+                      </a:r>
+                      <a:endParaRPr lang="pt-PT" sz="1200" b="0" dirty="0">
+                        <a:solidFill>
+                          <a:schemeClr val="tx1"/>
+                        </a:solidFill>
+                      </a:endParaRPr>
+                    </a:p>
+                  </a:txBody>
+                  <a:tcPr marT="0" marB="0">
+                    <a:solidFill>
+                      <a:schemeClr val="bg1"/>
+                    </a:solidFill>
+                  </a:tcPr>
+                </a:tc>
+                <a:tc>
+                  <a:txBody>
+                    <a:bodyPr/>
+                    <a:lstStyle/>
+                    <a:p>
+                      <a:r>
+                        <a:rPr lang="pt-PT" sz="1200" b="0" dirty="0">
+                          <a:solidFill>
+                            <a:schemeClr val="tx1"/>
+                          </a:solidFill>
+                        </a:rPr>
+                        <a:t>10 – </a:t>
+                      </a:r>
+                      <a:r>
+                        <a:rPr lang="pt-PT" sz="1200" b="0" dirty="0" err="1">
+                          <a:solidFill>
+                            <a:schemeClr val="tx1"/>
+                          </a:solidFill>
+                        </a:rPr>
+                        <a:t>get</a:t>
+                      </a:r>
+                      <a:r>
+                        <a:rPr lang="pt-PT" sz="1200" b="0" dirty="0">
+                          <a:solidFill>
+                            <a:schemeClr val="tx1"/>
+                          </a:solidFill>
+                        </a:rPr>
+                        <a:t> </a:t>
+                      </a:r>
+                      <a:r>
+                        <a:rPr lang="pt-PT" sz="1200" b="0" dirty="0" err="1">
+                          <a:solidFill>
+                            <a:schemeClr val="tx1"/>
+                          </a:solidFill>
+                        </a:rPr>
+                        <a:t>field</a:t>
+                      </a:r>
+                      <a:r>
+                        <a:rPr lang="pt-PT" sz="1200" b="0" dirty="0">
+                          <a:solidFill>
+                            <a:schemeClr val="tx1"/>
+                          </a:solidFill>
+                        </a:rPr>
+                        <a:t> </a:t>
+                      </a:r>
+                      <a:r>
+                        <a:rPr lang="pt-PT" sz="1200" b="0" dirty="0" err="1">
+                          <a:solidFill>
+                            <a:schemeClr val="tx1"/>
+                          </a:solidFill>
+                        </a:rPr>
+                        <a:t>values</a:t>
+                      </a:r>
+                      <a:endParaRPr lang="pt-PT" sz="1200" dirty="0"/>
+                    </a:p>
+                  </a:txBody>
+                  <a:tcPr marT="0" marB="0">
+                    <a:solidFill>
+                      <a:schemeClr val="bg1"/>
+                    </a:solidFill>
+                  </a:tcPr>
+                </a:tc>
+                <a:extLst>
+                  <a:ext uri="{0D108BD9-81ED-4DB2-BD59-A6C34878D82A}">
+                    <a16:rowId xmlns:a16="http://schemas.microsoft.com/office/drawing/2014/main" val="4158816649"/>
+                  </a:ext>
+                </a:extLst>
+              </a:tr>
+              <a:tr h="0">
+                <a:tc>
+                  <a:txBody>
+                    <a:bodyPr/>
+                    <a:lstStyle/>
+                    <a:p>
+                      <a:r>
+                        <a:rPr lang="pt-PT" sz="1200" b="0" dirty="0">
+                          <a:solidFill>
+                            <a:schemeClr val="tx1"/>
+                          </a:solidFill>
+                        </a:rPr>
+                        <a:t>2 – </a:t>
+                      </a:r>
+                      <a:r>
+                        <a:rPr lang="pt-PT" sz="1200" b="0" dirty="0" err="1">
+                          <a:solidFill>
+                            <a:schemeClr val="tx1"/>
+                          </a:solidFill>
+                        </a:rPr>
+                        <a:t>inst</a:t>
+                      </a:r>
+                      <a:endParaRPr lang="pt-PT" sz="1200" b="0" dirty="0">
+                        <a:solidFill>
+                          <a:schemeClr val="tx1"/>
+                        </a:solidFill>
+                      </a:endParaRPr>
+                    </a:p>
+                  </a:txBody>
+                  <a:tcPr marT="0" marB="0">
+                    <a:solidFill>
+                      <a:schemeClr val="bg1"/>
+                    </a:solidFill>
+                  </a:tcPr>
+                </a:tc>
+                <a:tc>
+                  <a:txBody>
+                    <a:bodyPr/>
+                    <a:lstStyle/>
+                    <a:p>
+                      <a:pPr marL="0" marR="0" lvl="0" indent="0" algn="l" defTabSz="914400" rtl="0" eaLnBrk="1" fontAlgn="auto" latinLnBrk="0" hangingPunct="1">
+                        <a:lnSpc>
+                          <a:spcPct val="100000"/>
+                        </a:lnSpc>
+                        <a:spcBef>
+                          <a:spcPts val="0"/>
+                        </a:spcBef>
+                        <a:spcAft>
+                          <a:spcPts val="0"/>
+                        </a:spcAft>
+                        <a:buClrTx/>
+                        <a:buSzTx/>
+                        <a:buFontTx/>
+                        <a:buNone/>
+                        <a:tabLst/>
+                        <a:defRPr/>
+                      </a:pPr>
+                      <a:r>
+                        <a:rPr lang="pt-PT" sz="1200" b="0" dirty="0">
+                          <a:solidFill>
+                            <a:schemeClr val="tx1"/>
+                          </a:solidFill>
+                        </a:rPr>
+                        <a:t>5 – </a:t>
+                      </a:r>
+                      <a:r>
+                        <a:rPr lang="pt-PT" sz="1200" b="0" dirty="0" err="1">
+                          <a:solidFill>
+                            <a:schemeClr val="tx1"/>
+                          </a:solidFill>
+                        </a:rPr>
+                        <a:t>inst</a:t>
+                      </a:r>
+                      <a:r>
+                        <a:rPr lang="pt-PT" sz="1200" b="0" dirty="0">
+                          <a:solidFill>
+                            <a:schemeClr val="tx1"/>
+                          </a:solidFill>
+                        </a:rPr>
+                        <a:t>, </a:t>
+                      </a:r>
+                      <a:r>
+                        <a:rPr lang="pt-PT" sz="1200" b="0" dirty="0" err="1">
+                          <a:solidFill>
+                            <a:schemeClr val="tx1"/>
+                          </a:solidFill>
+                        </a:rPr>
+                        <a:t>start</a:t>
+                      </a:r>
+                      <a:endParaRPr lang="pt-PT" sz="1200" b="0" dirty="0">
+                        <a:solidFill>
+                          <a:schemeClr val="tx1"/>
+                        </a:solidFill>
+                      </a:endParaRPr>
+                    </a:p>
+                  </a:txBody>
+                  <a:tcPr marT="0" marB="0">
+                    <a:solidFill>
+                      <a:schemeClr val="bg1"/>
+                    </a:solidFill>
+                  </a:tcPr>
+                </a:tc>
+                <a:tc>
+                  <a:txBody>
+                    <a:bodyPr/>
+                    <a:lstStyle/>
+                    <a:p>
+                      <a:r>
+                        <a:rPr lang="pt-PT" sz="1200" dirty="0"/>
+                        <a:t>8 – </a:t>
+                      </a:r>
+                      <a:r>
+                        <a:rPr lang="pt-PT" sz="1200" b="0" dirty="0" err="1">
+                          <a:solidFill>
+                            <a:schemeClr val="tx1"/>
+                          </a:solidFill>
+                        </a:rPr>
+                        <a:t>processAndReply</a:t>
+                      </a:r>
+                      <a:endParaRPr lang="pt-PT" sz="1200" dirty="0"/>
+                    </a:p>
+                  </a:txBody>
+                  <a:tcPr marT="0" marB="0">
+                    <a:solidFill>
+                      <a:schemeClr val="bg1"/>
+                    </a:solidFill>
+                  </a:tcPr>
+                </a:tc>
+                <a:tc>
+                  <a:txBody>
+                    <a:bodyPr/>
+                    <a:lstStyle/>
+                    <a:p>
+                      <a:r>
+                        <a:rPr lang="pt-PT" sz="1200" b="0" dirty="0">
+                          <a:solidFill>
+                            <a:schemeClr val="tx1"/>
+                          </a:solidFill>
+                        </a:rPr>
+                        <a:t>11 – </a:t>
+                      </a:r>
+                      <a:r>
+                        <a:rPr lang="pt-PT" sz="1200" dirty="0" err="1">
+                          <a:solidFill>
+                            <a:schemeClr val="tx1"/>
+                          </a:solidFill>
+                        </a:rPr>
+                        <a:t>printState</a:t>
+                      </a:r>
+                      <a:r>
+                        <a:rPr lang="pt-PT" sz="1200" dirty="0">
+                          <a:solidFill>
+                            <a:schemeClr val="tx1"/>
+                          </a:solidFill>
+                        </a:rPr>
+                        <a:t>, </a:t>
+                      </a:r>
+                      <a:r>
+                        <a:rPr lang="pt-PT" sz="1200" dirty="0" err="1">
+                          <a:solidFill>
+                            <a:schemeClr val="tx1"/>
+                          </a:solidFill>
+                        </a:rPr>
+                        <a:t>printTail</a:t>
+                      </a:r>
+                      <a:r>
+                        <a:rPr lang="pt-PT" sz="1200" dirty="0">
+                          <a:solidFill>
+                            <a:schemeClr val="tx1"/>
+                          </a:solidFill>
+                        </a:rPr>
+                        <a:t>, </a:t>
+                      </a:r>
+                      <a:r>
+                        <a:rPr lang="pt-PT" sz="1200" dirty="0" err="1">
+                          <a:solidFill>
+                            <a:schemeClr val="tx1"/>
+                          </a:solidFill>
+                        </a:rPr>
+                        <a:t>setMasterThiefState</a:t>
+                      </a:r>
+                      <a:r>
+                        <a:rPr lang="pt-PT" sz="1200" dirty="0">
+                          <a:solidFill>
+                            <a:schemeClr val="tx1"/>
+                          </a:solidFill>
+                        </a:rPr>
+                        <a:t>, </a:t>
+                      </a:r>
+                      <a:r>
+                        <a:rPr lang="pt-PT" sz="1200" dirty="0" err="1">
+                          <a:solidFill>
+                            <a:schemeClr val="tx1"/>
+                          </a:solidFill>
+                        </a:rPr>
+                        <a:t>setOrdinaryThiefState</a:t>
+                      </a:r>
+                      <a:r>
+                        <a:rPr lang="pt-PT" sz="1200" dirty="0">
+                          <a:solidFill>
+                            <a:schemeClr val="tx1"/>
+                          </a:solidFill>
+                        </a:rPr>
+                        <a:t>, </a:t>
+                      </a:r>
+                      <a:r>
+                        <a:rPr lang="pt-PT" sz="1200" dirty="0" err="1">
+                          <a:solidFill>
+                            <a:schemeClr val="tx1"/>
+                          </a:solidFill>
+                        </a:rPr>
+                        <a:t>setAssaultPartyRoom</a:t>
+                      </a:r>
+                      <a:r>
+                        <a:rPr lang="pt-PT" sz="1200" dirty="0">
+                          <a:solidFill>
+                            <a:schemeClr val="tx1"/>
+                          </a:solidFill>
+                        </a:rPr>
+                        <a:t>, </a:t>
+                      </a:r>
+                      <a:r>
+                        <a:rPr lang="pt-PT" sz="1200" dirty="0" err="1">
+                          <a:solidFill>
+                            <a:schemeClr val="tx1"/>
+                          </a:solidFill>
+                        </a:rPr>
+                        <a:t>setAssaultPartyMember</a:t>
+                      </a:r>
+                      <a:r>
+                        <a:rPr lang="pt-PT" sz="1200" dirty="0">
+                          <a:solidFill>
+                            <a:schemeClr val="tx1"/>
+                          </a:solidFill>
+                        </a:rPr>
+                        <a:t>, </a:t>
+                      </a:r>
+                      <a:r>
+                        <a:rPr lang="pt-PT" sz="1200" dirty="0" err="1">
+                          <a:solidFill>
+                            <a:schemeClr val="tx1"/>
+                          </a:solidFill>
+                        </a:rPr>
+                        <a:t>removeAssaultPartyMember</a:t>
+                      </a:r>
+                      <a:r>
+                        <a:rPr lang="pt-PT" sz="1200" dirty="0">
+                          <a:solidFill>
+                            <a:schemeClr val="tx1"/>
+                          </a:solidFill>
+                        </a:rPr>
+                        <a:t>, </a:t>
+                      </a:r>
+                      <a:r>
+                        <a:rPr lang="pt-PT" sz="1200" dirty="0" err="1">
+                          <a:solidFill>
+                            <a:schemeClr val="tx1"/>
+                          </a:solidFill>
+                        </a:rPr>
+                        <a:t>disbandAssaultParty</a:t>
+                      </a:r>
+                      <a:r>
+                        <a:rPr lang="pt-PT" sz="1200" dirty="0">
+                          <a:solidFill>
+                            <a:schemeClr val="tx1"/>
+                          </a:solidFill>
+                        </a:rPr>
+                        <a:t>, </a:t>
+                      </a:r>
+                      <a:r>
+                        <a:rPr lang="pt-PT" sz="1200" dirty="0" err="1">
+                          <a:solidFill>
+                            <a:schemeClr val="tx1"/>
+                          </a:solidFill>
+                        </a:rPr>
+                        <a:t>setRoomState</a:t>
+                      </a:r>
+                      <a:r>
+                        <a:rPr lang="pt-PT" sz="1200" dirty="0">
+                          <a:solidFill>
+                            <a:schemeClr val="tx1"/>
+                          </a:solidFill>
+                        </a:rPr>
+                        <a:t>, </a:t>
+                      </a:r>
+                      <a:r>
+                        <a:rPr lang="pt-PT" sz="1200" dirty="0" err="1">
+                          <a:solidFill>
+                            <a:schemeClr val="tx1"/>
+                          </a:solidFill>
+                        </a:rPr>
+                        <a:t>setInitialRoomStates</a:t>
+                      </a:r>
+                      <a:r>
+                        <a:rPr lang="pt-PT" sz="1200" dirty="0">
+                          <a:solidFill>
+                            <a:schemeClr val="tx1"/>
+                          </a:solidFill>
+                        </a:rPr>
+                        <a:t>, </a:t>
+                      </a:r>
+                      <a:r>
+                        <a:rPr lang="pt-PT" sz="1200" dirty="0" err="1">
+                          <a:solidFill>
+                            <a:schemeClr val="tx1"/>
+                          </a:solidFill>
+                        </a:rPr>
+                        <a:t>shutdown</a:t>
+                      </a:r>
+                      <a:endParaRPr lang="pt-PT" sz="1200" b="0" dirty="0">
+                        <a:solidFill>
+                          <a:schemeClr val="tx1"/>
+                        </a:solidFill>
+                      </a:endParaRPr>
+                    </a:p>
+                  </a:txBody>
+                  <a:tcPr marT="0" marB="0">
+                    <a:solidFill>
+                      <a:schemeClr val="bg1"/>
+                    </a:solidFill>
+                  </a:tcPr>
+                </a:tc>
+                <a:extLst>
+                  <a:ext uri="{0D108BD9-81ED-4DB2-BD59-A6C34878D82A}">
+                    <a16:rowId xmlns:a16="http://schemas.microsoft.com/office/drawing/2014/main" val="267788853"/>
+                  </a:ext>
+                </a:extLst>
+              </a:tr>
+              <a:tr h="197928">
+                <a:tc>
+                  <a:txBody>
+                    <a:bodyPr/>
+                    <a:lstStyle/>
+                    <a:p>
+                      <a:r>
+                        <a:rPr lang="pt-PT" sz="1200" b="0" dirty="0">
+                          <a:solidFill>
+                            <a:schemeClr val="tx1"/>
+                          </a:solidFill>
+                        </a:rPr>
+                        <a:t>3 – </a:t>
+                      </a:r>
+                      <a:r>
+                        <a:rPr lang="pt-PT" sz="1200" b="0" dirty="0" err="1">
+                          <a:solidFill>
+                            <a:schemeClr val="tx1"/>
+                          </a:solidFill>
+                        </a:rPr>
+                        <a:t>inst</a:t>
+                      </a:r>
+                      <a:r>
+                        <a:rPr lang="pt-PT" sz="1200" b="0" dirty="0">
+                          <a:solidFill>
+                            <a:schemeClr val="tx1"/>
+                          </a:solidFill>
+                        </a:rPr>
+                        <a:t>, </a:t>
+                      </a:r>
+                      <a:r>
+                        <a:rPr lang="pt-PT" sz="1200" b="0" dirty="0" err="1">
+                          <a:solidFill>
+                            <a:schemeClr val="tx1"/>
+                          </a:solidFill>
+                        </a:rPr>
+                        <a:t>start</a:t>
+                      </a:r>
+                      <a:r>
+                        <a:rPr lang="pt-PT" sz="1200" b="0" dirty="0">
+                          <a:solidFill>
+                            <a:schemeClr val="tx1"/>
+                          </a:solidFill>
+                        </a:rPr>
+                        <a:t>, </a:t>
+                      </a:r>
+                      <a:r>
+                        <a:rPr lang="pt-PT" sz="1200" b="0" dirty="0" err="1">
+                          <a:solidFill>
+                            <a:schemeClr val="tx1"/>
+                          </a:solidFill>
+                        </a:rPr>
+                        <a:t>accept</a:t>
+                      </a:r>
+                      <a:r>
+                        <a:rPr lang="pt-PT" sz="1200" b="0" dirty="0">
+                          <a:solidFill>
+                            <a:schemeClr val="tx1"/>
+                          </a:solidFill>
+                        </a:rPr>
+                        <a:t>, </a:t>
+                      </a:r>
+                      <a:r>
+                        <a:rPr lang="pt-PT" sz="1200" b="0" dirty="0" err="1">
+                          <a:solidFill>
+                            <a:schemeClr val="tx1"/>
+                          </a:solidFill>
+                        </a:rPr>
+                        <a:t>end</a:t>
+                      </a:r>
+                      <a:endParaRPr lang="pt-PT" sz="1200" b="0" dirty="0">
+                        <a:solidFill>
+                          <a:schemeClr val="tx1"/>
+                        </a:solidFill>
+                      </a:endParaRPr>
+                    </a:p>
+                  </a:txBody>
+                  <a:tcPr marT="0" marB="0">
+                    <a:solidFill>
+                      <a:schemeClr val="bg1"/>
+                    </a:solidFill>
+                  </a:tcPr>
+                </a:tc>
+                <a:tc>
+                  <a:txBody>
+                    <a:bodyPr/>
+                    <a:lstStyle/>
+                    <a:p>
+                      <a:r>
+                        <a:rPr lang="pt-PT" sz="1200" b="0" dirty="0">
+                          <a:solidFill>
+                            <a:schemeClr val="tx1"/>
+                          </a:solidFill>
+                        </a:rPr>
+                        <a:t>6 – </a:t>
+                      </a:r>
+                      <a:r>
+                        <a:rPr lang="pt-PT" sz="1200" b="0" dirty="0" err="1">
+                          <a:solidFill>
+                            <a:schemeClr val="tx1"/>
+                          </a:solidFill>
+                        </a:rPr>
+                        <a:t>inst</a:t>
+                      </a:r>
+                      <a:endParaRPr lang="pt-PT" sz="1200" b="0" dirty="0">
+                        <a:solidFill>
+                          <a:schemeClr val="tx1"/>
+                        </a:solidFill>
+                      </a:endParaRPr>
+                    </a:p>
+                  </a:txBody>
+                  <a:tcPr marT="0" marB="0">
+                    <a:solidFill>
+                      <a:schemeClr val="bg1"/>
+                    </a:solidFill>
+                  </a:tcPr>
+                </a:tc>
+                <a:tc>
+                  <a:txBody>
+                    <a:bodyPr/>
+                    <a:lstStyle/>
+                    <a:p>
+                      <a:pPr marL="0" marR="0" lvl="0" indent="0" algn="l" defTabSz="914400" rtl="0" eaLnBrk="1" fontAlgn="auto" latinLnBrk="0" hangingPunct="1">
+                        <a:lnSpc>
+                          <a:spcPct val="100000"/>
+                        </a:lnSpc>
+                        <a:spcBef>
+                          <a:spcPts val="0"/>
+                        </a:spcBef>
+                        <a:spcAft>
+                          <a:spcPts val="0"/>
+                        </a:spcAft>
+                        <a:buClrTx/>
+                        <a:buSzTx/>
+                        <a:buFontTx/>
+                        <a:buNone/>
+                        <a:tabLst/>
+                        <a:defRPr/>
+                      </a:pPr>
+                      <a:r>
+                        <a:rPr lang="pt-PT" sz="1200" b="0" dirty="0">
+                          <a:solidFill>
+                            <a:schemeClr val="tx1"/>
+                          </a:solidFill>
+                        </a:rPr>
+                        <a:t>9 – </a:t>
+                      </a:r>
+                      <a:r>
+                        <a:rPr lang="pt-PT" sz="1200" b="0" dirty="0" err="1">
+                          <a:solidFill>
+                            <a:schemeClr val="tx1"/>
+                          </a:solidFill>
+                        </a:rPr>
+                        <a:t>readObject</a:t>
+                      </a:r>
+                      <a:r>
+                        <a:rPr lang="pt-PT" sz="1200" b="0" dirty="0">
+                          <a:solidFill>
+                            <a:schemeClr val="tx1"/>
+                          </a:solidFill>
+                        </a:rPr>
+                        <a:t>, </a:t>
+                      </a:r>
+                      <a:r>
+                        <a:rPr lang="pt-PT" sz="1200" b="0" dirty="0" err="1">
+                          <a:solidFill>
+                            <a:schemeClr val="tx1"/>
+                          </a:solidFill>
+                        </a:rPr>
+                        <a:t>writeObject</a:t>
+                      </a:r>
+                      <a:r>
+                        <a:rPr lang="pt-PT" sz="1200" b="0" dirty="0">
+                          <a:solidFill>
+                            <a:schemeClr val="tx1"/>
+                          </a:solidFill>
+                        </a:rPr>
+                        <a:t>, </a:t>
+                      </a:r>
+                      <a:r>
+                        <a:rPr lang="pt-PT" sz="1200" b="0" dirty="0" err="1">
+                          <a:solidFill>
+                            <a:schemeClr val="tx1"/>
+                          </a:solidFill>
+                        </a:rPr>
+                        <a:t>close</a:t>
+                      </a:r>
+                      <a:endParaRPr lang="pt-PT" sz="1200" b="0" dirty="0">
+                        <a:solidFill>
+                          <a:schemeClr val="tx1"/>
+                        </a:solidFill>
+                      </a:endParaRPr>
+                    </a:p>
+                  </a:txBody>
+                  <a:tcPr marT="0" marB="0">
+                    <a:solidFill>
+                      <a:schemeClr val="bg1"/>
+                    </a:solidFill>
+                  </a:tcPr>
+                </a:tc>
+                <a:tc>
+                  <a:txBody>
+                    <a:bodyPr/>
+                    <a:lstStyle/>
+                    <a:p>
+                      <a:r>
+                        <a:rPr lang="pt-PT" sz="1200" dirty="0">
+                          <a:solidFill>
+                            <a:schemeClr val="tx1"/>
+                          </a:solidFill>
+                        </a:rPr>
+                        <a:t>12 – </a:t>
+                      </a:r>
+                      <a:r>
+                        <a:rPr lang="pt-PT" sz="1200" b="0" dirty="0" err="1">
+                          <a:solidFill>
+                            <a:schemeClr val="tx1"/>
+                          </a:solidFill>
+                        </a:rPr>
+                        <a:t>inst</a:t>
+                      </a:r>
+                      <a:r>
+                        <a:rPr lang="pt-PT" sz="1200" b="0" dirty="0">
+                          <a:solidFill>
+                            <a:schemeClr val="tx1"/>
+                          </a:solidFill>
+                        </a:rPr>
+                        <a:t> </a:t>
+                      </a:r>
+                      <a:r>
+                        <a:rPr lang="pt-PT" sz="1200" b="0" dirty="0" err="1">
+                          <a:solidFill>
+                            <a:schemeClr val="tx1"/>
+                          </a:solidFill>
+                        </a:rPr>
+                        <a:t>logger</a:t>
+                      </a:r>
+                      <a:r>
+                        <a:rPr lang="pt-PT" sz="1200" b="0" dirty="0">
+                          <a:solidFill>
+                            <a:schemeClr val="tx1"/>
+                          </a:solidFill>
+                        </a:rPr>
+                        <a:t> </a:t>
+                      </a:r>
+                      <a:r>
+                        <a:rPr lang="pt-PT" sz="1200" b="0" dirty="0" err="1">
+                          <a:solidFill>
+                            <a:schemeClr val="tx1"/>
+                          </a:solidFill>
+                        </a:rPr>
+                        <a:t>and</a:t>
+                      </a:r>
+                      <a:r>
+                        <a:rPr lang="pt-PT" sz="1200" b="0" dirty="0">
+                          <a:solidFill>
+                            <a:schemeClr val="tx1"/>
+                          </a:solidFill>
+                        </a:rPr>
+                        <a:t> use </a:t>
+                      </a:r>
+                      <a:r>
+                        <a:rPr lang="pt-PT" sz="1200" b="0" dirty="0" err="1">
+                          <a:solidFill>
+                            <a:schemeClr val="tx1"/>
+                          </a:solidFill>
+                        </a:rPr>
+                        <a:t>of</a:t>
+                      </a:r>
+                      <a:r>
+                        <a:rPr lang="pt-PT" sz="1200" b="0" dirty="0">
+                          <a:solidFill>
+                            <a:schemeClr val="tx1"/>
+                          </a:solidFill>
+                        </a:rPr>
+                        <a:t> </a:t>
+                      </a:r>
+                      <a:r>
+                        <a:rPr lang="pt-PT" sz="1200" b="0" dirty="0" err="1">
+                          <a:solidFill>
+                            <a:schemeClr val="tx1"/>
+                          </a:solidFill>
+                        </a:rPr>
+                        <a:t>multiple</a:t>
+                      </a:r>
+                      <a:r>
+                        <a:rPr lang="pt-PT" sz="1200" b="0" dirty="0">
+                          <a:solidFill>
+                            <a:schemeClr val="tx1"/>
+                          </a:solidFill>
+                        </a:rPr>
+                        <a:t> </a:t>
+                      </a:r>
+                      <a:r>
+                        <a:rPr lang="pt-PT" sz="1200" b="0" dirty="0" err="1">
+                          <a:solidFill>
+                            <a:schemeClr val="tx1"/>
+                          </a:solidFill>
+                        </a:rPr>
+                        <a:t>logging</a:t>
+                      </a:r>
+                      <a:r>
+                        <a:rPr lang="pt-PT" sz="1200" b="0" dirty="0">
+                          <a:solidFill>
+                            <a:schemeClr val="tx1"/>
+                          </a:solidFill>
+                        </a:rPr>
+                        <a:t> </a:t>
+                      </a:r>
+                      <a:r>
+                        <a:rPr lang="pt-PT" sz="1200" b="0" dirty="0" err="1">
+                          <a:solidFill>
+                            <a:schemeClr val="tx1"/>
+                          </a:solidFill>
+                        </a:rPr>
+                        <a:t>utils</a:t>
+                      </a:r>
+                      <a:endParaRPr lang="pt-PT" sz="1200" dirty="0">
+                        <a:solidFill>
+                          <a:schemeClr val="tx1"/>
+                        </a:solidFill>
+                      </a:endParaRPr>
+                    </a:p>
+                  </a:txBody>
+                  <a:tcPr marT="0" marB="0">
+                    <a:solidFill>
+                      <a:schemeClr val="bg1"/>
+                    </a:solidFill>
+                  </a:tcPr>
+                </a:tc>
+                <a:extLst>
+                  <a:ext uri="{0D108BD9-81ED-4DB2-BD59-A6C34878D82A}">
+                    <a16:rowId xmlns:a16="http://schemas.microsoft.com/office/drawing/2014/main" val="1091252465"/>
+                  </a:ext>
+                </a:extLst>
+              </a:tr>
+            </a:tbl>
+          </a:graphicData>
+        </a:graphic>
+      </p:graphicFrame>
+      <p:sp>
+        <p:nvSpPr>
+          <p:cNvPr id="59" name="CaixaDeTexto 58">
+            <a:extLst>
+              <a:ext uri="{FF2B5EF4-FFF2-40B4-BE49-F238E27FC236}">
+                <a16:creationId xmlns:a16="http://schemas.microsoft.com/office/drawing/2014/main" id="{B39303B6-A98A-4FE3-ACE7-CC98B56798C1}"/>
+              </a:ext>
+            </a:extLst>
+          </p:cNvPr>
+          <p:cNvSpPr txBox="1"/>
+          <p:nvPr/>
+        </p:nvSpPr>
+        <p:spPr>
+          <a:xfrm>
+            <a:off x="5215695" y="3797730"/>
+            <a:ext cx="311879" cy="276999"/>
+          </a:xfrm>
+          <a:prstGeom prst="rect">
+            <a:avLst/>
+          </a:prstGeom>
+          <a:noFill/>
+        </p:spPr>
+        <p:txBody>
+          <a:bodyPr wrap="square" rtlCol="0">
+            <a:spAutoFit/>
+          </a:bodyPr>
+          <a:lstStyle/>
+          <a:p>
+            <a:r>
+              <a:rPr lang="pt-PT" sz="1200" dirty="0"/>
+              <a:t>1</a:t>
+            </a:r>
+          </a:p>
+        </p:txBody>
+      </p:sp>
+      <p:sp>
+        <p:nvSpPr>
+          <p:cNvPr id="60" name="CaixaDeTexto 59">
+            <a:extLst>
+              <a:ext uri="{FF2B5EF4-FFF2-40B4-BE49-F238E27FC236}">
+                <a16:creationId xmlns:a16="http://schemas.microsoft.com/office/drawing/2014/main" id="{2C1E4EFC-4E55-A45C-5BB7-B02622290189}"/>
+              </a:ext>
+            </a:extLst>
+          </p:cNvPr>
+          <p:cNvSpPr txBox="1"/>
+          <p:nvPr/>
+        </p:nvSpPr>
+        <p:spPr>
+          <a:xfrm>
+            <a:off x="4317904" y="2306612"/>
+            <a:ext cx="311879" cy="276999"/>
+          </a:xfrm>
+          <a:prstGeom prst="rect">
+            <a:avLst/>
+          </a:prstGeom>
+          <a:noFill/>
+        </p:spPr>
+        <p:txBody>
+          <a:bodyPr wrap="square" rtlCol="0">
+            <a:spAutoFit/>
+          </a:bodyPr>
+          <a:lstStyle/>
+          <a:p>
+            <a:r>
+              <a:rPr lang="pt-PT" sz="1200" dirty="0"/>
+              <a:t>2</a:t>
+            </a:r>
+          </a:p>
+        </p:txBody>
+      </p:sp>
+      <p:sp>
+        <p:nvSpPr>
+          <p:cNvPr id="61" name="CaixaDeTexto 60">
+            <a:extLst>
+              <a:ext uri="{FF2B5EF4-FFF2-40B4-BE49-F238E27FC236}">
+                <a16:creationId xmlns:a16="http://schemas.microsoft.com/office/drawing/2014/main" id="{F490E1DE-798C-3A5C-F6C9-B1EE8F8630DF}"/>
+              </a:ext>
+            </a:extLst>
+          </p:cNvPr>
+          <p:cNvSpPr txBox="1"/>
+          <p:nvPr/>
+        </p:nvSpPr>
+        <p:spPr>
+          <a:xfrm>
+            <a:off x="7863385" y="2148915"/>
+            <a:ext cx="311879" cy="276999"/>
+          </a:xfrm>
+          <a:prstGeom prst="rect">
+            <a:avLst/>
+          </a:prstGeom>
+          <a:noFill/>
+        </p:spPr>
+        <p:txBody>
+          <a:bodyPr wrap="square" rtlCol="0">
+            <a:spAutoFit/>
+          </a:bodyPr>
+          <a:lstStyle/>
+          <a:p>
+            <a:r>
+              <a:rPr lang="pt-PT" sz="1200" dirty="0"/>
+              <a:t>3</a:t>
+            </a:r>
+          </a:p>
+        </p:txBody>
+      </p:sp>
+      <p:sp>
+        <p:nvSpPr>
+          <p:cNvPr id="62" name="CaixaDeTexto 61">
+            <a:extLst>
+              <a:ext uri="{FF2B5EF4-FFF2-40B4-BE49-F238E27FC236}">
+                <a16:creationId xmlns:a16="http://schemas.microsoft.com/office/drawing/2014/main" id="{186B3731-E49C-0BF4-23BC-87F30D073575}"/>
+              </a:ext>
+            </a:extLst>
+          </p:cNvPr>
+          <p:cNvSpPr txBox="1"/>
+          <p:nvPr/>
+        </p:nvSpPr>
+        <p:spPr>
+          <a:xfrm>
+            <a:off x="8910175" y="1260892"/>
+            <a:ext cx="311879" cy="276999"/>
+          </a:xfrm>
+          <a:prstGeom prst="rect">
+            <a:avLst/>
+          </a:prstGeom>
+          <a:noFill/>
+        </p:spPr>
+        <p:txBody>
+          <a:bodyPr wrap="square" rtlCol="0">
+            <a:spAutoFit/>
+          </a:bodyPr>
+          <a:lstStyle/>
+          <a:p>
+            <a:r>
+              <a:rPr lang="pt-PT" sz="1200" dirty="0"/>
+              <a:t>4</a:t>
+            </a:r>
+          </a:p>
+        </p:txBody>
+      </p:sp>
+      <p:sp>
+        <p:nvSpPr>
+          <p:cNvPr id="63" name="CaixaDeTexto 62">
+            <a:extLst>
+              <a:ext uri="{FF2B5EF4-FFF2-40B4-BE49-F238E27FC236}">
+                <a16:creationId xmlns:a16="http://schemas.microsoft.com/office/drawing/2014/main" id="{5198B64E-559D-E585-766A-F6D3964DD69B}"/>
+              </a:ext>
+            </a:extLst>
+          </p:cNvPr>
+          <p:cNvSpPr txBox="1"/>
+          <p:nvPr/>
+        </p:nvSpPr>
+        <p:spPr>
+          <a:xfrm>
+            <a:off x="7251826" y="2833933"/>
+            <a:ext cx="311879" cy="276999"/>
+          </a:xfrm>
+          <a:prstGeom prst="rect">
+            <a:avLst/>
+          </a:prstGeom>
+          <a:noFill/>
+        </p:spPr>
+        <p:txBody>
+          <a:bodyPr wrap="square" rtlCol="0">
+            <a:spAutoFit/>
+          </a:bodyPr>
+          <a:lstStyle/>
+          <a:p>
+            <a:r>
+              <a:rPr lang="pt-PT" sz="1200" dirty="0"/>
+              <a:t>5</a:t>
+            </a:r>
+          </a:p>
+        </p:txBody>
+      </p:sp>
+      <p:cxnSp>
+        <p:nvCxnSpPr>
+          <p:cNvPr id="64" name="Conexão reta unidirecional 63">
+            <a:extLst>
+              <a:ext uri="{FF2B5EF4-FFF2-40B4-BE49-F238E27FC236}">
+                <a16:creationId xmlns:a16="http://schemas.microsoft.com/office/drawing/2014/main" id="{A86C4A2D-6C34-2C9B-864D-D80AEF370AD2}"/>
+              </a:ext>
+            </a:extLst>
+          </p:cNvPr>
+          <p:cNvCxnSpPr>
+            <a:cxnSpLocks/>
+            <a:stCxn id="12" idx="1"/>
+            <a:endCxn id="44" idx="6"/>
+          </p:cNvCxnSpPr>
+          <p:nvPr/>
+        </p:nvCxnSpPr>
+        <p:spPr>
+          <a:xfrm flipH="1" flipV="1">
+            <a:off x="6175571" y="1322222"/>
+            <a:ext cx="3267360" cy="885276"/>
+          </a:xfrm>
+          <a:prstGeom prst="straightConnector1">
+            <a:avLst/>
+          </a:prstGeom>
+          <a:ln w="12700">
+            <a:solidFill>
+              <a:schemeClr val="tx1"/>
+            </a:solidFill>
+            <a:tailEnd type="triangle"/>
+          </a:ln>
+        </p:spPr>
+        <p:style>
+          <a:lnRef idx="1">
+            <a:schemeClr val="accent1"/>
+          </a:lnRef>
+          <a:fillRef idx="0">
+            <a:schemeClr val="accent1"/>
+          </a:fillRef>
+          <a:effectRef idx="0">
+            <a:schemeClr val="accent1"/>
+          </a:effectRef>
+          <a:fontRef idx="minor">
+            <a:schemeClr val="tx1"/>
+          </a:fontRef>
+        </p:style>
+      </p:cxnSp>
+      <p:sp>
+        <p:nvSpPr>
+          <p:cNvPr id="69" name="CaixaDeTexto 68">
+            <a:extLst>
+              <a:ext uri="{FF2B5EF4-FFF2-40B4-BE49-F238E27FC236}">
+                <a16:creationId xmlns:a16="http://schemas.microsoft.com/office/drawing/2014/main" id="{5B46D42A-CAC3-D308-61EF-E0E638CED307}"/>
+              </a:ext>
+            </a:extLst>
+          </p:cNvPr>
+          <p:cNvSpPr txBox="1"/>
+          <p:nvPr/>
+        </p:nvSpPr>
+        <p:spPr>
+          <a:xfrm>
+            <a:off x="7227516" y="1338160"/>
+            <a:ext cx="311879" cy="276999"/>
+          </a:xfrm>
+          <a:prstGeom prst="rect">
+            <a:avLst/>
+          </a:prstGeom>
+          <a:noFill/>
+        </p:spPr>
+        <p:txBody>
+          <a:bodyPr wrap="square" rtlCol="0">
+            <a:spAutoFit/>
+          </a:bodyPr>
+          <a:lstStyle/>
+          <a:p>
+            <a:r>
+              <a:rPr lang="pt-PT" sz="1200" dirty="0"/>
+              <a:t>6</a:t>
+            </a:r>
+          </a:p>
+        </p:txBody>
+      </p:sp>
+      <p:cxnSp>
+        <p:nvCxnSpPr>
+          <p:cNvPr id="70" name="Conexão reta unidirecional 69">
+            <a:extLst>
+              <a:ext uri="{FF2B5EF4-FFF2-40B4-BE49-F238E27FC236}">
+                <a16:creationId xmlns:a16="http://schemas.microsoft.com/office/drawing/2014/main" id="{CEA96A90-995A-04F6-2C87-4C451A532D7F}"/>
+              </a:ext>
+            </a:extLst>
+          </p:cNvPr>
+          <p:cNvCxnSpPr>
+            <a:cxnSpLocks/>
+            <a:stCxn id="14" idx="3"/>
+            <a:endCxn id="50" idx="0"/>
+          </p:cNvCxnSpPr>
+          <p:nvPr/>
+        </p:nvCxnSpPr>
+        <p:spPr>
+          <a:xfrm flipH="1">
+            <a:off x="1679200" y="3067509"/>
+            <a:ext cx="635587" cy="1230199"/>
+          </a:xfrm>
+          <a:prstGeom prst="straightConnector1">
+            <a:avLst/>
+          </a:prstGeom>
+          <a:ln w="12700">
+            <a:solidFill>
+              <a:schemeClr val="tx1"/>
+            </a:solidFill>
+            <a:tailEnd type="triangle"/>
+          </a:ln>
+        </p:spPr>
+        <p:style>
+          <a:lnRef idx="1">
+            <a:schemeClr val="accent1"/>
+          </a:lnRef>
+          <a:fillRef idx="0">
+            <a:schemeClr val="accent1"/>
+          </a:fillRef>
+          <a:effectRef idx="0">
+            <a:schemeClr val="accent1"/>
+          </a:effectRef>
+          <a:fontRef idx="minor">
+            <a:schemeClr val="tx1"/>
+          </a:fontRef>
+        </p:style>
+      </p:cxnSp>
+      <p:sp>
+        <p:nvSpPr>
+          <p:cNvPr id="73" name="CaixaDeTexto 72">
+            <a:extLst>
+              <a:ext uri="{FF2B5EF4-FFF2-40B4-BE49-F238E27FC236}">
+                <a16:creationId xmlns:a16="http://schemas.microsoft.com/office/drawing/2014/main" id="{8F9FDDCC-7859-25F3-0A0C-0521B964AC4E}"/>
+              </a:ext>
+            </a:extLst>
+          </p:cNvPr>
+          <p:cNvSpPr txBox="1"/>
+          <p:nvPr/>
+        </p:nvSpPr>
+        <p:spPr>
+          <a:xfrm>
+            <a:off x="1797701" y="3433195"/>
+            <a:ext cx="311879" cy="276999"/>
+          </a:xfrm>
+          <a:prstGeom prst="rect">
+            <a:avLst/>
+          </a:prstGeom>
+          <a:noFill/>
+        </p:spPr>
+        <p:txBody>
+          <a:bodyPr wrap="square" rtlCol="0">
+            <a:spAutoFit/>
+          </a:bodyPr>
+          <a:lstStyle/>
+          <a:p>
+            <a:r>
+              <a:rPr lang="pt-PT" sz="1200" dirty="0"/>
+              <a:t>7</a:t>
+            </a:r>
+          </a:p>
+        </p:txBody>
+      </p:sp>
+      <p:sp>
+        <p:nvSpPr>
+          <p:cNvPr id="75" name="CaixaDeTexto 74">
+            <a:extLst>
+              <a:ext uri="{FF2B5EF4-FFF2-40B4-BE49-F238E27FC236}">
+                <a16:creationId xmlns:a16="http://schemas.microsoft.com/office/drawing/2014/main" id="{4AB07291-6223-196F-FB73-CAE5C454B2BC}"/>
+              </a:ext>
+            </a:extLst>
+          </p:cNvPr>
+          <p:cNvSpPr txBox="1"/>
+          <p:nvPr/>
+        </p:nvSpPr>
+        <p:spPr>
+          <a:xfrm>
+            <a:off x="5021540" y="3132020"/>
+            <a:ext cx="311879" cy="276999"/>
+          </a:xfrm>
+          <a:prstGeom prst="rect">
+            <a:avLst/>
+          </a:prstGeom>
+          <a:noFill/>
+        </p:spPr>
+        <p:txBody>
+          <a:bodyPr wrap="square" rtlCol="0">
+            <a:spAutoFit/>
+          </a:bodyPr>
+          <a:lstStyle/>
+          <a:p>
+            <a:r>
+              <a:rPr lang="pt-PT" sz="1200" dirty="0"/>
+              <a:t>8</a:t>
+            </a:r>
+          </a:p>
+        </p:txBody>
+      </p:sp>
+      <p:sp>
+        <p:nvSpPr>
+          <p:cNvPr id="76" name="CaixaDeTexto 75">
+            <a:extLst>
+              <a:ext uri="{FF2B5EF4-FFF2-40B4-BE49-F238E27FC236}">
+                <a16:creationId xmlns:a16="http://schemas.microsoft.com/office/drawing/2014/main" id="{C21988D3-65FC-E777-B0B5-FBC91B1037B8}"/>
+              </a:ext>
+            </a:extLst>
+          </p:cNvPr>
+          <p:cNvSpPr txBox="1"/>
+          <p:nvPr/>
+        </p:nvSpPr>
+        <p:spPr>
+          <a:xfrm>
+            <a:off x="9085121" y="3165931"/>
+            <a:ext cx="351918" cy="276999"/>
+          </a:xfrm>
+          <a:prstGeom prst="rect">
+            <a:avLst/>
+          </a:prstGeom>
+          <a:noFill/>
+        </p:spPr>
+        <p:txBody>
+          <a:bodyPr wrap="square" rtlCol="0">
+            <a:spAutoFit/>
+          </a:bodyPr>
+          <a:lstStyle/>
+          <a:p>
+            <a:r>
+              <a:rPr lang="pt-PT" sz="1200" dirty="0"/>
+              <a:t>9</a:t>
+            </a:r>
+          </a:p>
+        </p:txBody>
+      </p:sp>
+      <p:cxnSp>
+        <p:nvCxnSpPr>
+          <p:cNvPr id="88" name="Conexão reta unidirecional 87">
+            <a:extLst>
+              <a:ext uri="{FF2B5EF4-FFF2-40B4-BE49-F238E27FC236}">
+                <a16:creationId xmlns:a16="http://schemas.microsoft.com/office/drawing/2014/main" id="{3AB859A0-7B7D-D430-6D2D-62292D644CF2}"/>
+              </a:ext>
+            </a:extLst>
+          </p:cNvPr>
+          <p:cNvCxnSpPr>
+            <a:cxnSpLocks/>
+            <a:stCxn id="14" idx="0"/>
+            <a:endCxn id="44" idx="2"/>
+          </p:cNvCxnSpPr>
+          <p:nvPr/>
+        </p:nvCxnSpPr>
+        <p:spPr>
+          <a:xfrm flipV="1">
+            <a:off x="2753814" y="1322222"/>
+            <a:ext cx="1958727" cy="1171640"/>
+          </a:xfrm>
+          <a:prstGeom prst="straightConnector1">
+            <a:avLst/>
+          </a:prstGeom>
+          <a:ln w="12700">
+            <a:solidFill>
+              <a:schemeClr val="tx1"/>
+            </a:solidFill>
+            <a:tailEnd type="triangle"/>
+          </a:ln>
+        </p:spPr>
+        <p:style>
+          <a:lnRef idx="1">
+            <a:schemeClr val="accent1"/>
+          </a:lnRef>
+          <a:fillRef idx="0">
+            <a:schemeClr val="accent1"/>
+          </a:fillRef>
+          <a:effectRef idx="0">
+            <a:schemeClr val="accent1"/>
+          </a:effectRef>
+          <a:fontRef idx="minor">
+            <a:schemeClr val="tx1"/>
+          </a:fontRef>
+        </p:style>
+      </p:cxnSp>
+      <p:sp>
+        <p:nvSpPr>
+          <p:cNvPr id="91" name="CaixaDeTexto 90">
+            <a:extLst>
+              <a:ext uri="{FF2B5EF4-FFF2-40B4-BE49-F238E27FC236}">
+                <a16:creationId xmlns:a16="http://schemas.microsoft.com/office/drawing/2014/main" id="{66603B5E-8A55-20E8-6EDF-1FCAA7B5248C}"/>
+              </a:ext>
+            </a:extLst>
+          </p:cNvPr>
+          <p:cNvSpPr txBox="1"/>
+          <p:nvPr/>
+        </p:nvSpPr>
+        <p:spPr>
+          <a:xfrm>
+            <a:off x="3446493" y="1639659"/>
+            <a:ext cx="351918" cy="276999"/>
+          </a:xfrm>
+          <a:prstGeom prst="rect">
+            <a:avLst/>
+          </a:prstGeom>
+          <a:noFill/>
+        </p:spPr>
+        <p:txBody>
+          <a:bodyPr wrap="square" rtlCol="0">
+            <a:spAutoFit/>
+          </a:bodyPr>
+          <a:lstStyle/>
+          <a:p>
+            <a:r>
+              <a:rPr lang="pt-PT" sz="1200" dirty="0"/>
+              <a:t>10</a:t>
+            </a:r>
+          </a:p>
+        </p:txBody>
+      </p:sp>
+      <p:cxnSp>
+        <p:nvCxnSpPr>
+          <p:cNvPr id="104" name="Conexão reta unidirecional 103">
+            <a:extLst>
+              <a:ext uri="{FF2B5EF4-FFF2-40B4-BE49-F238E27FC236}">
+                <a16:creationId xmlns:a16="http://schemas.microsoft.com/office/drawing/2014/main" id="{2C15AC54-0CD7-4F8E-2D51-909E0BD4810E}"/>
+              </a:ext>
+            </a:extLst>
+          </p:cNvPr>
+          <p:cNvCxnSpPr>
+            <a:cxnSpLocks/>
+            <a:stCxn id="14" idx="4"/>
+            <a:endCxn id="11" idx="1"/>
+          </p:cNvCxnSpPr>
+          <p:nvPr/>
+        </p:nvCxnSpPr>
+        <p:spPr>
+          <a:xfrm>
+            <a:off x="2753814" y="3165931"/>
+            <a:ext cx="1519701" cy="1541461"/>
+          </a:xfrm>
+          <a:prstGeom prst="straightConnector1">
+            <a:avLst/>
+          </a:prstGeom>
+          <a:ln w="12700">
+            <a:solidFill>
+              <a:schemeClr val="tx1"/>
+            </a:solidFill>
+            <a:tailEnd type="triangle"/>
+          </a:ln>
+        </p:spPr>
+        <p:style>
+          <a:lnRef idx="1">
+            <a:schemeClr val="accent1"/>
+          </a:lnRef>
+          <a:fillRef idx="0">
+            <a:schemeClr val="accent1"/>
+          </a:fillRef>
+          <a:effectRef idx="0">
+            <a:schemeClr val="accent1"/>
+          </a:effectRef>
+          <a:fontRef idx="minor">
+            <a:schemeClr val="tx1"/>
+          </a:fontRef>
+        </p:style>
+      </p:cxnSp>
+      <p:sp>
+        <p:nvSpPr>
+          <p:cNvPr id="107" name="CaixaDeTexto 106">
+            <a:extLst>
+              <a:ext uri="{FF2B5EF4-FFF2-40B4-BE49-F238E27FC236}">
+                <a16:creationId xmlns:a16="http://schemas.microsoft.com/office/drawing/2014/main" id="{9360E48F-23AB-E77B-7DAE-EC3BAB38C669}"/>
+              </a:ext>
+            </a:extLst>
+          </p:cNvPr>
+          <p:cNvSpPr txBox="1"/>
+          <p:nvPr/>
+        </p:nvSpPr>
+        <p:spPr>
+          <a:xfrm>
+            <a:off x="3198732" y="3898440"/>
+            <a:ext cx="351918" cy="276999"/>
+          </a:xfrm>
+          <a:prstGeom prst="rect">
+            <a:avLst/>
+          </a:prstGeom>
+          <a:noFill/>
+        </p:spPr>
+        <p:txBody>
+          <a:bodyPr wrap="square" rtlCol="0">
+            <a:spAutoFit/>
+          </a:bodyPr>
+          <a:lstStyle/>
+          <a:p>
+            <a:r>
+              <a:rPr lang="pt-PT" sz="1200" dirty="0"/>
+              <a:t>11</a:t>
+            </a:r>
+          </a:p>
+        </p:txBody>
+      </p:sp>
+      <p:sp>
+        <p:nvSpPr>
+          <p:cNvPr id="108" name="Oval 107">
+            <a:extLst>
+              <a:ext uri="{FF2B5EF4-FFF2-40B4-BE49-F238E27FC236}">
+                <a16:creationId xmlns:a16="http://schemas.microsoft.com/office/drawing/2014/main" id="{5086F775-D7FB-EBA1-32EB-AA616AF09A9C}"/>
+              </a:ext>
+            </a:extLst>
+          </p:cNvPr>
+          <p:cNvSpPr/>
+          <p:nvPr/>
+        </p:nvSpPr>
+        <p:spPr>
+          <a:xfrm>
+            <a:off x="6991806" y="4608970"/>
+            <a:ext cx="1463030" cy="672069"/>
+          </a:xfrm>
+          <a:prstGeom prst="ellipse">
+            <a:avLst/>
+          </a:prstGeom>
+          <a:solidFill>
+            <a:schemeClr val="bg1"/>
+          </a:solidFill>
+          <a:ln>
+            <a:solidFill>
+              <a:schemeClr val="tx1"/>
+            </a:solidFill>
+          </a:ln>
+        </p:spPr>
+        <p:style>
+          <a:lnRef idx="2">
+            <a:schemeClr val="accent1">
+              <a:shade val="50000"/>
+            </a:schemeClr>
+          </a:lnRef>
+          <a:fillRef idx="1">
+            <a:schemeClr val="accent1"/>
+          </a:fillRef>
+          <a:effectRef idx="0">
+            <a:schemeClr val="accent1"/>
+          </a:effectRef>
+          <a:fontRef idx="minor">
+            <a:schemeClr val="lt1"/>
+          </a:fontRef>
+        </p:style>
+        <p:txBody>
+          <a:bodyPr rtlCol="0" anchor="ctr"/>
+          <a:lstStyle/>
+          <a:p>
+            <a:pPr algn="ctr"/>
+            <a:r>
+              <a:rPr lang="pt-PT" sz="1200" dirty="0" err="1">
+                <a:solidFill>
+                  <a:schemeClr val="tx1"/>
+                </a:solidFill>
+              </a:rPr>
+              <a:t>logger</a:t>
+            </a:r>
+            <a:r>
+              <a:rPr lang="pt-PT" sz="1200" dirty="0">
+                <a:solidFill>
+                  <a:schemeClr val="tx1"/>
+                </a:solidFill>
+              </a:rPr>
+              <a:t> </a:t>
+            </a:r>
+            <a:r>
+              <a:rPr lang="pt-PT" sz="1200" dirty="0" err="1">
+                <a:solidFill>
+                  <a:schemeClr val="tx1"/>
+                </a:solidFill>
+              </a:rPr>
+              <a:t>and</a:t>
+            </a:r>
+            <a:r>
+              <a:rPr lang="pt-PT" sz="1200" dirty="0">
+                <a:solidFill>
+                  <a:schemeClr val="tx1"/>
+                </a:solidFill>
+              </a:rPr>
+              <a:t> </a:t>
+            </a:r>
+            <a:r>
+              <a:rPr lang="pt-PT" sz="1200" dirty="0" err="1">
+                <a:solidFill>
+                  <a:schemeClr val="tx1"/>
+                </a:solidFill>
+              </a:rPr>
+              <a:t>logging</a:t>
+            </a:r>
+            <a:r>
+              <a:rPr lang="pt-PT" sz="1200" dirty="0">
+                <a:solidFill>
+                  <a:schemeClr val="tx1"/>
+                </a:solidFill>
+              </a:rPr>
+              <a:t> </a:t>
+            </a:r>
+            <a:r>
+              <a:rPr lang="pt-PT" sz="1200" dirty="0" err="1">
+                <a:solidFill>
+                  <a:schemeClr val="tx1"/>
+                </a:solidFill>
+              </a:rPr>
+              <a:t>utils</a:t>
+            </a:r>
+            <a:endParaRPr lang="pt-PT" sz="1200" dirty="0"/>
+          </a:p>
+        </p:txBody>
+      </p:sp>
+      <p:cxnSp>
+        <p:nvCxnSpPr>
+          <p:cNvPr id="109" name="Conexão reta unidirecional 108">
+            <a:extLst>
+              <a:ext uri="{FF2B5EF4-FFF2-40B4-BE49-F238E27FC236}">
+                <a16:creationId xmlns:a16="http://schemas.microsoft.com/office/drawing/2014/main" id="{309149CE-2BC5-2B84-D80B-077C1603E30D}"/>
+              </a:ext>
+            </a:extLst>
+          </p:cNvPr>
+          <p:cNvCxnSpPr>
+            <a:cxnSpLocks/>
+            <a:stCxn id="11" idx="6"/>
+            <a:endCxn id="108" idx="2"/>
+          </p:cNvCxnSpPr>
+          <p:nvPr/>
+        </p:nvCxnSpPr>
+        <p:spPr>
+          <a:xfrm>
+            <a:off x="5333419" y="4945005"/>
+            <a:ext cx="1658387" cy="0"/>
+          </a:xfrm>
+          <a:prstGeom prst="straightConnector1">
+            <a:avLst/>
+          </a:prstGeom>
+          <a:ln w="12700">
+            <a:solidFill>
+              <a:schemeClr val="tx1"/>
+            </a:solidFill>
+            <a:tailEnd type="triangle"/>
+          </a:ln>
+        </p:spPr>
+        <p:style>
+          <a:lnRef idx="1">
+            <a:schemeClr val="accent1"/>
+          </a:lnRef>
+          <a:fillRef idx="0">
+            <a:schemeClr val="accent1"/>
+          </a:fillRef>
+          <a:effectRef idx="0">
+            <a:schemeClr val="accent1"/>
+          </a:effectRef>
+          <a:fontRef idx="minor">
+            <a:schemeClr val="tx1"/>
+          </a:fontRef>
+        </p:style>
+      </p:cxnSp>
+      <p:sp>
+        <p:nvSpPr>
+          <p:cNvPr id="112" name="CaixaDeTexto 111">
+            <a:extLst>
+              <a:ext uri="{FF2B5EF4-FFF2-40B4-BE49-F238E27FC236}">
+                <a16:creationId xmlns:a16="http://schemas.microsoft.com/office/drawing/2014/main" id="{9010865F-4844-EEB5-48FA-D3B834B03CEC}"/>
+              </a:ext>
+            </a:extLst>
+          </p:cNvPr>
+          <p:cNvSpPr txBox="1"/>
+          <p:nvPr/>
+        </p:nvSpPr>
+        <p:spPr>
+          <a:xfrm>
+            <a:off x="5977342" y="4668005"/>
+            <a:ext cx="351918" cy="276999"/>
+          </a:xfrm>
+          <a:prstGeom prst="rect">
+            <a:avLst/>
+          </a:prstGeom>
+          <a:noFill/>
+        </p:spPr>
+        <p:txBody>
+          <a:bodyPr wrap="square" rtlCol="0">
+            <a:spAutoFit/>
+          </a:bodyPr>
+          <a:lstStyle/>
+          <a:p>
+            <a:r>
+              <a:rPr lang="pt-PT" sz="1200" dirty="0"/>
+              <a:t>12</a:t>
+            </a:r>
+          </a:p>
+        </p:txBody>
+      </p:sp>
+    </p:spTree>
+    <p:extLst>
+      <p:ext uri="{BB962C8B-B14F-4D97-AF65-F5344CB8AC3E}">
+        <p14:creationId xmlns:p14="http://schemas.microsoft.com/office/powerpoint/2010/main" val="3751932297"/>
+      </p:ext>
+    </p:extLst>
+  </p:cSld>
+  <p:clrMapOvr>
+    <a:masterClrMapping/>
+  </p:clrMapOvr>
+</p:sld>
+</file>
+
+<file path=ppt/slides/slide3.xml><?xml version="1.0" encoding="utf-8"?>
+<p:sld xmlns:a="http://schemas.openxmlformats.org/drawingml/2006/main" xmlns:r="http://schemas.openxmlformats.org/officeDocument/2006/relationships" xmlns:p="http://schemas.openxmlformats.org/presentationml/2006/main">
+  <p:cSld>
+    <p:spTree>
+      <p:nvGrpSpPr>
+        <p:cNvPr id="1" name=""/>
+        <p:cNvGrpSpPr/>
+        <p:nvPr/>
+      </p:nvGrpSpPr>
+      <p:grpSpPr>
+        <a:xfrm>
+          <a:off x="0" y="0"/>
+          <a:ext cx="0" cy="0"/>
+          <a:chOff x="0" y="0"/>
+          <a:chExt cx="0" cy="0"/>
+        </a:xfrm>
+      </p:grpSpPr>
+      <p:sp>
+        <p:nvSpPr>
+          <p:cNvPr id="5" name="Título 1">
+            <a:extLst>
+              <a:ext uri="{FF2B5EF4-FFF2-40B4-BE49-F238E27FC236}">
+                <a16:creationId xmlns:a16="http://schemas.microsoft.com/office/drawing/2014/main" id="{69C981E9-DEDE-7D77-8BE9-D7CEA9F4F503}"/>
+              </a:ext>
+            </a:extLst>
+          </p:cNvPr>
+          <p:cNvSpPr txBox="1">
+            <a:spLocks/>
+          </p:cNvSpPr>
+          <p:nvPr/>
+        </p:nvSpPr>
+        <p:spPr>
+          <a:xfrm>
+            <a:off x="-6576" y="-273779"/>
+            <a:ext cx="12198576" cy="1325563"/>
+          </a:xfrm>
+          <a:prstGeom prst="rect">
+            <a:avLst/>
+          </a:prstGeom>
+        </p:spPr>
+        <p:txBody>
+          <a:bodyPr vert="horz" lIns="91440" tIns="45720" rIns="91440" bIns="45720" rtlCol="0" anchor="ctr">
+            <a:normAutofit/>
+          </a:bodyPr>
+          <a:lstStyle>
+            <a:lvl1pPr algn="l" defTabSz="914400" rtl="0" eaLnBrk="1" latinLnBrk="0" hangingPunct="1">
+              <a:lnSpc>
+                <a:spcPct val="90000"/>
+              </a:lnSpc>
+              <a:spcBef>
+                <a:spcPct val="0"/>
+              </a:spcBef>
+              <a:buNone/>
+              <a:defRPr sz="4400" kern="1200">
+                <a:solidFill>
+                  <a:schemeClr val="tx1"/>
+                </a:solidFill>
+                <a:latin typeface="+mj-lt"/>
+                <a:ea typeface="+mj-ea"/>
+                <a:cs typeface="+mj-cs"/>
+              </a:defRPr>
+            </a:lvl1pPr>
+          </a:lstStyle>
+          <a:p>
+            <a:pPr algn="ctr"/>
+            <a:r>
+              <a:rPr lang="pt-PT" dirty="0" err="1"/>
+              <a:t>Assault</a:t>
+            </a:r>
+            <a:r>
+              <a:rPr lang="pt-PT" dirty="0"/>
+              <a:t> </a:t>
+            </a:r>
+            <a:r>
+              <a:rPr lang="pt-PT" dirty="0" err="1"/>
+              <a:t>Party</a:t>
+            </a:r>
+            <a:r>
+              <a:rPr lang="pt-PT" dirty="0"/>
+              <a:t> Server</a:t>
+            </a:r>
+          </a:p>
+        </p:txBody>
+      </p:sp>
+      <p:grpSp>
+        <p:nvGrpSpPr>
+          <p:cNvPr id="8" name="Agrupar 7">
+            <a:extLst>
+              <a:ext uri="{FF2B5EF4-FFF2-40B4-BE49-F238E27FC236}">
+                <a16:creationId xmlns:a16="http://schemas.microsoft.com/office/drawing/2014/main" id="{4DD8FBF9-341E-688A-DFD0-4E6CBEE0506E}"/>
+              </a:ext>
+            </a:extLst>
+          </p:cNvPr>
+          <p:cNvGrpSpPr/>
+          <p:nvPr/>
+        </p:nvGrpSpPr>
+        <p:grpSpPr>
+          <a:xfrm>
+            <a:off x="5292538" y="1970349"/>
+            <a:ext cx="1600347" cy="833995"/>
+            <a:chOff x="3709273" y="464453"/>
+            <a:chExt cx="1655687" cy="1068185"/>
+          </a:xfrm>
+        </p:grpSpPr>
+        <p:sp>
+          <p:nvSpPr>
+            <p:cNvPr id="9" name="Oval 8">
+              <a:extLst>
+                <a:ext uri="{FF2B5EF4-FFF2-40B4-BE49-F238E27FC236}">
+                  <a16:creationId xmlns:a16="http://schemas.microsoft.com/office/drawing/2014/main" id="{9E485E7F-ED01-6ECA-1729-C3CEFA475318}"/>
+                </a:ext>
+              </a:extLst>
+            </p:cNvPr>
+            <p:cNvSpPr/>
+            <p:nvPr/>
+          </p:nvSpPr>
+          <p:spPr>
+            <a:xfrm>
+              <a:off x="3709273" y="464453"/>
+              <a:ext cx="1655687" cy="1068185"/>
+            </a:xfrm>
+            <a:prstGeom prst="ellipse">
+              <a:avLst/>
+            </a:prstGeom>
+            <a:solidFill>
+              <a:schemeClr val="bg1"/>
+            </a:solidFill>
+            <a:ln>
+              <a:solidFill>
+                <a:schemeClr val="tx1"/>
+              </a:solidFill>
+            </a:ln>
+          </p:spPr>
+          <p:style>
+            <a:lnRef idx="2">
+              <a:schemeClr val="accent1">
+                <a:shade val="50000"/>
+              </a:schemeClr>
+            </a:lnRef>
+            <a:fillRef idx="1">
+              <a:schemeClr val="accent1"/>
+            </a:fillRef>
+            <a:effectRef idx="0">
+              <a:schemeClr val="accent1"/>
+            </a:effectRef>
+            <a:fontRef idx="minor">
+              <a:schemeClr val="lt1"/>
+            </a:fontRef>
+          </p:style>
+          <p:txBody>
+            <a:bodyPr rtlCol="0" anchor="ctr"/>
+            <a:lstStyle/>
+            <a:p>
+              <a:pPr algn="ctr"/>
+              <a:endParaRPr lang="pt-PT"/>
+            </a:p>
+          </p:txBody>
+        </p:sp>
+        <p:sp>
+          <p:nvSpPr>
+            <p:cNvPr id="10" name="Oval 9">
+              <a:extLst>
+                <a:ext uri="{FF2B5EF4-FFF2-40B4-BE49-F238E27FC236}">
+                  <a16:creationId xmlns:a16="http://schemas.microsoft.com/office/drawing/2014/main" id="{F1592BD9-D98A-C03C-FE57-C2A92A16F9F8}"/>
+                </a:ext>
+              </a:extLst>
+            </p:cNvPr>
+            <p:cNvSpPr/>
+            <p:nvPr/>
+          </p:nvSpPr>
+          <p:spPr>
+            <a:xfrm>
+              <a:off x="3813995" y="532016"/>
+              <a:ext cx="1446245" cy="933061"/>
+            </a:xfrm>
+            <a:prstGeom prst="ellipse">
+              <a:avLst/>
+            </a:prstGeom>
+            <a:solidFill>
+              <a:schemeClr val="bg1">
+                <a:lumMod val="85000"/>
+              </a:schemeClr>
+            </a:solidFill>
+            <a:ln>
+              <a:solidFill>
+                <a:schemeClr val="tx1"/>
+              </a:solidFill>
+            </a:ln>
+          </p:spPr>
+          <p:style>
+            <a:lnRef idx="2">
+              <a:schemeClr val="accent1">
+                <a:shade val="50000"/>
+              </a:schemeClr>
+            </a:lnRef>
+            <a:fillRef idx="1">
+              <a:schemeClr val="accent1"/>
+            </a:fillRef>
+            <a:effectRef idx="0">
+              <a:schemeClr val="accent1"/>
+            </a:effectRef>
+            <a:fontRef idx="minor">
+              <a:schemeClr val="lt1"/>
+            </a:fontRef>
+          </p:style>
+          <p:txBody>
+            <a:bodyPr rtlCol="0" anchor="ctr"/>
+            <a:lstStyle/>
+            <a:p>
+              <a:pPr algn="ctr"/>
+              <a:r>
+                <a:rPr lang="pt-PT" sz="1200" dirty="0" err="1">
+                  <a:solidFill>
+                    <a:schemeClr val="tx1"/>
+                  </a:solidFill>
+                </a:rPr>
+                <a:t>AssaultPartyMain</a:t>
+              </a:r>
+              <a:endParaRPr lang="pt-PT" sz="1200" dirty="0"/>
+            </a:p>
+          </p:txBody>
+        </p:sp>
+      </p:grpSp>
+      <p:sp>
+        <p:nvSpPr>
+          <p:cNvPr id="11" name="Oval 10">
+            <a:extLst>
+              <a:ext uri="{FF2B5EF4-FFF2-40B4-BE49-F238E27FC236}">
+                <a16:creationId xmlns:a16="http://schemas.microsoft.com/office/drawing/2014/main" id="{3EAE73BB-B308-6AE6-CDCD-B6B11C987BCF}"/>
+              </a:ext>
+            </a:extLst>
+          </p:cNvPr>
+          <p:cNvSpPr/>
+          <p:nvPr/>
+        </p:nvSpPr>
+        <p:spPr>
+          <a:xfrm>
+            <a:off x="4091664" y="4608970"/>
+            <a:ext cx="1435910" cy="672069"/>
+          </a:xfrm>
+          <a:prstGeom prst="ellipse">
+            <a:avLst/>
+          </a:prstGeom>
+          <a:solidFill>
+            <a:schemeClr val="bg1"/>
+          </a:solidFill>
+          <a:ln>
+            <a:solidFill>
+              <a:schemeClr val="tx1"/>
+            </a:solidFill>
+          </a:ln>
+        </p:spPr>
+        <p:style>
+          <a:lnRef idx="2">
+            <a:schemeClr val="accent1">
+              <a:shade val="50000"/>
+            </a:schemeClr>
+          </a:lnRef>
+          <a:fillRef idx="1">
+            <a:schemeClr val="accent1"/>
+          </a:fillRef>
+          <a:effectRef idx="0">
+            <a:schemeClr val="accent1"/>
+          </a:effectRef>
+          <a:fontRef idx="minor">
+            <a:schemeClr val="lt1"/>
+          </a:fontRef>
+        </p:style>
+        <p:txBody>
+          <a:bodyPr rtlCol="0" anchor="ctr"/>
+          <a:lstStyle/>
+          <a:p>
+            <a:pPr algn="ctr"/>
+            <a:r>
+              <a:rPr lang="pt-PT" sz="1200" dirty="0" err="1">
+                <a:solidFill>
+                  <a:schemeClr val="tx1"/>
+                </a:solidFill>
+              </a:rPr>
+              <a:t>assaultParty</a:t>
+            </a:r>
+            <a:endParaRPr lang="pt-PT" sz="1200" dirty="0"/>
+          </a:p>
+        </p:txBody>
+      </p:sp>
+      <p:sp>
+        <p:nvSpPr>
+          <p:cNvPr id="12" name="Oval 11">
+            <a:extLst>
+              <a:ext uri="{FF2B5EF4-FFF2-40B4-BE49-F238E27FC236}">
+                <a16:creationId xmlns:a16="http://schemas.microsoft.com/office/drawing/2014/main" id="{11AFF596-EA62-DF3B-F4D0-9521EEA0B4FC}"/>
+              </a:ext>
+            </a:extLst>
+          </p:cNvPr>
+          <p:cNvSpPr/>
+          <p:nvPr/>
+        </p:nvSpPr>
+        <p:spPr>
+          <a:xfrm>
+            <a:off x="9261080" y="2109076"/>
+            <a:ext cx="1241755" cy="672069"/>
+          </a:xfrm>
+          <a:prstGeom prst="ellipse">
+            <a:avLst/>
+          </a:prstGeom>
+          <a:solidFill>
+            <a:schemeClr val="bg1"/>
+          </a:solidFill>
+          <a:ln>
+            <a:solidFill>
+              <a:schemeClr val="tx1"/>
+            </a:solidFill>
+          </a:ln>
+        </p:spPr>
+        <p:style>
+          <a:lnRef idx="2">
+            <a:schemeClr val="accent1">
+              <a:shade val="50000"/>
+            </a:schemeClr>
+          </a:lnRef>
+          <a:fillRef idx="1">
+            <a:schemeClr val="accent1"/>
+          </a:fillRef>
+          <a:effectRef idx="0">
+            <a:schemeClr val="accent1"/>
+          </a:effectRef>
+          <a:fontRef idx="minor">
+            <a:schemeClr val="lt1"/>
+          </a:fontRef>
+        </p:style>
+        <p:txBody>
+          <a:bodyPr rtlCol="0" anchor="ctr"/>
+          <a:lstStyle/>
+          <a:p>
+            <a:pPr algn="ctr"/>
+            <a:r>
+              <a:rPr lang="pt-PT" sz="1200" dirty="0" err="1">
+                <a:solidFill>
+                  <a:schemeClr val="tx1"/>
+                </a:solidFill>
+              </a:rPr>
+              <a:t>serverCom</a:t>
+            </a:r>
+            <a:endParaRPr lang="pt-PT" sz="1200" dirty="0"/>
+          </a:p>
+        </p:txBody>
+      </p:sp>
+      <p:sp>
+        <p:nvSpPr>
+          <p:cNvPr id="13" name="Oval 12">
+            <a:extLst>
+              <a:ext uri="{FF2B5EF4-FFF2-40B4-BE49-F238E27FC236}">
+                <a16:creationId xmlns:a16="http://schemas.microsoft.com/office/drawing/2014/main" id="{BF64E12C-00C2-9586-B087-423BC49C9D4D}"/>
+              </a:ext>
+            </a:extLst>
+          </p:cNvPr>
+          <p:cNvSpPr/>
+          <p:nvPr/>
+        </p:nvSpPr>
+        <p:spPr>
+          <a:xfrm>
+            <a:off x="9763808" y="997639"/>
+            <a:ext cx="1320453" cy="672069"/>
+          </a:xfrm>
+          <a:prstGeom prst="ellipse">
+            <a:avLst/>
+          </a:prstGeom>
+          <a:solidFill>
+            <a:schemeClr val="bg1"/>
+          </a:solidFill>
+          <a:ln>
+            <a:solidFill>
+              <a:schemeClr val="tx1"/>
+            </a:solidFill>
+          </a:ln>
+        </p:spPr>
+        <p:style>
+          <a:lnRef idx="2">
+            <a:schemeClr val="accent1">
+              <a:shade val="50000"/>
+            </a:schemeClr>
+          </a:lnRef>
+          <a:fillRef idx="1">
+            <a:schemeClr val="accent1"/>
+          </a:fillRef>
+          <a:effectRef idx="0">
+            <a:schemeClr val="accent1"/>
+          </a:effectRef>
+          <a:fontRef idx="minor">
+            <a:schemeClr val="lt1"/>
+          </a:fontRef>
+        </p:style>
+        <p:txBody>
+          <a:bodyPr rtlCol="0" anchor="ctr"/>
+          <a:lstStyle/>
+          <a:p>
+            <a:pPr algn="ctr"/>
+            <a:r>
+              <a:rPr lang="pt-PT" sz="1200" dirty="0" err="1">
+                <a:solidFill>
+                  <a:schemeClr val="tx1"/>
+                </a:solidFill>
+              </a:rPr>
+              <a:t>serverComi</a:t>
+            </a:r>
+            <a:endParaRPr lang="pt-PT" sz="1200" dirty="0"/>
+          </a:p>
+        </p:txBody>
+      </p:sp>
+      <p:sp>
+        <p:nvSpPr>
+          <p:cNvPr id="14" name="Oval 13">
+            <a:extLst>
+              <a:ext uri="{FF2B5EF4-FFF2-40B4-BE49-F238E27FC236}">
+                <a16:creationId xmlns:a16="http://schemas.microsoft.com/office/drawing/2014/main" id="{C1316A2D-4F57-9CC8-837D-ED9F35150ABF}"/>
+              </a:ext>
+            </a:extLst>
+          </p:cNvPr>
+          <p:cNvSpPr/>
+          <p:nvPr/>
+        </p:nvSpPr>
+        <p:spPr>
+          <a:xfrm>
+            <a:off x="2021748" y="2493862"/>
+            <a:ext cx="1352944" cy="672069"/>
+          </a:xfrm>
+          <a:prstGeom prst="ellipse">
+            <a:avLst/>
+          </a:prstGeom>
+          <a:solidFill>
+            <a:schemeClr val="bg1"/>
+          </a:solidFill>
+          <a:ln>
+            <a:solidFill>
+              <a:schemeClr val="tx1"/>
+            </a:solidFill>
+          </a:ln>
+        </p:spPr>
+        <p:style>
+          <a:lnRef idx="2">
+            <a:schemeClr val="accent1">
+              <a:shade val="50000"/>
+            </a:schemeClr>
+          </a:lnRef>
+          <a:fillRef idx="1">
+            <a:schemeClr val="accent1"/>
+          </a:fillRef>
+          <a:effectRef idx="0">
+            <a:schemeClr val="accent1"/>
+          </a:effectRef>
+          <a:fontRef idx="minor">
+            <a:schemeClr val="lt1"/>
+          </a:fontRef>
+        </p:style>
+        <p:txBody>
+          <a:bodyPr rtlCol="0" anchor="ctr"/>
+          <a:lstStyle/>
+          <a:p>
+            <a:pPr algn="ctr"/>
+            <a:r>
+              <a:rPr lang="pt-PT" sz="1200" dirty="0" err="1">
+                <a:solidFill>
+                  <a:schemeClr val="tx1"/>
+                </a:solidFill>
+              </a:rPr>
+              <a:t>assaultPartyInterface</a:t>
+            </a:r>
+            <a:endParaRPr lang="pt-PT" sz="1200" dirty="0"/>
+          </a:p>
+        </p:txBody>
+      </p:sp>
+      <p:sp>
+        <p:nvSpPr>
+          <p:cNvPr id="15" name="Oval 14">
+            <a:extLst>
+              <a:ext uri="{FF2B5EF4-FFF2-40B4-BE49-F238E27FC236}">
+                <a16:creationId xmlns:a16="http://schemas.microsoft.com/office/drawing/2014/main" id="{10225040-FC99-8C3C-1EA3-F647B0376C15}"/>
+              </a:ext>
+            </a:extLst>
+          </p:cNvPr>
+          <p:cNvSpPr/>
+          <p:nvPr/>
+        </p:nvSpPr>
+        <p:spPr>
+          <a:xfrm>
+            <a:off x="7904839" y="3517118"/>
+            <a:ext cx="1435910" cy="672069"/>
+          </a:xfrm>
+          <a:prstGeom prst="ellipse">
+            <a:avLst/>
+          </a:prstGeom>
+          <a:solidFill>
+            <a:schemeClr val="bg1">
+              <a:lumMod val="85000"/>
+            </a:schemeClr>
+          </a:solidFill>
+          <a:ln>
+            <a:solidFill>
+              <a:schemeClr val="tx1"/>
+            </a:solidFill>
+          </a:ln>
+        </p:spPr>
+        <p:style>
+          <a:lnRef idx="2">
+            <a:schemeClr val="accent1">
+              <a:shade val="50000"/>
+            </a:schemeClr>
+          </a:lnRef>
+          <a:fillRef idx="1">
+            <a:schemeClr val="accent1"/>
+          </a:fillRef>
+          <a:effectRef idx="0">
+            <a:schemeClr val="accent1"/>
+          </a:effectRef>
+          <a:fontRef idx="minor">
+            <a:schemeClr val="lt1"/>
+          </a:fontRef>
+        </p:style>
+        <p:txBody>
+          <a:bodyPr rtlCol="0" anchor="ctr"/>
+          <a:lstStyle/>
+          <a:p>
+            <a:pPr algn="ctr"/>
+            <a:r>
+              <a:rPr lang="pt-PT" sz="1200" dirty="0" err="1">
+                <a:solidFill>
+                  <a:schemeClr val="tx1"/>
+                </a:solidFill>
+              </a:rPr>
+              <a:t>assaultPartyAgentProxy</a:t>
+            </a:r>
+            <a:endParaRPr lang="pt-PT" sz="1200" dirty="0"/>
+          </a:p>
+        </p:txBody>
+      </p:sp>
+      <p:cxnSp>
+        <p:nvCxnSpPr>
+          <p:cNvPr id="19" name="Conexão reta unidirecional 18">
+            <a:extLst>
+              <a:ext uri="{FF2B5EF4-FFF2-40B4-BE49-F238E27FC236}">
+                <a16:creationId xmlns:a16="http://schemas.microsoft.com/office/drawing/2014/main" id="{68238263-2B91-BC01-1469-0DF7935A9931}"/>
+              </a:ext>
+            </a:extLst>
+          </p:cNvPr>
+          <p:cNvCxnSpPr>
+            <a:cxnSpLocks/>
+            <a:stCxn id="9" idx="2"/>
+            <a:endCxn id="14" idx="6"/>
+          </p:cNvCxnSpPr>
+          <p:nvPr/>
+        </p:nvCxnSpPr>
+        <p:spPr>
+          <a:xfrm flipH="1">
+            <a:off x="3374692" y="2387347"/>
+            <a:ext cx="1917846" cy="442550"/>
+          </a:xfrm>
+          <a:prstGeom prst="straightConnector1">
+            <a:avLst/>
+          </a:prstGeom>
+          <a:ln w="12700">
+            <a:solidFill>
+              <a:schemeClr val="tx1"/>
+            </a:solidFill>
+            <a:tailEnd type="triangle"/>
+          </a:ln>
+        </p:spPr>
+        <p:style>
+          <a:lnRef idx="1">
+            <a:schemeClr val="accent1"/>
+          </a:lnRef>
+          <a:fillRef idx="0">
+            <a:schemeClr val="accent1"/>
+          </a:fillRef>
+          <a:effectRef idx="0">
+            <a:schemeClr val="accent1"/>
+          </a:effectRef>
+          <a:fontRef idx="minor">
+            <a:schemeClr val="tx1"/>
+          </a:fontRef>
+        </p:style>
+      </p:cxnSp>
+      <p:cxnSp>
+        <p:nvCxnSpPr>
+          <p:cNvPr id="22" name="Conexão reta unidirecional 21">
+            <a:extLst>
+              <a:ext uri="{FF2B5EF4-FFF2-40B4-BE49-F238E27FC236}">
+                <a16:creationId xmlns:a16="http://schemas.microsoft.com/office/drawing/2014/main" id="{7EFFE9BB-D35F-3DFD-044D-5CE95735729A}"/>
+              </a:ext>
+            </a:extLst>
+          </p:cNvPr>
+          <p:cNvCxnSpPr>
+            <a:cxnSpLocks/>
+            <a:stCxn id="9" idx="4"/>
+            <a:endCxn id="11" idx="0"/>
+          </p:cNvCxnSpPr>
+          <p:nvPr/>
+        </p:nvCxnSpPr>
+        <p:spPr>
+          <a:xfrm flipH="1">
+            <a:off x="4809619" y="2804344"/>
+            <a:ext cx="1283093" cy="1804626"/>
+          </a:xfrm>
+          <a:prstGeom prst="straightConnector1">
+            <a:avLst/>
+          </a:prstGeom>
+          <a:ln w="12700">
+            <a:solidFill>
+              <a:schemeClr val="tx1"/>
+            </a:solidFill>
+            <a:tailEnd type="triangle"/>
+          </a:ln>
+        </p:spPr>
+        <p:style>
+          <a:lnRef idx="1">
+            <a:schemeClr val="accent1"/>
+          </a:lnRef>
+          <a:fillRef idx="0">
+            <a:schemeClr val="accent1"/>
+          </a:fillRef>
+          <a:effectRef idx="0">
+            <a:schemeClr val="accent1"/>
+          </a:effectRef>
+          <a:fontRef idx="minor">
+            <a:schemeClr val="tx1"/>
+          </a:fontRef>
+        </p:style>
+      </p:cxnSp>
+      <p:cxnSp>
+        <p:nvCxnSpPr>
+          <p:cNvPr id="25" name="Conexão reta unidirecional 24">
+            <a:extLst>
+              <a:ext uri="{FF2B5EF4-FFF2-40B4-BE49-F238E27FC236}">
+                <a16:creationId xmlns:a16="http://schemas.microsoft.com/office/drawing/2014/main" id="{91C0F12E-E4B7-7C68-0B57-7880FB4EA831}"/>
+              </a:ext>
+            </a:extLst>
+          </p:cNvPr>
+          <p:cNvCxnSpPr>
+            <a:cxnSpLocks/>
+            <a:stCxn id="9" idx="6"/>
+            <a:endCxn id="12" idx="2"/>
+          </p:cNvCxnSpPr>
+          <p:nvPr/>
+        </p:nvCxnSpPr>
+        <p:spPr>
+          <a:xfrm>
+            <a:off x="6892885" y="2387347"/>
+            <a:ext cx="2368195" cy="57764"/>
+          </a:xfrm>
+          <a:prstGeom prst="straightConnector1">
+            <a:avLst/>
+          </a:prstGeom>
+          <a:ln w="12700">
+            <a:solidFill>
+              <a:schemeClr val="tx1"/>
+            </a:solidFill>
+            <a:tailEnd type="triangle"/>
+          </a:ln>
+        </p:spPr>
+        <p:style>
+          <a:lnRef idx="1">
+            <a:schemeClr val="accent1"/>
+          </a:lnRef>
+          <a:fillRef idx="0">
+            <a:schemeClr val="accent1"/>
+          </a:fillRef>
+          <a:effectRef idx="0">
+            <a:schemeClr val="accent1"/>
+          </a:effectRef>
+          <a:fontRef idx="minor">
+            <a:schemeClr val="tx1"/>
+          </a:fontRef>
+        </p:style>
+      </p:cxnSp>
+      <p:cxnSp>
+        <p:nvCxnSpPr>
+          <p:cNvPr id="28" name="Conexão reta unidirecional 27">
+            <a:extLst>
+              <a:ext uri="{FF2B5EF4-FFF2-40B4-BE49-F238E27FC236}">
+                <a16:creationId xmlns:a16="http://schemas.microsoft.com/office/drawing/2014/main" id="{9862A5B1-2F48-8345-AB66-18B7D47E2CD2}"/>
+              </a:ext>
+            </a:extLst>
+          </p:cNvPr>
+          <p:cNvCxnSpPr>
+            <a:cxnSpLocks/>
+            <a:stCxn id="9" idx="7"/>
+            <a:endCxn id="13" idx="2"/>
+          </p:cNvCxnSpPr>
+          <p:nvPr/>
+        </p:nvCxnSpPr>
+        <p:spPr>
+          <a:xfrm flipV="1">
+            <a:off x="6658520" y="1333674"/>
+            <a:ext cx="3105288" cy="758811"/>
+          </a:xfrm>
+          <a:prstGeom prst="straightConnector1">
+            <a:avLst/>
+          </a:prstGeom>
+          <a:ln w="12700">
+            <a:solidFill>
+              <a:schemeClr val="tx1"/>
+            </a:solidFill>
+            <a:tailEnd type="triangle"/>
+          </a:ln>
+        </p:spPr>
+        <p:style>
+          <a:lnRef idx="1">
+            <a:schemeClr val="accent1"/>
+          </a:lnRef>
+          <a:fillRef idx="0">
+            <a:schemeClr val="accent1"/>
+          </a:fillRef>
+          <a:effectRef idx="0">
+            <a:schemeClr val="accent1"/>
+          </a:effectRef>
+          <a:fontRef idx="minor">
+            <a:schemeClr val="tx1"/>
+          </a:fontRef>
+        </p:style>
+      </p:cxnSp>
+      <p:cxnSp>
+        <p:nvCxnSpPr>
+          <p:cNvPr id="31" name="Conexão reta unidirecional 30">
+            <a:extLst>
+              <a:ext uri="{FF2B5EF4-FFF2-40B4-BE49-F238E27FC236}">
+                <a16:creationId xmlns:a16="http://schemas.microsoft.com/office/drawing/2014/main" id="{CB8A11F4-07E9-C8C1-FF32-4403EC7ABE82}"/>
+              </a:ext>
+            </a:extLst>
+          </p:cNvPr>
+          <p:cNvCxnSpPr>
+            <a:cxnSpLocks/>
+            <a:stCxn id="9" idx="5"/>
+            <a:endCxn id="15" idx="0"/>
+          </p:cNvCxnSpPr>
+          <p:nvPr/>
+        </p:nvCxnSpPr>
+        <p:spPr>
+          <a:xfrm>
+            <a:off x="6658520" y="2682208"/>
+            <a:ext cx="1964274" cy="834910"/>
+          </a:xfrm>
+          <a:prstGeom prst="straightConnector1">
+            <a:avLst/>
+          </a:prstGeom>
+          <a:ln w="12700">
+            <a:solidFill>
+              <a:schemeClr val="tx1"/>
+            </a:solidFill>
+            <a:tailEnd type="triangle"/>
+          </a:ln>
+        </p:spPr>
+        <p:style>
+          <a:lnRef idx="1">
+            <a:schemeClr val="accent1"/>
+          </a:lnRef>
+          <a:fillRef idx="0">
+            <a:schemeClr val="accent1"/>
+          </a:fillRef>
+          <a:effectRef idx="0">
+            <a:schemeClr val="accent1"/>
+          </a:effectRef>
+          <a:fontRef idx="minor">
+            <a:schemeClr val="tx1"/>
+          </a:fontRef>
+        </p:style>
+      </p:cxnSp>
+      <p:sp>
+        <p:nvSpPr>
+          <p:cNvPr id="44" name="Oval 43">
+            <a:extLst>
+              <a:ext uri="{FF2B5EF4-FFF2-40B4-BE49-F238E27FC236}">
+                <a16:creationId xmlns:a16="http://schemas.microsoft.com/office/drawing/2014/main" id="{F525B9C2-E997-4891-080C-3626E5291F82}"/>
+              </a:ext>
+            </a:extLst>
+          </p:cNvPr>
+          <p:cNvSpPr/>
+          <p:nvPr/>
+        </p:nvSpPr>
+        <p:spPr>
+          <a:xfrm>
+            <a:off x="4712541" y="986187"/>
+            <a:ext cx="1463030" cy="672069"/>
+          </a:xfrm>
+          <a:prstGeom prst="ellipse">
+            <a:avLst/>
+          </a:prstGeom>
+          <a:solidFill>
+            <a:schemeClr val="bg1"/>
+          </a:solidFill>
+          <a:ln>
+            <a:solidFill>
+              <a:schemeClr val="tx1"/>
+            </a:solidFill>
+          </a:ln>
+        </p:spPr>
+        <p:style>
+          <a:lnRef idx="2">
+            <a:schemeClr val="accent1">
+              <a:shade val="50000"/>
+            </a:schemeClr>
+          </a:lnRef>
+          <a:fillRef idx="1">
+            <a:schemeClr val="accent1"/>
+          </a:fillRef>
+          <a:effectRef idx="0">
+            <a:schemeClr val="accent1"/>
+          </a:effectRef>
+          <a:fontRef idx="minor">
+            <a:schemeClr val="lt1"/>
+          </a:fontRef>
+        </p:style>
+        <p:txBody>
+          <a:bodyPr rtlCol="0" anchor="ctr"/>
+          <a:lstStyle/>
+          <a:p>
+            <a:pPr algn="ctr"/>
+            <a:r>
+              <a:rPr lang="pt-PT" sz="1200" dirty="0" err="1">
+                <a:solidFill>
+                  <a:schemeClr val="tx1"/>
+                </a:solidFill>
+              </a:rPr>
+              <a:t>inMessage</a:t>
+            </a:r>
+            <a:endParaRPr lang="pt-PT" sz="1200" dirty="0"/>
+          </a:p>
+        </p:txBody>
+      </p:sp>
+      <p:sp>
+        <p:nvSpPr>
+          <p:cNvPr id="50" name="Oval 49">
+            <a:extLst>
+              <a:ext uri="{FF2B5EF4-FFF2-40B4-BE49-F238E27FC236}">
+                <a16:creationId xmlns:a16="http://schemas.microsoft.com/office/drawing/2014/main" id="{20830080-147F-E956-00CD-B403E46BFF7C}"/>
+              </a:ext>
+            </a:extLst>
+          </p:cNvPr>
+          <p:cNvSpPr/>
+          <p:nvPr/>
+        </p:nvSpPr>
+        <p:spPr>
+          <a:xfrm>
+            <a:off x="947685" y="4297708"/>
+            <a:ext cx="1463030" cy="672069"/>
+          </a:xfrm>
+          <a:prstGeom prst="ellipse">
+            <a:avLst/>
+          </a:prstGeom>
+          <a:solidFill>
+            <a:schemeClr val="bg1"/>
+          </a:solidFill>
+          <a:ln>
+            <a:solidFill>
+              <a:schemeClr val="tx1"/>
+            </a:solidFill>
+          </a:ln>
+        </p:spPr>
+        <p:style>
+          <a:lnRef idx="2">
+            <a:schemeClr val="accent1">
+              <a:shade val="50000"/>
+            </a:schemeClr>
+          </a:lnRef>
+          <a:fillRef idx="1">
+            <a:schemeClr val="accent1"/>
+          </a:fillRef>
+          <a:effectRef idx="0">
+            <a:schemeClr val="accent1"/>
+          </a:effectRef>
+          <a:fontRef idx="minor">
+            <a:schemeClr val="lt1"/>
+          </a:fontRef>
+        </p:style>
+        <p:txBody>
+          <a:bodyPr rtlCol="0" anchor="ctr"/>
+          <a:lstStyle/>
+          <a:p>
+            <a:pPr algn="ctr"/>
+            <a:r>
+              <a:rPr lang="pt-PT" sz="1200" dirty="0" err="1">
+                <a:solidFill>
+                  <a:schemeClr val="tx1"/>
+                </a:solidFill>
+              </a:rPr>
+              <a:t>outMessage</a:t>
+            </a:r>
+            <a:endParaRPr lang="pt-PT" sz="1200" dirty="0"/>
+          </a:p>
+        </p:txBody>
+      </p:sp>
+      <p:cxnSp>
+        <p:nvCxnSpPr>
+          <p:cNvPr id="51" name="Conexão reta unidirecional 50">
+            <a:extLst>
+              <a:ext uri="{FF2B5EF4-FFF2-40B4-BE49-F238E27FC236}">
+                <a16:creationId xmlns:a16="http://schemas.microsoft.com/office/drawing/2014/main" id="{703D1774-4780-3220-B084-823C8F5A81A7}"/>
+              </a:ext>
+            </a:extLst>
+          </p:cNvPr>
+          <p:cNvCxnSpPr>
+            <a:cxnSpLocks/>
+            <a:stCxn id="15" idx="2"/>
+            <a:endCxn id="14" idx="5"/>
+          </p:cNvCxnSpPr>
+          <p:nvPr/>
+        </p:nvCxnSpPr>
+        <p:spPr>
+          <a:xfrm flipH="1" flipV="1">
+            <a:off x="3176558" y="3067509"/>
+            <a:ext cx="4728281" cy="785644"/>
+          </a:xfrm>
+          <a:prstGeom prst="straightConnector1">
+            <a:avLst/>
+          </a:prstGeom>
+          <a:ln w="12700">
+            <a:solidFill>
+              <a:schemeClr val="tx1"/>
+            </a:solidFill>
+            <a:tailEnd type="triangle"/>
+          </a:ln>
+        </p:spPr>
+        <p:style>
+          <a:lnRef idx="1">
+            <a:schemeClr val="accent1"/>
+          </a:lnRef>
+          <a:fillRef idx="0">
+            <a:schemeClr val="accent1"/>
+          </a:fillRef>
+          <a:effectRef idx="0">
+            <a:schemeClr val="accent1"/>
+          </a:effectRef>
+          <a:fontRef idx="minor">
+            <a:schemeClr val="tx1"/>
+          </a:fontRef>
+        </p:style>
+      </p:cxnSp>
+      <p:cxnSp>
+        <p:nvCxnSpPr>
+          <p:cNvPr id="54" name="Conexão reta unidirecional 53">
+            <a:extLst>
+              <a:ext uri="{FF2B5EF4-FFF2-40B4-BE49-F238E27FC236}">
+                <a16:creationId xmlns:a16="http://schemas.microsoft.com/office/drawing/2014/main" id="{9ED28FDB-E017-BC4F-4663-EC1A04764968}"/>
+              </a:ext>
+            </a:extLst>
+          </p:cNvPr>
+          <p:cNvCxnSpPr>
+            <a:cxnSpLocks/>
+            <a:stCxn id="15" idx="7"/>
+            <a:endCxn id="12" idx="4"/>
+          </p:cNvCxnSpPr>
+          <p:nvPr/>
+        </p:nvCxnSpPr>
+        <p:spPr>
+          <a:xfrm flipV="1">
+            <a:off x="9130465" y="2781145"/>
+            <a:ext cx="751493" cy="834395"/>
+          </a:xfrm>
+          <a:prstGeom prst="straightConnector1">
+            <a:avLst/>
+          </a:prstGeom>
+          <a:ln w="12700">
+            <a:solidFill>
+              <a:schemeClr val="tx1"/>
+            </a:solidFill>
+            <a:tailEnd type="triangle"/>
+          </a:ln>
+        </p:spPr>
+        <p:style>
+          <a:lnRef idx="1">
+            <a:schemeClr val="accent1"/>
+          </a:lnRef>
+          <a:fillRef idx="0">
+            <a:schemeClr val="accent1"/>
+          </a:fillRef>
+          <a:effectRef idx="0">
+            <a:schemeClr val="accent1"/>
+          </a:effectRef>
+          <a:fontRef idx="minor">
+            <a:schemeClr val="tx1"/>
+          </a:fontRef>
+        </p:style>
+      </p:cxnSp>
+      <p:graphicFrame>
+        <p:nvGraphicFramePr>
+          <p:cNvPr id="58" name="Tabela 327">
+            <a:extLst>
+              <a:ext uri="{FF2B5EF4-FFF2-40B4-BE49-F238E27FC236}">
+                <a16:creationId xmlns:a16="http://schemas.microsoft.com/office/drawing/2014/main" id="{E53DF5C1-6141-3BA6-54C3-B1CEE667D0D2}"/>
+              </a:ext>
+            </a:extLst>
+          </p:cNvPr>
+          <p:cNvGraphicFramePr>
+            <a:graphicFrameLocks noGrp="1"/>
+          </p:cNvGraphicFramePr>
+          <p:nvPr>
+            <p:extLst>
+              <p:ext uri="{D42A27DB-BD31-4B8C-83A1-F6EECF244321}">
+                <p14:modId xmlns:p14="http://schemas.microsoft.com/office/powerpoint/2010/main" val="1777964116"/>
+              </p:ext>
+            </p:extLst>
+          </p:nvPr>
+        </p:nvGraphicFramePr>
+        <p:xfrm>
+          <a:off x="352067" y="5578754"/>
+          <a:ext cx="11481288" cy="1280160"/>
+        </p:xfrm>
+        <a:graphic>
+          <a:graphicData uri="http://schemas.openxmlformats.org/drawingml/2006/table">
+            <a:tbl>
+              <a:tblPr firstRow="1" bandRow="1">
+                <a:tableStyleId>{073A0DAA-6AF3-43AB-8588-CEC1D06C72B9}</a:tableStyleId>
+              </a:tblPr>
+              <a:tblGrid>
+                <a:gridCol w="1899087">
+                  <a:extLst>
+                    <a:ext uri="{9D8B030D-6E8A-4147-A177-3AD203B41FA5}">
+                      <a16:colId xmlns:a16="http://schemas.microsoft.com/office/drawing/2014/main" val="513762713"/>
+                    </a:ext>
+                  </a:extLst>
+                </a:gridCol>
+                <a:gridCol w="1031846">
+                  <a:extLst>
+                    <a:ext uri="{9D8B030D-6E8A-4147-A177-3AD203B41FA5}">
+                      <a16:colId xmlns:a16="http://schemas.microsoft.com/office/drawing/2014/main" val="3183568932"/>
+                    </a:ext>
+                  </a:extLst>
+                </a:gridCol>
+                <a:gridCol w="2348918">
+                  <a:extLst>
+                    <a:ext uri="{9D8B030D-6E8A-4147-A177-3AD203B41FA5}">
+                      <a16:colId xmlns:a16="http://schemas.microsoft.com/office/drawing/2014/main" val="2215342294"/>
+                    </a:ext>
+                  </a:extLst>
+                </a:gridCol>
+                <a:gridCol w="6201437">
+                  <a:extLst>
+                    <a:ext uri="{9D8B030D-6E8A-4147-A177-3AD203B41FA5}">
+                      <a16:colId xmlns:a16="http://schemas.microsoft.com/office/drawing/2014/main" val="1372285914"/>
+                    </a:ext>
+                  </a:extLst>
+                </a:gridCol>
+              </a:tblGrid>
+              <a:tr h="0">
+                <a:tc>
+                  <a:txBody>
+                    <a:bodyPr/>
+                    <a:lstStyle/>
+                    <a:p>
+                      <a:r>
+                        <a:rPr lang="pt-PT" sz="1200" b="0" dirty="0">
+                          <a:solidFill>
+                            <a:schemeClr val="tx1"/>
+                          </a:solidFill>
+                        </a:rPr>
+                        <a:t>1 – </a:t>
+                      </a:r>
+                      <a:r>
+                        <a:rPr lang="pt-PT" sz="1200" b="0" dirty="0" err="1">
+                          <a:solidFill>
+                            <a:schemeClr val="tx1"/>
+                          </a:solidFill>
+                        </a:rPr>
+                        <a:t>inst</a:t>
+                      </a:r>
+                      <a:endParaRPr lang="pt-PT" sz="1200" b="0" dirty="0">
+                        <a:solidFill>
+                          <a:schemeClr val="tx1"/>
+                        </a:solidFill>
+                      </a:endParaRPr>
+                    </a:p>
+                  </a:txBody>
+                  <a:tcPr marT="0" marB="0">
+                    <a:solidFill>
+                      <a:schemeClr val="bg1"/>
+                    </a:solidFill>
+                  </a:tcPr>
+                </a:tc>
+                <a:tc>
+                  <a:txBody>
+                    <a:bodyPr/>
+                    <a:lstStyle/>
+                    <a:p>
+                      <a:pPr marL="0" marR="0" lvl="0" indent="0" algn="l" defTabSz="914400" rtl="0" eaLnBrk="1" fontAlgn="auto" latinLnBrk="0" hangingPunct="1">
+                        <a:lnSpc>
+                          <a:spcPct val="100000"/>
+                        </a:lnSpc>
+                        <a:spcBef>
+                          <a:spcPts val="0"/>
+                        </a:spcBef>
+                        <a:spcAft>
+                          <a:spcPts val="0"/>
+                        </a:spcAft>
+                        <a:buClrTx/>
+                        <a:buSzTx/>
+                        <a:buFontTx/>
+                        <a:buNone/>
+                        <a:tabLst/>
+                        <a:defRPr/>
+                      </a:pPr>
+                      <a:r>
+                        <a:rPr lang="pt-PT" sz="1200" b="0" dirty="0">
+                          <a:solidFill>
+                            <a:schemeClr val="tx1"/>
+                          </a:solidFill>
+                        </a:rPr>
+                        <a:t>5 – </a:t>
+                      </a:r>
+                      <a:r>
+                        <a:rPr lang="pt-PT" sz="1200" b="0" dirty="0" err="1">
+                          <a:solidFill>
+                            <a:schemeClr val="tx1"/>
+                          </a:solidFill>
+                        </a:rPr>
+                        <a:t>inst</a:t>
+                      </a:r>
+                      <a:r>
+                        <a:rPr lang="pt-PT" sz="1200" b="0" dirty="0">
+                          <a:solidFill>
+                            <a:schemeClr val="tx1"/>
+                          </a:solidFill>
+                        </a:rPr>
+                        <a:t>, </a:t>
+                      </a:r>
+                      <a:r>
+                        <a:rPr lang="pt-PT" sz="1200" b="0" dirty="0" err="1">
+                          <a:solidFill>
+                            <a:schemeClr val="tx1"/>
+                          </a:solidFill>
+                        </a:rPr>
+                        <a:t>start</a:t>
+                      </a:r>
+                      <a:endParaRPr lang="pt-PT" sz="1200" b="0" dirty="0">
+                        <a:solidFill>
+                          <a:schemeClr val="tx1"/>
+                        </a:solidFill>
+                      </a:endParaRPr>
+                    </a:p>
+                  </a:txBody>
+                  <a:tcPr marT="0" marB="0">
+                    <a:solidFill>
+                      <a:schemeClr val="bg1"/>
+                    </a:solidFill>
+                  </a:tcPr>
+                </a:tc>
+                <a:tc>
+                  <a:txBody>
+                    <a:bodyPr/>
+                    <a:lstStyle/>
+                    <a:p>
+                      <a:r>
+                        <a:rPr lang="pt-PT" sz="1200" b="0" dirty="0">
+                          <a:solidFill>
+                            <a:schemeClr val="tx1"/>
+                          </a:solidFill>
+                        </a:rPr>
+                        <a:t>8 – </a:t>
+                      </a:r>
+                      <a:r>
+                        <a:rPr lang="pt-PT" sz="1200" b="0" dirty="0" err="1">
+                          <a:solidFill>
+                            <a:schemeClr val="tx1"/>
+                          </a:solidFill>
+                        </a:rPr>
+                        <a:t>processAndReply</a:t>
+                      </a:r>
+                      <a:endParaRPr lang="pt-PT" sz="1200" dirty="0"/>
+                    </a:p>
+                  </a:txBody>
+                  <a:tcPr marT="0" marB="0">
+                    <a:solidFill>
+                      <a:schemeClr val="bg1"/>
+                    </a:solidFill>
+                  </a:tcPr>
+                </a:tc>
+                <a:tc>
+                  <a:txBody>
+                    <a:bodyPr/>
+                    <a:lstStyle/>
+                    <a:p>
+                      <a:r>
+                        <a:rPr lang="pt-PT" sz="1200" b="0" dirty="0">
+                          <a:solidFill>
+                            <a:schemeClr val="tx1"/>
+                          </a:solidFill>
+                        </a:rPr>
+                        <a:t>11 – </a:t>
+                      </a:r>
+                      <a:r>
+                        <a:rPr lang="pt-PT" sz="1200" b="0" dirty="0" err="1">
+                          <a:solidFill>
+                            <a:schemeClr val="tx1"/>
+                          </a:solidFill>
+                        </a:rPr>
+                        <a:t>sendAssaultParty</a:t>
+                      </a:r>
+                      <a:r>
+                        <a:rPr lang="pt-PT" sz="1200" b="0" dirty="0">
+                          <a:solidFill>
+                            <a:schemeClr val="tx1"/>
+                          </a:solidFill>
+                        </a:rPr>
+                        <a:t>, </a:t>
+                      </a:r>
+                      <a:r>
+                        <a:rPr lang="pt-PT" sz="1200" b="0" dirty="0" err="1">
+                          <a:solidFill>
+                            <a:schemeClr val="tx1"/>
+                          </a:solidFill>
+                        </a:rPr>
+                        <a:t>crawlIn</a:t>
+                      </a:r>
+                      <a:r>
+                        <a:rPr lang="pt-PT" sz="1200" b="0" dirty="0">
+                          <a:solidFill>
+                            <a:schemeClr val="tx1"/>
+                          </a:solidFill>
+                        </a:rPr>
+                        <a:t>, </a:t>
+                      </a:r>
+                      <a:r>
+                        <a:rPr lang="pt-PT" sz="1200" b="0" dirty="0" err="1">
+                          <a:solidFill>
+                            <a:schemeClr val="tx1"/>
+                          </a:solidFill>
+                        </a:rPr>
+                        <a:t>reverseDirection</a:t>
+                      </a:r>
+                      <a:r>
+                        <a:rPr lang="pt-PT" sz="1200" b="0" dirty="0">
+                          <a:solidFill>
+                            <a:schemeClr val="tx1"/>
+                          </a:solidFill>
+                        </a:rPr>
+                        <a:t>, </a:t>
+                      </a:r>
+                      <a:r>
+                        <a:rPr lang="pt-PT" sz="1200" b="0" dirty="0" err="1">
+                          <a:solidFill>
+                            <a:schemeClr val="tx1"/>
+                          </a:solidFill>
+                        </a:rPr>
+                        <a:t>crawlOut</a:t>
+                      </a:r>
+                      <a:r>
+                        <a:rPr lang="pt-PT" sz="1200" b="0" dirty="0">
+                          <a:solidFill>
+                            <a:schemeClr val="tx1"/>
+                          </a:solidFill>
+                        </a:rPr>
+                        <a:t>, </a:t>
+                      </a:r>
+                      <a:r>
+                        <a:rPr lang="pt-PT" sz="1200" b="0" dirty="0" err="1">
+                          <a:solidFill>
+                            <a:schemeClr val="tx1"/>
+                          </a:solidFill>
+                        </a:rPr>
+                        <a:t>shutdown</a:t>
+                      </a:r>
+                      <a:r>
+                        <a:rPr lang="pt-PT" sz="1200" b="0" dirty="0">
+                          <a:solidFill>
+                            <a:schemeClr val="tx1"/>
+                          </a:solidFill>
+                        </a:rPr>
+                        <a:t>, </a:t>
+                      </a:r>
+                      <a:r>
+                        <a:rPr lang="pt-PT" sz="1200" b="0" dirty="0" err="1">
+                          <a:solidFill>
+                            <a:schemeClr val="tx1"/>
+                          </a:solidFill>
+                        </a:rPr>
+                        <a:t>getRoom</a:t>
+                      </a:r>
+                      <a:r>
+                        <a:rPr lang="pt-PT" sz="1200" b="0" dirty="0">
+                          <a:solidFill>
+                            <a:schemeClr val="tx1"/>
+                          </a:solidFill>
+                        </a:rPr>
+                        <a:t>, </a:t>
+                      </a:r>
+                      <a:r>
+                        <a:rPr lang="pt-PT" sz="1200" b="0" dirty="0" err="1">
+                          <a:solidFill>
+                            <a:schemeClr val="tx1"/>
+                          </a:solidFill>
+                        </a:rPr>
+                        <a:t>setBusyHands</a:t>
+                      </a:r>
+                      <a:r>
+                        <a:rPr lang="pt-PT" sz="1200" b="0" dirty="0">
+                          <a:solidFill>
+                            <a:schemeClr val="tx1"/>
+                          </a:solidFill>
+                        </a:rPr>
+                        <a:t>, </a:t>
+                      </a:r>
+                      <a:r>
+                        <a:rPr lang="pt-PT" sz="1200" b="0" dirty="0" err="1">
+                          <a:solidFill>
+                            <a:schemeClr val="tx1"/>
+                          </a:solidFill>
+                        </a:rPr>
+                        <a:t>hasBusyHands</a:t>
+                      </a:r>
+                      <a:r>
+                        <a:rPr lang="pt-PT" sz="1200" b="0" dirty="0">
+                          <a:solidFill>
+                            <a:schemeClr val="tx1"/>
+                          </a:solidFill>
+                        </a:rPr>
+                        <a:t>, </a:t>
+                      </a:r>
+                      <a:r>
+                        <a:rPr lang="pt-PT" sz="1200" b="0" dirty="0" err="1">
+                          <a:solidFill>
+                            <a:schemeClr val="tx1"/>
+                          </a:solidFill>
+                        </a:rPr>
+                        <a:t>removeMember</a:t>
+                      </a:r>
+                      <a:r>
+                        <a:rPr lang="pt-PT" sz="1200" b="0" dirty="0">
+                          <a:solidFill>
+                            <a:schemeClr val="tx1"/>
+                          </a:solidFill>
+                        </a:rPr>
+                        <a:t>, </a:t>
+                      </a:r>
+                      <a:r>
+                        <a:rPr lang="pt-PT" sz="1200" b="0" dirty="0" err="1">
+                          <a:solidFill>
+                            <a:schemeClr val="tx1"/>
+                          </a:solidFill>
+                        </a:rPr>
+                        <a:t>isEmpty</a:t>
+                      </a:r>
+                      <a:r>
+                        <a:rPr lang="pt-PT" sz="1200" b="0" dirty="0">
+                          <a:solidFill>
+                            <a:schemeClr val="tx1"/>
+                          </a:solidFill>
+                        </a:rPr>
+                        <a:t>, </a:t>
+                      </a:r>
+                      <a:r>
+                        <a:rPr lang="pt-PT" sz="1200" b="0" dirty="0" err="1">
+                          <a:solidFill>
+                            <a:schemeClr val="tx1"/>
+                          </a:solidFill>
+                        </a:rPr>
+                        <a:t>setInOperation</a:t>
+                      </a:r>
+                      <a:r>
+                        <a:rPr lang="pt-PT" sz="1200" b="0" dirty="0">
+                          <a:solidFill>
+                            <a:schemeClr val="tx1"/>
+                          </a:solidFill>
+                        </a:rPr>
+                        <a:t>, </a:t>
+                      </a:r>
+                      <a:r>
+                        <a:rPr lang="pt-PT" sz="1200" b="0" dirty="0" err="1">
+                          <a:solidFill>
+                            <a:schemeClr val="tx1"/>
+                          </a:solidFill>
+                        </a:rPr>
+                        <a:t>setMembers</a:t>
+                      </a:r>
+                      <a:r>
+                        <a:rPr lang="pt-PT" sz="1200" b="0" dirty="0">
+                          <a:solidFill>
+                            <a:schemeClr val="tx1"/>
+                          </a:solidFill>
+                        </a:rPr>
+                        <a:t>, </a:t>
+                      </a:r>
+                      <a:r>
+                        <a:rPr lang="pt-PT" sz="1200" b="0" dirty="0" err="1">
+                          <a:solidFill>
+                            <a:schemeClr val="tx1"/>
+                          </a:solidFill>
+                        </a:rPr>
+                        <a:t>isInOperation</a:t>
+                      </a:r>
+                      <a:r>
+                        <a:rPr lang="pt-PT" sz="1200" b="0" dirty="0">
+                          <a:solidFill>
+                            <a:schemeClr val="tx1"/>
+                          </a:solidFill>
+                        </a:rPr>
+                        <a:t>, </a:t>
+                      </a:r>
+                      <a:r>
+                        <a:rPr lang="pt-PT" sz="1200" b="0" dirty="0" err="1">
+                          <a:solidFill>
+                            <a:schemeClr val="tx1"/>
+                          </a:solidFill>
+                        </a:rPr>
+                        <a:t>isMember</a:t>
+                      </a:r>
+                      <a:r>
+                        <a:rPr lang="pt-PT" sz="1200" b="0" dirty="0">
+                          <a:solidFill>
+                            <a:schemeClr val="tx1"/>
+                          </a:solidFill>
+                        </a:rPr>
+                        <a:t>, </a:t>
+                      </a:r>
+                      <a:r>
+                        <a:rPr lang="pt-PT" sz="1200" b="0" dirty="0" err="1">
+                          <a:solidFill>
+                            <a:schemeClr val="tx1"/>
+                          </a:solidFill>
+                        </a:rPr>
+                        <a:t>setRoom</a:t>
+                      </a:r>
+                      <a:endParaRPr lang="pt-PT" sz="1200" b="0" dirty="0">
+                        <a:solidFill>
+                          <a:schemeClr val="tx1"/>
+                        </a:solidFill>
+                      </a:endParaRPr>
+                    </a:p>
+                  </a:txBody>
+                  <a:tcPr marT="0" marB="0">
+                    <a:solidFill>
+                      <a:schemeClr val="bg1"/>
+                    </a:solidFill>
+                  </a:tcPr>
+                </a:tc>
+                <a:extLst>
+                  <a:ext uri="{0D108BD9-81ED-4DB2-BD59-A6C34878D82A}">
+                    <a16:rowId xmlns:a16="http://schemas.microsoft.com/office/drawing/2014/main" val="4158816649"/>
+                  </a:ext>
+                </a:extLst>
+              </a:tr>
+              <a:tr h="0">
+                <a:tc>
+                  <a:txBody>
+                    <a:bodyPr/>
+                    <a:lstStyle/>
+                    <a:p>
+                      <a:r>
+                        <a:rPr lang="pt-PT" sz="1200" b="0" dirty="0">
+                          <a:solidFill>
+                            <a:schemeClr val="tx1"/>
+                          </a:solidFill>
+                        </a:rPr>
+                        <a:t>2 – </a:t>
+                      </a:r>
+                      <a:r>
+                        <a:rPr lang="pt-PT" sz="1200" b="0" dirty="0" err="1">
+                          <a:solidFill>
+                            <a:schemeClr val="tx1"/>
+                          </a:solidFill>
+                        </a:rPr>
+                        <a:t>inst</a:t>
+                      </a:r>
+                      <a:endParaRPr lang="pt-PT" sz="1200" b="0" dirty="0">
+                        <a:solidFill>
+                          <a:schemeClr val="tx1"/>
+                        </a:solidFill>
+                      </a:endParaRPr>
+                    </a:p>
+                    <a:p>
+                      <a:pPr marL="0" marR="0" lvl="0" indent="0" algn="l" defTabSz="914400" rtl="0" eaLnBrk="1" fontAlgn="auto" latinLnBrk="0" hangingPunct="1">
+                        <a:lnSpc>
+                          <a:spcPct val="100000"/>
+                        </a:lnSpc>
+                        <a:spcBef>
+                          <a:spcPts val="0"/>
+                        </a:spcBef>
+                        <a:spcAft>
+                          <a:spcPts val="0"/>
+                        </a:spcAft>
+                        <a:buClrTx/>
+                        <a:buSzTx/>
+                        <a:buFontTx/>
+                        <a:buNone/>
+                        <a:tabLst/>
+                        <a:defRPr/>
+                      </a:pPr>
+                      <a:r>
+                        <a:rPr lang="pt-PT" sz="1200" b="0" dirty="0">
+                          <a:solidFill>
+                            <a:schemeClr val="tx1"/>
+                          </a:solidFill>
+                        </a:rPr>
+                        <a:t>3 – </a:t>
+                      </a:r>
+                      <a:r>
+                        <a:rPr lang="pt-PT" sz="1200" b="0" dirty="0" err="1">
+                          <a:solidFill>
+                            <a:schemeClr val="tx1"/>
+                          </a:solidFill>
+                        </a:rPr>
+                        <a:t>inst</a:t>
+                      </a:r>
+                      <a:r>
+                        <a:rPr lang="pt-PT" sz="1200" b="0" dirty="0">
+                          <a:solidFill>
+                            <a:schemeClr val="tx1"/>
+                          </a:solidFill>
+                        </a:rPr>
+                        <a:t>, </a:t>
+                      </a:r>
+                      <a:r>
+                        <a:rPr lang="pt-PT" sz="1200" b="0" dirty="0" err="1">
+                          <a:solidFill>
+                            <a:schemeClr val="tx1"/>
+                          </a:solidFill>
+                        </a:rPr>
+                        <a:t>start</a:t>
+                      </a:r>
+                      <a:r>
+                        <a:rPr lang="pt-PT" sz="1200" b="0" dirty="0">
+                          <a:solidFill>
+                            <a:schemeClr val="tx1"/>
+                          </a:solidFill>
+                        </a:rPr>
+                        <a:t>, </a:t>
+                      </a:r>
+                      <a:r>
+                        <a:rPr lang="pt-PT" sz="1200" b="0" dirty="0" err="1">
+                          <a:solidFill>
+                            <a:schemeClr val="tx1"/>
+                          </a:solidFill>
+                        </a:rPr>
+                        <a:t>accept</a:t>
+                      </a:r>
+                      <a:r>
+                        <a:rPr lang="pt-PT" sz="1200" b="0" dirty="0">
+                          <a:solidFill>
+                            <a:schemeClr val="tx1"/>
+                          </a:solidFill>
+                        </a:rPr>
+                        <a:t>, </a:t>
+                      </a:r>
+                      <a:r>
+                        <a:rPr lang="pt-PT" sz="1200" b="0" dirty="0" err="1">
+                          <a:solidFill>
+                            <a:schemeClr val="tx1"/>
+                          </a:solidFill>
+                        </a:rPr>
+                        <a:t>end</a:t>
+                      </a:r>
+                      <a:endParaRPr lang="pt-PT" sz="1200" b="0" dirty="0">
+                        <a:solidFill>
+                          <a:schemeClr val="tx1"/>
+                        </a:solidFill>
+                      </a:endParaRPr>
+                    </a:p>
+                  </a:txBody>
+                  <a:tcPr marT="0" marB="0">
+                    <a:solidFill>
+                      <a:schemeClr val="bg1"/>
+                    </a:solidFill>
+                  </a:tcPr>
+                </a:tc>
+                <a:tc>
+                  <a:txBody>
+                    <a:bodyPr/>
+                    <a:lstStyle/>
+                    <a:p>
+                      <a:r>
+                        <a:rPr lang="pt-PT" sz="1200" b="0" dirty="0">
+                          <a:solidFill>
+                            <a:schemeClr val="tx1"/>
+                          </a:solidFill>
+                        </a:rPr>
+                        <a:t>6 – </a:t>
+                      </a:r>
+                      <a:r>
+                        <a:rPr lang="pt-PT" sz="1200" b="0" dirty="0" err="1">
+                          <a:solidFill>
+                            <a:schemeClr val="tx1"/>
+                          </a:solidFill>
+                        </a:rPr>
+                        <a:t>inst</a:t>
+                      </a:r>
+                      <a:endParaRPr lang="pt-PT" sz="1200" b="0" dirty="0">
+                        <a:solidFill>
+                          <a:schemeClr val="tx1"/>
+                        </a:solidFill>
+                      </a:endParaRPr>
+                    </a:p>
+                  </a:txBody>
+                  <a:tcPr marT="0" marB="0">
+                    <a:solidFill>
+                      <a:schemeClr val="bg1"/>
+                    </a:solidFill>
+                  </a:tcPr>
+                </a:tc>
+                <a:tc>
+                  <a:txBody>
+                    <a:bodyPr/>
+                    <a:lstStyle/>
+                    <a:p>
+                      <a:pPr marL="0" marR="0" lvl="0" indent="0" algn="l" defTabSz="914400" rtl="0" eaLnBrk="1" fontAlgn="auto" latinLnBrk="0" hangingPunct="1">
+                        <a:lnSpc>
+                          <a:spcPct val="100000"/>
+                        </a:lnSpc>
+                        <a:spcBef>
+                          <a:spcPts val="0"/>
+                        </a:spcBef>
+                        <a:spcAft>
+                          <a:spcPts val="0"/>
+                        </a:spcAft>
+                        <a:buClrTx/>
+                        <a:buSzTx/>
+                        <a:buFontTx/>
+                        <a:buNone/>
+                        <a:tabLst/>
+                        <a:defRPr/>
+                      </a:pPr>
+                      <a:r>
+                        <a:rPr lang="pt-PT" sz="1200" b="0" dirty="0">
+                          <a:solidFill>
+                            <a:schemeClr val="tx1"/>
+                          </a:solidFill>
+                        </a:rPr>
+                        <a:t>9 – </a:t>
+                      </a:r>
+                      <a:r>
+                        <a:rPr lang="pt-PT" sz="1200" b="0" dirty="0" err="1">
+                          <a:solidFill>
+                            <a:schemeClr val="tx1"/>
+                          </a:solidFill>
+                        </a:rPr>
+                        <a:t>readObject</a:t>
+                      </a:r>
+                      <a:r>
+                        <a:rPr lang="pt-PT" sz="1200" b="0" dirty="0">
+                          <a:solidFill>
+                            <a:schemeClr val="tx1"/>
+                          </a:solidFill>
+                        </a:rPr>
+                        <a:t>, </a:t>
+                      </a:r>
+                      <a:r>
+                        <a:rPr lang="pt-PT" sz="1200" b="0" dirty="0" err="1">
+                          <a:solidFill>
+                            <a:schemeClr val="tx1"/>
+                          </a:solidFill>
+                        </a:rPr>
+                        <a:t>writeObject</a:t>
+                      </a:r>
+                      <a:r>
+                        <a:rPr lang="pt-PT" sz="1200" b="0" dirty="0">
+                          <a:solidFill>
+                            <a:schemeClr val="tx1"/>
+                          </a:solidFill>
+                        </a:rPr>
+                        <a:t>, </a:t>
+                      </a:r>
+                      <a:r>
+                        <a:rPr lang="pt-PT" sz="1200" b="0" dirty="0" err="1">
+                          <a:solidFill>
+                            <a:schemeClr val="tx1"/>
+                          </a:solidFill>
+                        </a:rPr>
+                        <a:t>close</a:t>
+                      </a:r>
+                      <a:endParaRPr lang="pt-PT" sz="1200" b="0" dirty="0">
+                        <a:solidFill>
+                          <a:schemeClr val="tx1"/>
+                        </a:solidFill>
+                      </a:endParaRPr>
+                    </a:p>
+                  </a:txBody>
+                  <a:tcPr marT="0" marB="0">
+                    <a:solidFill>
+                      <a:schemeClr val="bg1"/>
+                    </a:solidFill>
+                  </a:tcPr>
+                </a:tc>
+                <a:tc>
+                  <a:txBody>
+                    <a:bodyPr/>
+                    <a:lstStyle/>
+                    <a:p>
+                      <a:r>
+                        <a:rPr lang="pt-PT" sz="1200" dirty="0">
+                          <a:solidFill>
+                            <a:schemeClr val="tx1"/>
+                          </a:solidFill>
+                        </a:rPr>
+                        <a:t>12 – </a:t>
+                      </a:r>
+                      <a:r>
+                        <a:rPr lang="pt-PT" sz="1200" b="0" dirty="0" err="1">
+                          <a:solidFill>
+                            <a:schemeClr val="tx1"/>
+                          </a:solidFill>
+                        </a:rPr>
+                        <a:t>setMasterThiefState</a:t>
+                      </a:r>
+                      <a:r>
+                        <a:rPr lang="pt-PT" sz="1200" b="0" dirty="0">
+                          <a:solidFill>
+                            <a:schemeClr val="tx1"/>
+                          </a:solidFill>
+                        </a:rPr>
+                        <a:t>, </a:t>
+                      </a:r>
+                      <a:r>
+                        <a:rPr lang="pt-PT" sz="1200" b="0" dirty="0" err="1">
+                          <a:solidFill>
+                            <a:schemeClr val="tx1"/>
+                          </a:solidFill>
+                        </a:rPr>
+                        <a:t>setOrdinaryThiefState</a:t>
+                      </a:r>
+                      <a:r>
+                        <a:rPr lang="pt-PT" sz="1200" b="0" dirty="0">
+                          <a:solidFill>
+                            <a:schemeClr val="tx1"/>
+                          </a:solidFill>
+                        </a:rPr>
+                        <a:t>, </a:t>
+                      </a:r>
+                      <a:r>
+                        <a:rPr lang="pt-PT" sz="1200" b="0" dirty="0" err="1">
+                          <a:solidFill>
+                            <a:schemeClr val="tx1"/>
+                          </a:solidFill>
+                        </a:rPr>
+                        <a:t>setAssaultPartyMember</a:t>
+                      </a:r>
+                      <a:r>
+                        <a:rPr lang="pt-PT" sz="1200" b="0" dirty="0">
+                          <a:solidFill>
+                            <a:schemeClr val="tx1"/>
+                          </a:solidFill>
+                        </a:rPr>
+                        <a:t>, </a:t>
+                      </a:r>
+                      <a:r>
+                        <a:rPr lang="pt-PT" sz="1200" b="0" dirty="0" err="1">
+                          <a:solidFill>
+                            <a:schemeClr val="tx1"/>
+                          </a:solidFill>
+                        </a:rPr>
+                        <a:t>setAssaultPartyRoom</a:t>
+                      </a:r>
+                      <a:r>
+                        <a:rPr lang="pt-PT" sz="1200" b="0" dirty="0">
+                          <a:solidFill>
+                            <a:schemeClr val="tx1"/>
+                          </a:solidFill>
+                        </a:rPr>
+                        <a:t>, </a:t>
+                      </a:r>
+                      <a:r>
+                        <a:rPr lang="pt-PT" sz="1200" b="0" dirty="0" err="1">
+                          <a:solidFill>
+                            <a:schemeClr val="tx1"/>
+                          </a:solidFill>
+                        </a:rPr>
+                        <a:t>removeAssaultPartyMember</a:t>
+                      </a:r>
+                      <a:endParaRPr lang="pt-PT" sz="1200" dirty="0">
+                        <a:solidFill>
+                          <a:schemeClr val="tx1"/>
+                        </a:solidFill>
+                      </a:endParaRPr>
+                    </a:p>
+                  </a:txBody>
+                  <a:tcPr marT="0" marB="0">
+                    <a:solidFill>
+                      <a:schemeClr val="bg1"/>
+                    </a:solidFill>
+                  </a:tcPr>
+                </a:tc>
+                <a:extLst>
+                  <a:ext uri="{0D108BD9-81ED-4DB2-BD59-A6C34878D82A}">
+                    <a16:rowId xmlns:a16="http://schemas.microsoft.com/office/drawing/2014/main" val="267788853"/>
+                  </a:ext>
+                </a:extLst>
+              </a:tr>
+              <a:tr h="98816">
+                <a:tc>
+                  <a:txBody>
+                    <a:bodyPr/>
+                    <a:lstStyle/>
+                    <a:p>
+                      <a:pPr marL="0" marR="0" lvl="0" indent="0" algn="l" defTabSz="914400" rtl="0" eaLnBrk="1" fontAlgn="auto" latinLnBrk="0" hangingPunct="1">
+                        <a:lnSpc>
+                          <a:spcPct val="100000"/>
+                        </a:lnSpc>
+                        <a:spcBef>
+                          <a:spcPts val="0"/>
+                        </a:spcBef>
+                        <a:spcAft>
+                          <a:spcPts val="0"/>
+                        </a:spcAft>
+                        <a:buClrTx/>
+                        <a:buSzTx/>
+                        <a:buFontTx/>
+                        <a:buNone/>
+                        <a:tabLst/>
+                        <a:defRPr/>
+                      </a:pPr>
+                      <a:r>
+                        <a:rPr lang="pt-PT" sz="1200" b="0" dirty="0">
+                          <a:solidFill>
+                            <a:schemeClr val="tx1"/>
+                          </a:solidFill>
+                        </a:rPr>
+                        <a:t>4 – </a:t>
+                      </a:r>
+                      <a:r>
+                        <a:rPr lang="pt-PT" sz="1200" b="0" dirty="0" err="1">
+                          <a:solidFill>
+                            <a:schemeClr val="tx1"/>
+                          </a:solidFill>
+                        </a:rPr>
+                        <a:t>inst</a:t>
+                      </a:r>
+                      <a:endParaRPr lang="pt-PT" sz="1200" b="0" dirty="0">
+                        <a:solidFill>
+                          <a:schemeClr val="tx1"/>
+                        </a:solidFill>
+                      </a:endParaRPr>
+                    </a:p>
+                  </a:txBody>
+                  <a:tcPr marT="0" marB="0">
+                    <a:solidFill>
+                      <a:schemeClr val="bg1"/>
+                    </a:solidFill>
+                  </a:tcPr>
+                </a:tc>
+                <a:tc>
+                  <a:txBody>
+                    <a:bodyPr/>
+                    <a:lstStyle/>
+                    <a:p>
+                      <a:pPr marL="0" marR="0" lvl="0" indent="0" algn="l" defTabSz="914400" rtl="0" eaLnBrk="1" fontAlgn="auto" latinLnBrk="0" hangingPunct="1">
+                        <a:lnSpc>
+                          <a:spcPct val="100000"/>
+                        </a:lnSpc>
+                        <a:spcBef>
+                          <a:spcPts val="0"/>
+                        </a:spcBef>
+                        <a:spcAft>
+                          <a:spcPts val="0"/>
+                        </a:spcAft>
+                        <a:buClrTx/>
+                        <a:buSzTx/>
+                        <a:buFontTx/>
+                        <a:buNone/>
+                        <a:tabLst/>
+                        <a:defRPr/>
+                      </a:pPr>
+                      <a:r>
+                        <a:rPr lang="pt-PT" sz="1200" b="0" dirty="0">
+                          <a:solidFill>
+                            <a:schemeClr val="tx1"/>
+                          </a:solidFill>
+                        </a:rPr>
+                        <a:t>7 – </a:t>
+                      </a:r>
+                      <a:r>
+                        <a:rPr lang="pt-PT" sz="1200" b="0" dirty="0" err="1">
+                          <a:solidFill>
+                            <a:schemeClr val="tx1"/>
+                          </a:solidFill>
+                        </a:rPr>
+                        <a:t>inst</a:t>
+                      </a:r>
+                      <a:endParaRPr lang="pt-PT" sz="1200" b="0" dirty="0">
+                        <a:solidFill>
+                          <a:schemeClr val="tx1"/>
+                        </a:solidFill>
+                      </a:endParaRPr>
+                    </a:p>
+                    <a:p>
+                      <a:endParaRPr lang="pt-PT" sz="1200" b="0" dirty="0">
+                        <a:solidFill>
+                          <a:schemeClr val="tx1"/>
+                        </a:solidFill>
+                      </a:endParaRPr>
+                    </a:p>
+                  </a:txBody>
+                  <a:tcPr marT="0" marB="0">
+                    <a:solidFill>
+                      <a:schemeClr val="bg1"/>
+                    </a:solidFill>
+                  </a:tcPr>
+                </a:tc>
+                <a:tc>
+                  <a:txBody>
+                    <a:bodyPr/>
+                    <a:lstStyle/>
+                    <a:p>
+                      <a:pPr marL="0" marR="0" lvl="0" indent="0" algn="l" defTabSz="914400" rtl="0" eaLnBrk="1" fontAlgn="auto" latinLnBrk="0" hangingPunct="1">
+                        <a:lnSpc>
+                          <a:spcPct val="100000"/>
+                        </a:lnSpc>
+                        <a:spcBef>
+                          <a:spcPts val="0"/>
+                        </a:spcBef>
+                        <a:spcAft>
+                          <a:spcPts val="0"/>
+                        </a:spcAft>
+                        <a:buClrTx/>
+                        <a:buSzTx/>
+                        <a:buFontTx/>
+                        <a:buNone/>
+                        <a:tabLst/>
+                        <a:defRPr/>
+                      </a:pPr>
+                      <a:r>
+                        <a:rPr lang="pt-PT" sz="1200" b="0" dirty="0">
+                          <a:solidFill>
+                            <a:schemeClr val="tx1"/>
+                          </a:solidFill>
+                        </a:rPr>
+                        <a:t>10 – </a:t>
+                      </a:r>
+                      <a:r>
+                        <a:rPr lang="pt-PT" sz="1200" b="0" dirty="0" err="1">
+                          <a:solidFill>
+                            <a:schemeClr val="tx1"/>
+                          </a:solidFill>
+                        </a:rPr>
+                        <a:t>get</a:t>
+                      </a:r>
+                      <a:r>
+                        <a:rPr lang="pt-PT" sz="1200" b="0" dirty="0">
+                          <a:solidFill>
+                            <a:schemeClr val="tx1"/>
+                          </a:solidFill>
+                        </a:rPr>
+                        <a:t> </a:t>
+                      </a:r>
+                      <a:r>
+                        <a:rPr lang="pt-PT" sz="1200" b="0" dirty="0" err="1">
+                          <a:solidFill>
+                            <a:schemeClr val="tx1"/>
+                          </a:solidFill>
+                        </a:rPr>
+                        <a:t>field</a:t>
+                      </a:r>
+                      <a:r>
+                        <a:rPr lang="pt-PT" sz="1200" b="0" dirty="0">
+                          <a:solidFill>
+                            <a:schemeClr val="tx1"/>
+                          </a:solidFill>
+                        </a:rPr>
+                        <a:t> </a:t>
+                      </a:r>
+                      <a:r>
+                        <a:rPr lang="pt-PT" sz="1200" b="0" dirty="0" err="1">
+                          <a:solidFill>
+                            <a:schemeClr val="tx1"/>
+                          </a:solidFill>
+                        </a:rPr>
+                        <a:t>values</a:t>
+                      </a:r>
+                      <a:endParaRPr lang="pt-PT" sz="1200" dirty="0"/>
+                    </a:p>
+                    <a:p>
+                      <a:pPr marL="0" marR="0" lvl="0" indent="0" algn="l" defTabSz="914400" rtl="0" eaLnBrk="1" fontAlgn="auto" latinLnBrk="0" hangingPunct="1">
+                        <a:lnSpc>
+                          <a:spcPct val="100000"/>
+                        </a:lnSpc>
+                        <a:spcBef>
+                          <a:spcPts val="0"/>
+                        </a:spcBef>
+                        <a:spcAft>
+                          <a:spcPts val="0"/>
+                        </a:spcAft>
+                        <a:buClrTx/>
+                        <a:buSzTx/>
+                        <a:buFontTx/>
+                        <a:buNone/>
+                        <a:tabLst/>
+                        <a:defRPr/>
+                      </a:pPr>
+                      <a:endParaRPr lang="pt-PT" sz="1200" b="0" dirty="0">
+                        <a:solidFill>
+                          <a:schemeClr val="tx1"/>
+                        </a:solidFill>
+                      </a:endParaRPr>
+                    </a:p>
+                  </a:txBody>
+                  <a:tcPr marT="0" marB="0">
+                    <a:solidFill>
+                      <a:schemeClr val="bg1"/>
+                    </a:solidFill>
+                  </a:tcPr>
+                </a:tc>
+                <a:tc>
+                  <a:txBody>
+                    <a:bodyPr/>
+                    <a:lstStyle/>
+                    <a:p>
+                      <a:r>
+                        <a:rPr lang="pt-PT" sz="1200" dirty="0">
+                          <a:solidFill>
+                            <a:schemeClr val="tx1"/>
+                          </a:solidFill>
+                        </a:rPr>
+                        <a:t>13 - </a:t>
+                      </a:r>
+                      <a:r>
+                        <a:rPr lang="pt-PT" sz="1200" dirty="0" err="1">
+                          <a:solidFill>
+                            <a:schemeClr val="tx1"/>
+                          </a:solidFill>
+                        </a:rPr>
+                        <a:t>inst</a:t>
+                      </a:r>
+                      <a:endParaRPr lang="pt-PT" sz="1200" dirty="0">
+                        <a:solidFill>
+                          <a:schemeClr val="tx1"/>
+                        </a:solidFill>
+                      </a:endParaRPr>
+                    </a:p>
+                  </a:txBody>
+                  <a:tcPr marT="0" marB="0">
+                    <a:solidFill>
+                      <a:schemeClr val="bg1"/>
+                    </a:solidFill>
+                  </a:tcPr>
+                </a:tc>
+                <a:extLst>
+                  <a:ext uri="{0D108BD9-81ED-4DB2-BD59-A6C34878D82A}">
+                    <a16:rowId xmlns:a16="http://schemas.microsoft.com/office/drawing/2014/main" val="1091252465"/>
+                  </a:ext>
+                </a:extLst>
+              </a:tr>
+            </a:tbl>
+          </a:graphicData>
+        </a:graphic>
+      </p:graphicFrame>
+      <p:sp>
+        <p:nvSpPr>
+          <p:cNvPr id="59" name="CaixaDeTexto 58">
+            <a:extLst>
+              <a:ext uri="{FF2B5EF4-FFF2-40B4-BE49-F238E27FC236}">
+                <a16:creationId xmlns:a16="http://schemas.microsoft.com/office/drawing/2014/main" id="{B39303B6-A98A-4FE3-ACE7-CC98B56798C1}"/>
+              </a:ext>
+            </a:extLst>
+          </p:cNvPr>
+          <p:cNvSpPr txBox="1"/>
+          <p:nvPr/>
+        </p:nvSpPr>
+        <p:spPr>
+          <a:xfrm>
+            <a:off x="5250232" y="3839863"/>
+            <a:ext cx="311879" cy="276999"/>
+          </a:xfrm>
+          <a:prstGeom prst="rect">
+            <a:avLst/>
+          </a:prstGeom>
+          <a:noFill/>
+        </p:spPr>
+        <p:txBody>
+          <a:bodyPr wrap="square" rtlCol="0">
+            <a:spAutoFit/>
+          </a:bodyPr>
+          <a:lstStyle/>
+          <a:p>
+            <a:r>
+              <a:rPr lang="pt-PT" sz="1200" dirty="0"/>
+              <a:t>1</a:t>
+            </a:r>
+          </a:p>
+        </p:txBody>
+      </p:sp>
+      <p:sp>
+        <p:nvSpPr>
+          <p:cNvPr id="60" name="CaixaDeTexto 59">
+            <a:extLst>
+              <a:ext uri="{FF2B5EF4-FFF2-40B4-BE49-F238E27FC236}">
+                <a16:creationId xmlns:a16="http://schemas.microsoft.com/office/drawing/2014/main" id="{2C1E4EFC-4E55-A45C-5BB7-B02622290189}"/>
+              </a:ext>
+            </a:extLst>
+          </p:cNvPr>
+          <p:cNvSpPr txBox="1"/>
+          <p:nvPr/>
+        </p:nvSpPr>
+        <p:spPr>
+          <a:xfrm>
+            <a:off x="4317904" y="2306612"/>
+            <a:ext cx="311879" cy="276999"/>
+          </a:xfrm>
+          <a:prstGeom prst="rect">
+            <a:avLst/>
+          </a:prstGeom>
+          <a:noFill/>
+        </p:spPr>
+        <p:txBody>
+          <a:bodyPr wrap="square" rtlCol="0">
+            <a:spAutoFit/>
+          </a:bodyPr>
+          <a:lstStyle/>
+          <a:p>
+            <a:r>
+              <a:rPr lang="pt-PT" sz="1200" dirty="0"/>
+              <a:t>2</a:t>
+            </a:r>
+          </a:p>
+        </p:txBody>
+      </p:sp>
+      <p:sp>
+        <p:nvSpPr>
+          <p:cNvPr id="61" name="CaixaDeTexto 60">
+            <a:extLst>
+              <a:ext uri="{FF2B5EF4-FFF2-40B4-BE49-F238E27FC236}">
+                <a16:creationId xmlns:a16="http://schemas.microsoft.com/office/drawing/2014/main" id="{F490E1DE-798C-3A5C-F6C9-B1EE8F8630DF}"/>
+              </a:ext>
+            </a:extLst>
+          </p:cNvPr>
+          <p:cNvSpPr txBox="1"/>
+          <p:nvPr/>
+        </p:nvSpPr>
+        <p:spPr>
+          <a:xfrm>
+            <a:off x="7863385" y="2148915"/>
+            <a:ext cx="311879" cy="276999"/>
+          </a:xfrm>
+          <a:prstGeom prst="rect">
+            <a:avLst/>
+          </a:prstGeom>
+          <a:noFill/>
+        </p:spPr>
+        <p:txBody>
+          <a:bodyPr wrap="square" rtlCol="0">
+            <a:spAutoFit/>
+          </a:bodyPr>
+          <a:lstStyle/>
+          <a:p>
+            <a:r>
+              <a:rPr lang="pt-PT" sz="1200" dirty="0"/>
+              <a:t>3</a:t>
+            </a:r>
+          </a:p>
+        </p:txBody>
+      </p:sp>
+      <p:sp>
+        <p:nvSpPr>
+          <p:cNvPr id="62" name="CaixaDeTexto 61">
+            <a:extLst>
+              <a:ext uri="{FF2B5EF4-FFF2-40B4-BE49-F238E27FC236}">
+                <a16:creationId xmlns:a16="http://schemas.microsoft.com/office/drawing/2014/main" id="{186B3731-E49C-0BF4-23BC-87F30D073575}"/>
+              </a:ext>
+            </a:extLst>
+          </p:cNvPr>
+          <p:cNvSpPr txBox="1"/>
+          <p:nvPr/>
+        </p:nvSpPr>
+        <p:spPr>
+          <a:xfrm>
+            <a:off x="8910175" y="1260892"/>
+            <a:ext cx="311879" cy="276999"/>
+          </a:xfrm>
+          <a:prstGeom prst="rect">
+            <a:avLst/>
+          </a:prstGeom>
+          <a:noFill/>
+        </p:spPr>
+        <p:txBody>
+          <a:bodyPr wrap="square" rtlCol="0">
+            <a:spAutoFit/>
+          </a:bodyPr>
+          <a:lstStyle/>
+          <a:p>
+            <a:r>
+              <a:rPr lang="pt-PT" sz="1200" dirty="0"/>
+              <a:t>4</a:t>
+            </a:r>
+          </a:p>
+        </p:txBody>
+      </p:sp>
+      <p:sp>
+        <p:nvSpPr>
+          <p:cNvPr id="63" name="CaixaDeTexto 62">
+            <a:extLst>
+              <a:ext uri="{FF2B5EF4-FFF2-40B4-BE49-F238E27FC236}">
+                <a16:creationId xmlns:a16="http://schemas.microsoft.com/office/drawing/2014/main" id="{5198B64E-559D-E585-766A-F6D3964DD69B}"/>
+              </a:ext>
+            </a:extLst>
+          </p:cNvPr>
+          <p:cNvSpPr txBox="1"/>
+          <p:nvPr/>
+        </p:nvSpPr>
+        <p:spPr>
+          <a:xfrm>
+            <a:off x="7585713" y="2854630"/>
+            <a:ext cx="311879" cy="276999"/>
+          </a:xfrm>
+          <a:prstGeom prst="rect">
+            <a:avLst/>
+          </a:prstGeom>
+          <a:noFill/>
+        </p:spPr>
+        <p:txBody>
+          <a:bodyPr wrap="square" rtlCol="0">
+            <a:spAutoFit/>
+          </a:bodyPr>
+          <a:lstStyle/>
+          <a:p>
+            <a:r>
+              <a:rPr lang="pt-PT" sz="1200" dirty="0"/>
+              <a:t>5</a:t>
+            </a:r>
+          </a:p>
+        </p:txBody>
+      </p:sp>
+      <p:cxnSp>
+        <p:nvCxnSpPr>
+          <p:cNvPr id="64" name="Conexão reta unidirecional 63">
+            <a:extLst>
+              <a:ext uri="{FF2B5EF4-FFF2-40B4-BE49-F238E27FC236}">
+                <a16:creationId xmlns:a16="http://schemas.microsoft.com/office/drawing/2014/main" id="{A86C4A2D-6C34-2C9B-864D-D80AEF370AD2}"/>
+              </a:ext>
+            </a:extLst>
+          </p:cNvPr>
+          <p:cNvCxnSpPr>
+            <a:cxnSpLocks/>
+            <a:stCxn id="12" idx="1"/>
+            <a:endCxn id="44" idx="6"/>
+          </p:cNvCxnSpPr>
+          <p:nvPr/>
+        </p:nvCxnSpPr>
+        <p:spPr>
+          <a:xfrm flipH="1" flipV="1">
+            <a:off x="6175571" y="1322222"/>
+            <a:ext cx="3267360" cy="885276"/>
+          </a:xfrm>
+          <a:prstGeom prst="straightConnector1">
+            <a:avLst/>
+          </a:prstGeom>
+          <a:ln w="12700">
+            <a:solidFill>
+              <a:schemeClr val="tx1"/>
+            </a:solidFill>
+            <a:tailEnd type="triangle"/>
+          </a:ln>
+        </p:spPr>
+        <p:style>
+          <a:lnRef idx="1">
+            <a:schemeClr val="accent1"/>
+          </a:lnRef>
+          <a:fillRef idx="0">
+            <a:schemeClr val="accent1"/>
+          </a:fillRef>
+          <a:effectRef idx="0">
+            <a:schemeClr val="accent1"/>
+          </a:effectRef>
+          <a:fontRef idx="minor">
+            <a:schemeClr val="tx1"/>
+          </a:fontRef>
+        </p:style>
+      </p:cxnSp>
+      <p:sp>
+        <p:nvSpPr>
+          <p:cNvPr id="69" name="CaixaDeTexto 68">
+            <a:extLst>
+              <a:ext uri="{FF2B5EF4-FFF2-40B4-BE49-F238E27FC236}">
+                <a16:creationId xmlns:a16="http://schemas.microsoft.com/office/drawing/2014/main" id="{5B46D42A-CAC3-D308-61EF-E0E638CED307}"/>
+              </a:ext>
+            </a:extLst>
+          </p:cNvPr>
+          <p:cNvSpPr txBox="1"/>
+          <p:nvPr/>
+        </p:nvSpPr>
+        <p:spPr>
+          <a:xfrm>
+            <a:off x="7227516" y="1338160"/>
+            <a:ext cx="311879" cy="276999"/>
+          </a:xfrm>
+          <a:prstGeom prst="rect">
+            <a:avLst/>
+          </a:prstGeom>
+          <a:noFill/>
+        </p:spPr>
+        <p:txBody>
+          <a:bodyPr wrap="square" rtlCol="0">
+            <a:spAutoFit/>
+          </a:bodyPr>
+          <a:lstStyle/>
+          <a:p>
+            <a:r>
+              <a:rPr lang="pt-PT" sz="1200" dirty="0"/>
+              <a:t>6</a:t>
+            </a:r>
+          </a:p>
+        </p:txBody>
+      </p:sp>
+      <p:cxnSp>
+        <p:nvCxnSpPr>
+          <p:cNvPr id="70" name="Conexão reta unidirecional 69">
+            <a:extLst>
+              <a:ext uri="{FF2B5EF4-FFF2-40B4-BE49-F238E27FC236}">
+                <a16:creationId xmlns:a16="http://schemas.microsoft.com/office/drawing/2014/main" id="{CEA96A90-995A-04F6-2C87-4C451A532D7F}"/>
+              </a:ext>
+            </a:extLst>
+          </p:cNvPr>
+          <p:cNvCxnSpPr>
+            <a:cxnSpLocks/>
+            <a:stCxn id="14" idx="3"/>
+            <a:endCxn id="50" idx="0"/>
+          </p:cNvCxnSpPr>
+          <p:nvPr/>
+        </p:nvCxnSpPr>
+        <p:spPr>
+          <a:xfrm flipH="1">
+            <a:off x="1679200" y="3067509"/>
+            <a:ext cx="540682" cy="1230199"/>
+          </a:xfrm>
+          <a:prstGeom prst="straightConnector1">
+            <a:avLst/>
+          </a:prstGeom>
+          <a:ln w="12700">
+            <a:solidFill>
+              <a:schemeClr val="tx1"/>
+            </a:solidFill>
+            <a:tailEnd type="triangle"/>
+          </a:ln>
+        </p:spPr>
+        <p:style>
+          <a:lnRef idx="1">
+            <a:schemeClr val="accent1"/>
+          </a:lnRef>
+          <a:fillRef idx="0">
+            <a:schemeClr val="accent1"/>
+          </a:fillRef>
+          <a:effectRef idx="0">
+            <a:schemeClr val="accent1"/>
+          </a:effectRef>
+          <a:fontRef idx="minor">
+            <a:schemeClr val="tx1"/>
+          </a:fontRef>
+        </p:style>
+      </p:cxnSp>
+      <p:sp>
+        <p:nvSpPr>
+          <p:cNvPr id="73" name="CaixaDeTexto 72">
+            <a:extLst>
+              <a:ext uri="{FF2B5EF4-FFF2-40B4-BE49-F238E27FC236}">
+                <a16:creationId xmlns:a16="http://schemas.microsoft.com/office/drawing/2014/main" id="{8F9FDDCC-7859-25F3-0A0C-0521B964AC4E}"/>
+              </a:ext>
+            </a:extLst>
+          </p:cNvPr>
+          <p:cNvSpPr txBox="1"/>
+          <p:nvPr/>
+        </p:nvSpPr>
+        <p:spPr>
+          <a:xfrm>
+            <a:off x="1797701" y="3433195"/>
+            <a:ext cx="311879" cy="276999"/>
+          </a:xfrm>
+          <a:prstGeom prst="rect">
+            <a:avLst/>
+          </a:prstGeom>
+          <a:noFill/>
+        </p:spPr>
+        <p:txBody>
+          <a:bodyPr wrap="square" rtlCol="0">
+            <a:spAutoFit/>
+          </a:bodyPr>
+          <a:lstStyle/>
+          <a:p>
+            <a:r>
+              <a:rPr lang="pt-PT" sz="1200" dirty="0"/>
+              <a:t>7</a:t>
+            </a:r>
+          </a:p>
+        </p:txBody>
+      </p:sp>
+      <p:sp>
+        <p:nvSpPr>
+          <p:cNvPr id="75" name="CaixaDeTexto 74">
+            <a:extLst>
+              <a:ext uri="{FF2B5EF4-FFF2-40B4-BE49-F238E27FC236}">
+                <a16:creationId xmlns:a16="http://schemas.microsoft.com/office/drawing/2014/main" id="{4AB07291-6223-196F-FB73-CAE5C454B2BC}"/>
+              </a:ext>
+            </a:extLst>
+          </p:cNvPr>
+          <p:cNvSpPr txBox="1"/>
+          <p:nvPr/>
+        </p:nvSpPr>
+        <p:spPr>
+          <a:xfrm>
+            <a:off x="5021540" y="3132020"/>
+            <a:ext cx="311879" cy="276999"/>
+          </a:xfrm>
+          <a:prstGeom prst="rect">
+            <a:avLst/>
+          </a:prstGeom>
+          <a:noFill/>
+        </p:spPr>
+        <p:txBody>
+          <a:bodyPr wrap="square" rtlCol="0">
+            <a:spAutoFit/>
+          </a:bodyPr>
+          <a:lstStyle/>
+          <a:p>
+            <a:r>
+              <a:rPr lang="pt-PT" sz="1200" dirty="0"/>
+              <a:t>8</a:t>
+            </a:r>
+          </a:p>
+        </p:txBody>
+      </p:sp>
+      <p:sp>
+        <p:nvSpPr>
+          <p:cNvPr id="76" name="CaixaDeTexto 75">
+            <a:extLst>
+              <a:ext uri="{FF2B5EF4-FFF2-40B4-BE49-F238E27FC236}">
+                <a16:creationId xmlns:a16="http://schemas.microsoft.com/office/drawing/2014/main" id="{C21988D3-65FC-E777-B0B5-FBC91B1037B8}"/>
+              </a:ext>
+            </a:extLst>
+          </p:cNvPr>
+          <p:cNvSpPr txBox="1"/>
+          <p:nvPr/>
+        </p:nvSpPr>
+        <p:spPr>
+          <a:xfrm>
+            <a:off x="9496502" y="3102661"/>
+            <a:ext cx="351918" cy="276999"/>
+          </a:xfrm>
+          <a:prstGeom prst="rect">
+            <a:avLst/>
+          </a:prstGeom>
+          <a:noFill/>
+        </p:spPr>
+        <p:txBody>
+          <a:bodyPr wrap="square" rtlCol="0">
+            <a:spAutoFit/>
+          </a:bodyPr>
+          <a:lstStyle/>
+          <a:p>
+            <a:r>
+              <a:rPr lang="pt-PT" sz="1200" dirty="0"/>
+              <a:t>9</a:t>
+            </a:r>
+          </a:p>
+        </p:txBody>
+      </p:sp>
+      <p:cxnSp>
+        <p:nvCxnSpPr>
+          <p:cNvPr id="88" name="Conexão reta unidirecional 87">
+            <a:extLst>
+              <a:ext uri="{FF2B5EF4-FFF2-40B4-BE49-F238E27FC236}">
+                <a16:creationId xmlns:a16="http://schemas.microsoft.com/office/drawing/2014/main" id="{3AB859A0-7B7D-D430-6D2D-62292D644CF2}"/>
+              </a:ext>
+            </a:extLst>
+          </p:cNvPr>
+          <p:cNvCxnSpPr>
+            <a:cxnSpLocks/>
+            <a:stCxn id="14" idx="0"/>
+            <a:endCxn id="44" idx="2"/>
+          </p:cNvCxnSpPr>
+          <p:nvPr/>
+        </p:nvCxnSpPr>
+        <p:spPr>
+          <a:xfrm flipV="1">
+            <a:off x="2698220" y="1322222"/>
+            <a:ext cx="2014321" cy="1171640"/>
+          </a:xfrm>
+          <a:prstGeom prst="straightConnector1">
+            <a:avLst/>
+          </a:prstGeom>
+          <a:ln w="12700">
+            <a:solidFill>
+              <a:schemeClr val="tx1"/>
+            </a:solidFill>
+            <a:tailEnd type="triangle"/>
+          </a:ln>
+        </p:spPr>
+        <p:style>
+          <a:lnRef idx="1">
+            <a:schemeClr val="accent1"/>
+          </a:lnRef>
+          <a:fillRef idx="0">
+            <a:schemeClr val="accent1"/>
+          </a:fillRef>
+          <a:effectRef idx="0">
+            <a:schemeClr val="accent1"/>
+          </a:effectRef>
+          <a:fontRef idx="minor">
+            <a:schemeClr val="tx1"/>
+          </a:fontRef>
+        </p:style>
+      </p:cxnSp>
+      <p:sp>
+        <p:nvSpPr>
+          <p:cNvPr id="91" name="CaixaDeTexto 90">
+            <a:extLst>
+              <a:ext uri="{FF2B5EF4-FFF2-40B4-BE49-F238E27FC236}">
+                <a16:creationId xmlns:a16="http://schemas.microsoft.com/office/drawing/2014/main" id="{66603B5E-8A55-20E8-6EDF-1FCAA7B5248C}"/>
+              </a:ext>
+            </a:extLst>
+          </p:cNvPr>
+          <p:cNvSpPr txBox="1"/>
+          <p:nvPr/>
+        </p:nvSpPr>
+        <p:spPr>
+          <a:xfrm>
+            <a:off x="3446493" y="1639659"/>
+            <a:ext cx="351918" cy="276999"/>
+          </a:xfrm>
+          <a:prstGeom prst="rect">
+            <a:avLst/>
+          </a:prstGeom>
+          <a:noFill/>
+        </p:spPr>
+        <p:txBody>
+          <a:bodyPr wrap="square" rtlCol="0">
+            <a:spAutoFit/>
+          </a:bodyPr>
+          <a:lstStyle/>
+          <a:p>
+            <a:r>
+              <a:rPr lang="pt-PT" sz="1200" dirty="0"/>
+              <a:t>10</a:t>
+            </a:r>
+          </a:p>
+        </p:txBody>
+      </p:sp>
+      <p:cxnSp>
+        <p:nvCxnSpPr>
+          <p:cNvPr id="104" name="Conexão reta unidirecional 103">
+            <a:extLst>
+              <a:ext uri="{FF2B5EF4-FFF2-40B4-BE49-F238E27FC236}">
+                <a16:creationId xmlns:a16="http://schemas.microsoft.com/office/drawing/2014/main" id="{2C15AC54-0CD7-4F8E-2D51-909E0BD4810E}"/>
+              </a:ext>
+            </a:extLst>
+          </p:cNvPr>
+          <p:cNvCxnSpPr>
+            <a:cxnSpLocks/>
+            <a:stCxn id="14" idx="4"/>
+            <a:endCxn id="11" idx="1"/>
+          </p:cNvCxnSpPr>
+          <p:nvPr/>
+        </p:nvCxnSpPr>
+        <p:spPr>
+          <a:xfrm>
+            <a:off x="2698220" y="3165931"/>
+            <a:ext cx="1603728" cy="1541461"/>
+          </a:xfrm>
+          <a:prstGeom prst="straightConnector1">
+            <a:avLst/>
+          </a:prstGeom>
+          <a:ln w="12700">
+            <a:solidFill>
+              <a:schemeClr val="tx1"/>
+            </a:solidFill>
+            <a:tailEnd type="triangle"/>
+          </a:ln>
+        </p:spPr>
+        <p:style>
+          <a:lnRef idx="1">
+            <a:schemeClr val="accent1"/>
+          </a:lnRef>
+          <a:fillRef idx="0">
+            <a:schemeClr val="accent1"/>
+          </a:fillRef>
+          <a:effectRef idx="0">
+            <a:schemeClr val="accent1"/>
+          </a:effectRef>
+          <a:fontRef idx="minor">
+            <a:schemeClr val="tx1"/>
+          </a:fontRef>
+        </p:style>
+      </p:cxnSp>
+      <p:sp>
+        <p:nvSpPr>
+          <p:cNvPr id="107" name="CaixaDeTexto 106">
+            <a:extLst>
+              <a:ext uri="{FF2B5EF4-FFF2-40B4-BE49-F238E27FC236}">
+                <a16:creationId xmlns:a16="http://schemas.microsoft.com/office/drawing/2014/main" id="{9360E48F-23AB-E77B-7DAE-EC3BAB38C669}"/>
+              </a:ext>
+            </a:extLst>
+          </p:cNvPr>
+          <p:cNvSpPr txBox="1"/>
+          <p:nvPr/>
+        </p:nvSpPr>
+        <p:spPr>
+          <a:xfrm>
+            <a:off x="3198732" y="3898440"/>
+            <a:ext cx="351918" cy="276999"/>
+          </a:xfrm>
+          <a:prstGeom prst="rect">
+            <a:avLst/>
+          </a:prstGeom>
+          <a:noFill/>
+        </p:spPr>
+        <p:txBody>
+          <a:bodyPr wrap="square" rtlCol="0">
+            <a:spAutoFit/>
+          </a:bodyPr>
+          <a:lstStyle/>
+          <a:p>
+            <a:r>
+              <a:rPr lang="pt-PT" sz="1200" dirty="0"/>
+              <a:t>11</a:t>
+            </a:r>
+          </a:p>
+        </p:txBody>
+      </p:sp>
+      <p:cxnSp>
+        <p:nvCxnSpPr>
+          <p:cNvPr id="109" name="Conexão reta unidirecional 108">
+            <a:extLst>
+              <a:ext uri="{FF2B5EF4-FFF2-40B4-BE49-F238E27FC236}">
+                <a16:creationId xmlns:a16="http://schemas.microsoft.com/office/drawing/2014/main" id="{309149CE-2BC5-2B84-D80B-077C1603E30D}"/>
+              </a:ext>
+            </a:extLst>
+          </p:cNvPr>
+          <p:cNvCxnSpPr>
+            <a:cxnSpLocks/>
+            <a:stCxn id="11" idx="6"/>
+            <a:endCxn id="20" idx="2"/>
+          </p:cNvCxnSpPr>
+          <p:nvPr/>
+        </p:nvCxnSpPr>
+        <p:spPr>
+          <a:xfrm flipV="1">
+            <a:off x="5527574" y="4925160"/>
+            <a:ext cx="1563722" cy="19845"/>
+          </a:xfrm>
+          <a:prstGeom prst="straightConnector1">
+            <a:avLst/>
+          </a:prstGeom>
+          <a:ln w="12700">
+            <a:solidFill>
+              <a:schemeClr val="tx1"/>
+            </a:solidFill>
+            <a:tailEnd type="triangle"/>
+          </a:ln>
+        </p:spPr>
+        <p:style>
+          <a:lnRef idx="1">
+            <a:schemeClr val="accent1"/>
+          </a:lnRef>
+          <a:fillRef idx="0">
+            <a:schemeClr val="accent1"/>
+          </a:fillRef>
+          <a:effectRef idx="0">
+            <a:schemeClr val="accent1"/>
+          </a:effectRef>
+          <a:fontRef idx="minor">
+            <a:schemeClr val="tx1"/>
+          </a:fontRef>
+        </p:style>
+      </p:cxnSp>
+      <p:sp>
+        <p:nvSpPr>
+          <p:cNvPr id="112" name="CaixaDeTexto 111">
+            <a:extLst>
+              <a:ext uri="{FF2B5EF4-FFF2-40B4-BE49-F238E27FC236}">
+                <a16:creationId xmlns:a16="http://schemas.microsoft.com/office/drawing/2014/main" id="{9010865F-4844-EEB5-48FA-D3B834B03CEC}"/>
+              </a:ext>
+            </a:extLst>
+          </p:cNvPr>
+          <p:cNvSpPr txBox="1"/>
+          <p:nvPr/>
+        </p:nvSpPr>
+        <p:spPr>
+          <a:xfrm>
+            <a:off x="5977342" y="4668005"/>
+            <a:ext cx="351918" cy="276999"/>
+          </a:xfrm>
+          <a:prstGeom prst="rect">
+            <a:avLst/>
+          </a:prstGeom>
+          <a:noFill/>
+        </p:spPr>
+        <p:txBody>
+          <a:bodyPr wrap="square" rtlCol="0">
+            <a:spAutoFit/>
+          </a:bodyPr>
+          <a:lstStyle/>
+          <a:p>
+            <a:r>
+              <a:rPr lang="pt-PT" sz="1200" dirty="0"/>
+              <a:t>12</a:t>
+            </a:r>
+          </a:p>
+        </p:txBody>
+      </p:sp>
+      <p:sp>
+        <p:nvSpPr>
+          <p:cNvPr id="20" name="Oval 19">
+            <a:extLst>
+              <a:ext uri="{FF2B5EF4-FFF2-40B4-BE49-F238E27FC236}">
+                <a16:creationId xmlns:a16="http://schemas.microsoft.com/office/drawing/2014/main" id="{E18AC9D2-2A26-55FF-3B45-E23AF496A387}"/>
+              </a:ext>
+            </a:extLst>
+          </p:cNvPr>
+          <p:cNvSpPr/>
+          <p:nvPr/>
+        </p:nvSpPr>
+        <p:spPr>
+          <a:xfrm>
+            <a:off x="7091296" y="4589125"/>
+            <a:ext cx="1435910" cy="672069"/>
+          </a:xfrm>
+          <a:prstGeom prst="ellipse">
+            <a:avLst/>
+          </a:prstGeom>
+          <a:solidFill>
+            <a:schemeClr val="bg1"/>
+          </a:solidFill>
+          <a:ln>
+            <a:solidFill>
+              <a:schemeClr val="tx1"/>
+            </a:solidFill>
+          </a:ln>
+        </p:spPr>
+        <p:style>
+          <a:lnRef idx="2">
+            <a:schemeClr val="accent1">
+              <a:shade val="50000"/>
+            </a:schemeClr>
+          </a:lnRef>
+          <a:fillRef idx="1">
+            <a:schemeClr val="accent1"/>
+          </a:fillRef>
+          <a:effectRef idx="0">
+            <a:schemeClr val="accent1"/>
+          </a:effectRef>
+          <a:fontRef idx="minor">
+            <a:schemeClr val="lt1"/>
+          </a:fontRef>
+        </p:style>
+        <p:txBody>
+          <a:bodyPr rtlCol="0" anchor="ctr"/>
+          <a:lstStyle/>
+          <a:p>
+            <a:pPr algn="ctr"/>
+            <a:r>
+              <a:rPr lang="pt-PT" sz="1200" dirty="0" err="1">
+                <a:solidFill>
+                  <a:schemeClr val="tx1"/>
+                </a:solidFill>
+              </a:rPr>
+              <a:t>generalRepository</a:t>
+            </a:r>
+            <a:endParaRPr lang="pt-PT" sz="1200" dirty="0"/>
+          </a:p>
+        </p:txBody>
+      </p:sp>
+      <p:cxnSp>
+        <p:nvCxnSpPr>
+          <p:cNvPr id="21" name="Conexão reta unidirecional 20">
+            <a:extLst>
+              <a:ext uri="{FF2B5EF4-FFF2-40B4-BE49-F238E27FC236}">
+                <a16:creationId xmlns:a16="http://schemas.microsoft.com/office/drawing/2014/main" id="{8B7ACE30-46C6-9B22-840D-8A62AFF24541}"/>
+              </a:ext>
+            </a:extLst>
+          </p:cNvPr>
+          <p:cNvCxnSpPr>
+            <a:cxnSpLocks/>
+            <a:stCxn id="9" idx="5"/>
+            <a:endCxn id="20" idx="0"/>
+          </p:cNvCxnSpPr>
+          <p:nvPr/>
+        </p:nvCxnSpPr>
+        <p:spPr>
+          <a:xfrm>
+            <a:off x="6658520" y="2682208"/>
+            <a:ext cx="1150731" cy="1906917"/>
+          </a:xfrm>
+          <a:prstGeom prst="straightConnector1">
+            <a:avLst/>
+          </a:prstGeom>
+          <a:ln w="12700">
+            <a:solidFill>
+              <a:schemeClr val="tx1"/>
+            </a:solidFill>
+            <a:tailEnd type="triangle"/>
+          </a:ln>
+        </p:spPr>
+        <p:style>
+          <a:lnRef idx="1">
+            <a:schemeClr val="accent1"/>
+          </a:lnRef>
+          <a:fillRef idx="0">
+            <a:schemeClr val="accent1"/>
+          </a:fillRef>
+          <a:effectRef idx="0">
+            <a:schemeClr val="accent1"/>
+          </a:effectRef>
+          <a:fontRef idx="minor">
+            <a:schemeClr val="tx1"/>
+          </a:fontRef>
+        </p:style>
+      </p:cxnSp>
+      <p:sp>
+        <p:nvSpPr>
+          <p:cNvPr id="26" name="CaixaDeTexto 25">
+            <a:extLst>
+              <a:ext uri="{FF2B5EF4-FFF2-40B4-BE49-F238E27FC236}">
+                <a16:creationId xmlns:a16="http://schemas.microsoft.com/office/drawing/2014/main" id="{B77F9D0A-D949-04F5-2877-875F86014F56}"/>
+              </a:ext>
+            </a:extLst>
+          </p:cNvPr>
+          <p:cNvSpPr txBox="1"/>
+          <p:nvPr/>
+        </p:nvSpPr>
+        <p:spPr>
+          <a:xfrm>
+            <a:off x="6739378" y="3179815"/>
+            <a:ext cx="351918" cy="276999"/>
+          </a:xfrm>
+          <a:prstGeom prst="rect">
+            <a:avLst/>
+          </a:prstGeom>
+          <a:noFill/>
+        </p:spPr>
+        <p:txBody>
+          <a:bodyPr wrap="square" rtlCol="0">
+            <a:spAutoFit/>
+          </a:bodyPr>
+          <a:lstStyle/>
+          <a:p>
+            <a:r>
+              <a:rPr lang="pt-PT" sz="1200" dirty="0"/>
+              <a:t>13</a:t>
+            </a:r>
+          </a:p>
+        </p:txBody>
+      </p:sp>
+    </p:spTree>
+    <p:extLst>
+      <p:ext uri="{BB962C8B-B14F-4D97-AF65-F5344CB8AC3E}">
+        <p14:creationId xmlns:p14="http://schemas.microsoft.com/office/powerpoint/2010/main" val="289341078"/>
       </p:ext>
     </p:extLst>
   </p:cSld>
